--- a/S0_Introduction108.pptx
+++ b/S0_Introduction108.pptx
@@ -130,7 +130,7 @@
   </p:defaultTextStyle>
   <p:extLst>
     <p:ext uri="{EFAFB233-063F-42B5-8137-9DF3F51BA10A}">
-      <p15:sldGuideLst xmlns:p15="http://schemas.microsoft.com/office/powerpoint/2012/main" xmlns="">
+      <p15:sldGuideLst xmlns="" xmlns:p15="http://schemas.microsoft.com/office/powerpoint/2012/main">
         <p15:guide id="1" orient="horz" pos="2160">
           <p15:clr>
             <a:srgbClr val="A4A3A4"/>
@@ -229,7 +229,7 @@
           <a:p>
             <a:fld id="{560D3349-33AA-4085-AB63-E53579C9225F}" type="datetimeFigureOut">
               <a:rPr lang="zh-TW" altLang="en-US" smtClean="0"/>
-              <a:t>2019/6/4</a:t>
+              <a:t>2019/6/8</a:t>
             </a:fld>
             <a:endParaRPr lang="zh-TW" altLang="en-US"/>
           </a:p>
@@ -760,7 +760,7 @@
           <a:p>
             <a:fld id="{7A0211EE-8F08-434B-9E6F-7F4530A30DD7}" type="datetimeFigureOut">
               <a:rPr lang="zh-TW" altLang="en-US" smtClean="0"/>
-              <a:t>2019/6/4</a:t>
+              <a:t>2019/6/8</a:t>
             </a:fld>
             <a:endParaRPr lang="zh-TW" altLang="en-US"/>
           </a:p>
@@ -930,7 +930,7 @@
           <a:p>
             <a:fld id="{7A0211EE-8F08-434B-9E6F-7F4530A30DD7}" type="datetimeFigureOut">
               <a:rPr lang="zh-TW" altLang="en-US" smtClean="0"/>
-              <a:t>2019/6/4</a:t>
+              <a:t>2019/6/8</a:t>
             </a:fld>
             <a:endParaRPr lang="zh-TW" altLang="en-US"/>
           </a:p>
@@ -1110,7 +1110,7 @@
           <a:p>
             <a:fld id="{7A0211EE-8F08-434B-9E6F-7F4530A30DD7}" type="datetimeFigureOut">
               <a:rPr lang="zh-TW" altLang="en-US" smtClean="0"/>
-              <a:t>2019/6/4</a:t>
+              <a:t>2019/6/8</a:t>
             </a:fld>
             <a:endParaRPr lang="zh-TW" altLang="en-US"/>
           </a:p>
@@ -1352,7 +1352,7 @@
           <a:p>
             <a:fld id="{7A0211EE-8F08-434B-9E6F-7F4530A30DD7}" type="datetimeFigureOut">
               <a:rPr lang="zh-TW" altLang="en-US" smtClean="0"/>
-              <a:t>2019/6/4</a:t>
+              <a:t>2019/6/8</a:t>
             </a:fld>
             <a:endParaRPr lang="zh-TW" altLang="en-US"/>
           </a:p>
@@ -1598,7 +1598,7 @@
           <a:p>
             <a:fld id="{7A0211EE-8F08-434B-9E6F-7F4530A30DD7}" type="datetimeFigureOut">
               <a:rPr lang="zh-TW" altLang="en-US" smtClean="0"/>
-              <a:t>2019/6/4</a:t>
+              <a:t>2019/6/8</a:t>
             </a:fld>
             <a:endParaRPr lang="zh-TW" altLang="en-US"/>
           </a:p>
@@ -1830,7 +1830,7 @@
           <a:p>
             <a:fld id="{7A0211EE-8F08-434B-9E6F-7F4530A30DD7}" type="datetimeFigureOut">
               <a:rPr lang="zh-TW" altLang="en-US" smtClean="0"/>
-              <a:t>2019/6/4</a:t>
+              <a:t>2019/6/8</a:t>
             </a:fld>
             <a:endParaRPr lang="zh-TW" altLang="en-US"/>
           </a:p>
@@ -2197,7 +2197,7 @@
           <a:p>
             <a:fld id="{7A0211EE-8F08-434B-9E6F-7F4530A30DD7}" type="datetimeFigureOut">
               <a:rPr lang="zh-TW" altLang="en-US" smtClean="0"/>
-              <a:t>2019/6/4</a:t>
+              <a:t>2019/6/8</a:t>
             </a:fld>
             <a:endParaRPr lang="zh-TW" altLang="en-US"/>
           </a:p>
@@ -2315,7 +2315,7 @@
           <a:p>
             <a:fld id="{7A0211EE-8F08-434B-9E6F-7F4530A30DD7}" type="datetimeFigureOut">
               <a:rPr lang="zh-TW" altLang="en-US" smtClean="0"/>
-              <a:t>2019/6/4</a:t>
+              <a:t>2019/6/8</a:t>
             </a:fld>
             <a:endParaRPr lang="zh-TW" altLang="en-US"/>
           </a:p>
@@ -2410,7 +2410,7 @@
           <a:p>
             <a:fld id="{7A0211EE-8F08-434B-9E6F-7F4530A30DD7}" type="datetimeFigureOut">
               <a:rPr lang="zh-TW" altLang="en-US" smtClean="0"/>
-              <a:t>2019/6/4</a:t>
+              <a:t>2019/6/8</a:t>
             </a:fld>
             <a:endParaRPr lang="zh-TW" altLang="en-US"/>
           </a:p>
@@ -2687,7 +2687,7 @@
           <a:p>
             <a:fld id="{7A0211EE-8F08-434B-9E6F-7F4530A30DD7}" type="datetimeFigureOut">
               <a:rPr lang="zh-TW" altLang="en-US" smtClean="0"/>
-              <a:t>2019/6/4</a:t>
+              <a:t>2019/6/8</a:t>
             </a:fld>
             <a:endParaRPr lang="zh-TW" altLang="en-US"/>
           </a:p>
@@ -2940,7 +2940,7 @@
           <a:p>
             <a:fld id="{7A0211EE-8F08-434B-9E6F-7F4530A30DD7}" type="datetimeFigureOut">
               <a:rPr lang="zh-TW" altLang="en-US" smtClean="0"/>
-              <a:t>2019/6/4</a:t>
+              <a:t>2019/6/8</a:t>
             </a:fld>
             <a:endParaRPr lang="zh-TW" altLang="en-US"/>
           </a:p>
@@ -3163,7 +3163,7 @@
           <a:p>
             <a:fld id="{7A0211EE-8F08-434B-9E6F-7F4530A30DD7}" type="datetimeFigureOut">
               <a:rPr lang="zh-TW" altLang="en-US" smtClean="0"/>
-              <a:t>2019/6/4</a:t>
+              <a:t>2019/6/8</a:t>
             </a:fld>
             <a:endParaRPr lang="zh-TW" altLang="en-US"/>
           </a:p>
@@ -8125,11 +8125,21 @@
           <a:p>
             <a:pPr lvl="1"/>
             <a:r>
-              <a:rPr lang="zh-TW" altLang="en-US" sz="3200" dirty="0" smtClean="0">
-                <a:latin typeface="標楷體" panose="03000509000000000000" pitchFamily="65" charset="-120"/>
-                <a:ea typeface="標楷體" panose="03000509000000000000" pitchFamily="65" charset="-120"/>
-              </a:rPr>
-              <a:t>學會</a:t>
+              <a:rPr lang="zh-TW" altLang="en-US" sz="3200" smtClean="0">
+                <a:latin typeface="標楷體" panose="03000509000000000000" pitchFamily="65" charset="-120"/>
+                <a:ea typeface="標楷體" panose="03000509000000000000" pitchFamily="65" charset="-120"/>
+              </a:rPr>
+              <a:t>學會 </a:t>
+            </a:r>
+            <a:r>
+              <a:rPr lang="zh-TW" altLang="en-US" sz="3200" b="1" smtClean="0">
+                <a:solidFill>
+                  <a:srgbClr val="FF0000"/>
+                </a:solidFill>
+                <a:latin typeface="標楷體" panose="03000509000000000000" pitchFamily="65" charset="-120"/>
+                <a:ea typeface="標楷體" panose="03000509000000000000" pitchFamily="65" charset="-120"/>
+              </a:rPr>
+              <a:t>處理</a:t>
             </a:r>
             <a:r>
               <a:rPr lang="zh-TW" altLang="en-US" sz="3200" b="1" dirty="0" smtClean="0">
@@ -8139,7 +8149,7 @@
                 <a:latin typeface="標楷體" panose="03000509000000000000" pitchFamily="65" charset="-120"/>
                 <a:ea typeface="標楷體" panose="03000509000000000000" pitchFamily="65" charset="-120"/>
               </a:rPr>
-              <a:t>處理臨醫資訊</a:t>
+              <a:t>臨醫資訊</a:t>
             </a:r>
             <a:r>
               <a:rPr lang="zh-TW" altLang="en-US" sz="3200" dirty="0" smtClean="0">
@@ -8189,16 +8199,6 @@
               <a:t>IT</a:t>
             </a:r>
             <a:r>
-              <a:rPr lang="zh-TW" altLang="en-US" sz="2800" smtClean="0">
-                <a:solidFill>
-                  <a:srgbClr val="FF0000"/>
-                </a:solidFill>
-                <a:latin typeface="標楷體" panose="03000509000000000000" pitchFamily="65" charset="-120"/>
-                <a:ea typeface="標楷體" panose="03000509000000000000" pitchFamily="65" charset="-120"/>
-              </a:rPr>
-              <a:t> 人員通常不會</a:t>
-            </a:r>
-            <a:r>
               <a:rPr lang="zh-TW" altLang="en-US" sz="2800" dirty="0" smtClean="0">
                 <a:solidFill>
                   <a:srgbClr val="FF0000"/>
@@ -8206,7 +8206,7 @@
                 <a:latin typeface="標楷體" panose="03000509000000000000" pitchFamily="65" charset="-120"/>
                 <a:ea typeface="標楷體" panose="03000509000000000000" pitchFamily="65" charset="-120"/>
               </a:rPr>
-              <a:t>處理臨醫資訊</a:t>
+              <a:t> 人員通常不會處理臨醫資訊</a:t>
             </a:r>
             <a:r>
               <a:rPr lang="en-US" altLang="zh-TW" sz="2800" dirty="0" smtClean="0">
@@ -8218,13 +8218,6 @@
               </a:rPr>
               <a:t>!</a:t>
             </a:r>
-            <a:endParaRPr lang="en-US" altLang="zh-TW" sz="2800" dirty="0" smtClean="0">
-              <a:solidFill>
-                <a:srgbClr val="FF0000"/>
-              </a:solidFill>
-              <a:latin typeface="標楷體" panose="03000509000000000000" pitchFamily="65" charset="-120"/>
-              <a:ea typeface="標楷體" panose="03000509000000000000" pitchFamily="65" charset="-120"/>
-            </a:endParaRPr>
           </a:p>
           <a:p>
             <a:pPr lvl="1"/>
@@ -8240,14 +8233,7 @@
                 <a:latin typeface="標楷體" panose="03000509000000000000" pitchFamily="65" charset="-120"/>
                 <a:ea typeface="標楷體" panose="03000509000000000000" pitchFamily="65" charset="-120"/>
               </a:rPr>
-              <a:t>了解</a:t>
-            </a:r>
-            <a:r>
-              <a:rPr lang="zh-TW" altLang="en-US" sz="3200" dirty="0" smtClean="0">
-                <a:latin typeface="標楷體" panose="03000509000000000000" pitchFamily="65" charset="-120"/>
-                <a:ea typeface="標楷體" panose="03000509000000000000" pitchFamily="65" charset="-120"/>
-              </a:rPr>
-              <a:t>國際</a:t>
+              <a:t>了解國際</a:t>
             </a:r>
             <a:r>
               <a:rPr lang="zh-TW" altLang="en-US" sz="3200" b="1" dirty="0" smtClean="0">
@@ -13086,7 +13072,7 @@
           <p:cNvPr id="3" name="文字方塊 2">
             <a:extLst>
               <a:ext uri="{FF2B5EF4-FFF2-40B4-BE49-F238E27FC236}">
-                <a16:creationId xmlns:a16="http://schemas.microsoft.com/office/drawing/2014/main" xmlns="" id="{1F143E55-6DA6-4B81-B1D8-56AF44573152}"/>
+                <a16:creationId xmlns="" xmlns:a16="http://schemas.microsoft.com/office/drawing/2014/main" id="{1F143E55-6DA6-4B81-B1D8-56AF44573152}"/>
               </a:ext>
             </a:extLst>
           </p:cNvPr>
@@ -14452,7 +14438,7 @@
   <a:extraClrSchemeLst/>
   <a:extLst>
     <a:ext uri="{05A4C25C-085E-4340-85A3-A5531E510DB2}">
-      <thm15:themeFamily xmlns:thm15="http://schemas.microsoft.com/office/thememl/2012/main" xmlns="" name="Office Theme" id="{62F939B6-93AF-4DB8-9C6B-D6C7DFDC589F}" vid="{4A3C46E8-61CC-4603-A589-7422A47A8E4A}"/>
+      <thm15:themeFamily xmlns="" xmlns:thm15="http://schemas.microsoft.com/office/thememl/2012/main" name="Office Theme" id="{62F939B6-93AF-4DB8-9C6B-D6C7DFDC589F}" vid="{4A3C46E8-61CC-4603-A589-7422A47A8E4A}"/>
     </a:ext>
   </a:extLst>
 </a:theme>
@@ -14713,7 +14699,7 @@
   <a:extraClrSchemeLst/>
   <a:extLst>
     <a:ext uri="{05A4C25C-085E-4340-85A3-A5531E510DB2}">
-      <thm15:themeFamily xmlns:thm15="http://schemas.microsoft.com/office/thememl/2012/main" xmlns="" name="Office Theme" id="{62F939B6-93AF-4DB8-9C6B-D6C7DFDC589F}" vid="{4A3C46E8-61CC-4603-A589-7422A47A8E4A}"/>
+      <thm15:themeFamily xmlns="" xmlns:thm15="http://schemas.microsoft.com/office/thememl/2012/main" name="Office Theme" id="{62F939B6-93AF-4DB8-9C6B-D6C7DFDC589F}" vid="{4A3C46E8-61CC-4603-A589-7422A47A8E4A}"/>
     </a:ext>
   </a:extLst>
 </a:theme>

--- a/S0_Introduction108.pptx
+++ b/S0_Introduction108.pptx
@@ -5,7 +5,7 @@
     <p:sldMasterId id="2147483648" r:id="rId1"/>
   </p:sldMasterIdLst>
   <p:notesMasterIdLst>
-    <p:notesMasterId r:id="rId24"/>
+    <p:notesMasterId r:id="rId17"/>
   </p:notesMasterIdLst>
   <p:sldIdLst>
     <p:sldId id="370" r:id="rId2"/>
@@ -20,16 +20,9 @@
     <p:sldId id="488" r:id="rId11"/>
     <p:sldId id="463" r:id="rId12"/>
     <p:sldId id="481" r:id="rId13"/>
-    <p:sldId id="480" r:id="rId14"/>
-    <p:sldId id="470" r:id="rId15"/>
-    <p:sldId id="482" r:id="rId16"/>
-    <p:sldId id="484" r:id="rId17"/>
-    <p:sldId id="483" r:id="rId18"/>
-    <p:sldId id="487" r:id="rId19"/>
-    <p:sldId id="475" r:id="rId20"/>
-    <p:sldId id="476" r:id="rId21"/>
-    <p:sldId id="477" r:id="rId22"/>
-    <p:sldId id="486" r:id="rId23"/>
+    <p:sldId id="475" r:id="rId14"/>
+    <p:sldId id="477" r:id="rId15"/>
+    <p:sldId id="486" r:id="rId16"/>
   </p:sldIdLst>
   <p:sldSz cx="12192000" cy="6858000"/>
   <p:notesSz cx="6858000" cy="9144000"/>
@@ -130,7 +123,7 @@
   </p:defaultTextStyle>
   <p:extLst>
     <p:ext uri="{EFAFB233-063F-42B5-8137-9DF3F51BA10A}">
-      <p15:sldGuideLst xmlns="" xmlns:p15="http://schemas.microsoft.com/office/powerpoint/2012/main">
+      <p15:sldGuideLst xmlns:p15="http://schemas.microsoft.com/office/powerpoint/2012/main">
         <p15:guide id="1" orient="horz" pos="2160">
           <p15:clr>
             <a:srgbClr val="A4A3A4"/>
@@ -229,7 +222,7 @@
           <a:p>
             <a:fld id="{560D3349-33AA-4085-AB63-E53579C9225F}" type="datetimeFigureOut">
               <a:rPr lang="zh-TW" altLang="en-US" smtClean="0"/>
-              <a:t>2019/6/8</a:t>
+              <a:t>2020/6/2</a:t>
             </a:fld>
             <a:endParaRPr lang="zh-TW" altLang="en-US"/>
           </a:p>
@@ -760,7 +753,7 @@
           <a:p>
             <a:fld id="{7A0211EE-8F08-434B-9E6F-7F4530A30DD7}" type="datetimeFigureOut">
               <a:rPr lang="zh-TW" altLang="en-US" smtClean="0"/>
-              <a:t>2019/6/8</a:t>
+              <a:t>2020/6/2</a:t>
             </a:fld>
             <a:endParaRPr lang="zh-TW" altLang="en-US"/>
           </a:p>
@@ -930,7 +923,7 @@
           <a:p>
             <a:fld id="{7A0211EE-8F08-434B-9E6F-7F4530A30DD7}" type="datetimeFigureOut">
               <a:rPr lang="zh-TW" altLang="en-US" smtClean="0"/>
-              <a:t>2019/6/8</a:t>
+              <a:t>2020/6/2</a:t>
             </a:fld>
             <a:endParaRPr lang="zh-TW" altLang="en-US"/>
           </a:p>
@@ -1110,7 +1103,7 @@
           <a:p>
             <a:fld id="{7A0211EE-8F08-434B-9E6F-7F4530A30DD7}" type="datetimeFigureOut">
               <a:rPr lang="zh-TW" altLang="en-US" smtClean="0"/>
-              <a:t>2019/6/8</a:t>
+              <a:t>2020/6/2</a:t>
             </a:fld>
             <a:endParaRPr lang="zh-TW" altLang="en-US"/>
           </a:p>
@@ -1162,78 +1155,6 @@
     <p:extLst>
       <p:ext uri="{BB962C8B-B14F-4D97-AF65-F5344CB8AC3E}">
         <p14:creationId xmlns:p14="http://schemas.microsoft.com/office/powerpoint/2010/main" val="331562306"/>
-      </p:ext>
-    </p:extLst>
-  </p:cSld>
-  <p:clrMapOvr>
-    <a:masterClrMapping/>
-  </p:clrMapOvr>
-</p:sldLayout>
-</file>
-
-<file path=ppt/slideLayouts/slideLayout12.xml><?xml version="1.0" encoding="utf-8"?>
-<p:sldLayout xmlns:a="http://schemas.openxmlformats.org/drawingml/2006/main" xmlns:r="http://schemas.openxmlformats.org/officeDocument/2006/relationships" xmlns:p="http://schemas.openxmlformats.org/presentationml/2006/main" userDrawn="1">
-  <p:cSld name="1_空白">
-    <p:spTree>
-      <p:nvGrpSpPr>
-        <p:cNvPr id="1" name=""/>
-        <p:cNvGrpSpPr/>
-        <p:nvPr/>
-      </p:nvGrpSpPr>
-      <p:grpSpPr>
-        <a:xfrm>
-          <a:off x="0" y="0"/>
-          <a:ext cx="0" cy="0"/>
-          <a:chOff x="0" y="0"/>
-          <a:chExt cx="0" cy="0"/>
-        </a:xfrm>
-      </p:grpSpPr>
-      <p:sp>
-        <p:nvSpPr>
-          <p:cNvPr id="5" name="標題 1"/>
-          <p:cNvSpPr>
-            <a:spLocks noGrp="1"/>
-          </p:cNvSpPr>
-          <p:nvPr>
-            <p:ph type="title"/>
-          </p:nvPr>
-        </p:nvSpPr>
-        <p:spPr>
-          <a:xfrm>
-            <a:off x="609600" y="647688"/>
-            <a:ext cx="10972800" cy="638172"/>
-          </a:xfrm>
-          <a:prstGeom prst="rect">
-            <a:avLst/>
-          </a:prstGeom>
-        </p:spPr>
-        <p:txBody>
-          <a:bodyPr/>
-          <a:lstStyle>
-            <a:lvl1pPr>
-              <a:defRPr kumimoji="0" lang="en-US" altLang="en-US" sz="3200" kern="1200" dirty="0">
-                <a:solidFill>
-                  <a:schemeClr val="tx2"/>
-                </a:solidFill>
-                <a:latin typeface="華康超明體" pitchFamily="49" charset="-120"/>
-                <a:ea typeface="華康超明體" pitchFamily="49" charset="-120"/>
-                <a:cs typeface="+mj-cs"/>
-              </a:defRPr>
-            </a:lvl1pPr>
-          </a:lstStyle>
-          <a:p>
-            <a:r>
-              <a:rPr lang="zh-TW" altLang="en-US" dirty="0"/>
-              <a:t>按一下以編輯母片標題樣式</a:t>
-            </a:r>
-            <a:endParaRPr lang="en-US" dirty="0"/>
-          </a:p>
-        </p:txBody>
-      </p:sp>
-    </p:spTree>
-    <p:extLst>
-      <p:ext uri="{BB962C8B-B14F-4D97-AF65-F5344CB8AC3E}">
-        <p14:creationId xmlns:p14="http://schemas.microsoft.com/office/powerpoint/2010/main" val="824303384"/>
       </p:ext>
     </p:extLst>
   </p:cSld>
@@ -1352,7 +1273,7 @@
           <a:p>
             <a:fld id="{7A0211EE-8F08-434B-9E6F-7F4530A30DD7}" type="datetimeFigureOut">
               <a:rPr lang="zh-TW" altLang="en-US" smtClean="0"/>
-              <a:t>2019/6/8</a:t>
+              <a:t>2020/6/2</a:t>
             </a:fld>
             <a:endParaRPr lang="zh-TW" altLang="en-US"/>
           </a:p>
@@ -1598,7 +1519,7 @@
           <a:p>
             <a:fld id="{7A0211EE-8F08-434B-9E6F-7F4530A30DD7}" type="datetimeFigureOut">
               <a:rPr lang="zh-TW" altLang="en-US" smtClean="0"/>
-              <a:t>2019/6/8</a:t>
+              <a:t>2020/6/2</a:t>
             </a:fld>
             <a:endParaRPr lang="zh-TW" altLang="en-US"/>
           </a:p>
@@ -1830,7 +1751,7 @@
           <a:p>
             <a:fld id="{7A0211EE-8F08-434B-9E6F-7F4530A30DD7}" type="datetimeFigureOut">
               <a:rPr lang="zh-TW" altLang="en-US" smtClean="0"/>
-              <a:t>2019/6/8</a:t>
+              <a:t>2020/6/2</a:t>
             </a:fld>
             <a:endParaRPr lang="zh-TW" altLang="en-US"/>
           </a:p>
@@ -2197,7 +2118,7 @@
           <a:p>
             <a:fld id="{7A0211EE-8F08-434B-9E6F-7F4530A30DD7}" type="datetimeFigureOut">
               <a:rPr lang="zh-TW" altLang="en-US" smtClean="0"/>
-              <a:t>2019/6/8</a:t>
+              <a:t>2020/6/2</a:t>
             </a:fld>
             <a:endParaRPr lang="zh-TW" altLang="en-US"/>
           </a:p>
@@ -2315,7 +2236,7 @@
           <a:p>
             <a:fld id="{7A0211EE-8F08-434B-9E6F-7F4530A30DD7}" type="datetimeFigureOut">
               <a:rPr lang="zh-TW" altLang="en-US" smtClean="0"/>
-              <a:t>2019/6/8</a:t>
+              <a:t>2020/6/2</a:t>
             </a:fld>
             <a:endParaRPr lang="zh-TW" altLang="en-US"/>
           </a:p>
@@ -2410,7 +2331,7 @@
           <a:p>
             <a:fld id="{7A0211EE-8F08-434B-9E6F-7F4530A30DD7}" type="datetimeFigureOut">
               <a:rPr lang="zh-TW" altLang="en-US" smtClean="0"/>
-              <a:t>2019/6/8</a:t>
+              <a:t>2020/6/2</a:t>
             </a:fld>
             <a:endParaRPr lang="zh-TW" altLang="en-US"/>
           </a:p>
@@ -2687,7 +2608,7 @@
           <a:p>
             <a:fld id="{7A0211EE-8F08-434B-9E6F-7F4530A30DD7}" type="datetimeFigureOut">
               <a:rPr lang="zh-TW" altLang="en-US" smtClean="0"/>
-              <a:t>2019/6/8</a:t>
+              <a:t>2020/6/2</a:t>
             </a:fld>
             <a:endParaRPr lang="zh-TW" altLang="en-US"/>
           </a:p>
@@ -2940,7 +2861,7 @@
           <a:p>
             <a:fld id="{7A0211EE-8F08-434B-9E6F-7F4530A30DD7}" type="datetimeFigureOut">
               <a:rPr lang="zh-TW" altLang="en-US" smtClean="0"/>
-              <a:t>2019/6/8</a:t>
+              <a:t>2020/6/2</a:t>
             </a:fld>
             <a:endParaRPr lang="zh-TW" altLang="en-US"/>
           </a:p>
@@ -3007,7 +2928,7 @@
     <p:bg>
       <p:bgPr>
         <a:blipFill dpi="0" rotWithShape="1">
-          <a:blip r:embed="rId14">
+          <a:blip r:embed="rId13">
             <a:alphaModFix amt="28000"/>
             <a:lum/>
           </a:blip>
@@ -3163,7 +3084,7 @@
           <a:p>
             <a:fld id="{7A0211EE-8F08-434B-9E6F-7F4530A30DD7}" type="datetimeFigureOut">
               <a:rPr lang="zh-TW" altLang="en-US" smtClean="0"/>
-              <a:t>2019/6/8</a:t>
+              <a:t>2020/6/2</a:t>
             </a:fld>
             <a:endParaRPr lang="zh-TW" altLang="en-US"/>
           </a:p>
@@ -3267,7 +3188,6 @@
     <p:sldLayoutId id="2147483657" r:id="rId9"/>
     <p:sldLayoutId id="2147483658" r:id="rId10"/>
     <p:sldLayoutId id="2147483659" r:id="rId11"/>
-    <p:sldLayoutId id="2147483660" r:id="rId12"/>
   </p:sldLayoutIdLst>
   <p:txStyles>
     <p:titleStyle>
@@ -4460,35 +4380,35 @@
               <a:t>可加入 </a:t>
             </a:r>
             <a:r>
-              <a:rPr lang="en-US" altLang="zh-TW" sz="3600" dirty="0" smtClean="0">
+              <a:rPr lang="en-US" altLang="zh-TW" sz="3600" smtClean="0">
                 <a:latin typeface="標楷體" panose="03000509000000000000" pitchFamily="65" charset="-120"/>
                 <a:ea typeface="標楷體" panose="03000509000000000000" pitchFamily="65" charset="-120"/>
               </a:rPr>
               <a:t>FB</a:t>
             </a:r>
             <a:r>
-              <a:rPr lang="zh-TW" altLang="en-US" sz="3600" dirty="0" smtClean="0">
+              <a:rPr lang="zh-TW" altLang="en-US" sz="3600" smtClean="0">
                 <a:latin typeface="標楷體" panose="03000509000000000000" pitchFamily="65" charset="-120"/>
                 <a:ea typeface="標楷體" panose="03000509000000000000" pitchFamily="65" charset="-120"/>
               </a:rPr>
               <a:t> </a:t>
             </a:r>
             <a:r>
-              <a:rPr lang="en-US" altLang="zh-TW" sz="3600" dirty="0">
+              <a:rPr lang="en-US" altLang="zh-TW" sz="3600" smtClean="0">
                 <a:latin typeface="標楷體" panose="03000509000000000000" pitchFamily="65" charset="-120"/>
                 <a:ea typeface="標楷體" panose="03000509000000000000" pitchFamily="65" charset="-120"/>
               </a:rPr>
               <a:t>"</a:t>
             </a:r>
             <a:r>
-              <a:rPr lang="en-US" altLang="zh-TW" sz="3600" b="1" dirty="0">
+              <a:rPr lang="zh-TW" altLang="en-US" sz="3600" b="1" smtClean="0">
                 <a:solidFill>
                   <a:srgbClr val="FF0000"/>
                 </a:solidFill>
                 <a:latin typeface="標楷體" panose="03000509000000000000" pitchFamily="65" charset="-120"/>
                 <a:ea typeface="標楷體" panose="03000509000000000000" pitchFamily="65" charset="-120"/>
               </a:rPr>
-              <a:t>107</a:t>
+              <a:t>醫學</a:t>
             </a:r>
             <a:r>
               <a:rPr lang="zh-TW" altLang="en-US" sz="3600" b="1" dirty="0">
@@ -4498,7 +4418,7 @@
                 <a:latin typeface="標楷體" panose="03000509000000000000" pitchFamily="65" charset="-120"/>
                 <a:ea typeface="標楷體" panose="03000509000000000000" pitchFamily="65" charset="-120"/>
               </a:rPr>
-              <a:t>醫學數位內容</a:t>
+              <a:t>數位內容</a:t>
             </a:r>
             <a:r>
               <a:rPr lang="en-US" altLang="zh-TW" sz="3600" dirty="0" smtClean="0">
@@ -4597,7 +4517,7 @@
         </p:nvSpPr>
         <p:spPr>
           <a:xfrm>
-            <a:off x="925748" y="428017"/>
+            <a:off x="877110" y="0"/>
             <a:ext cx="10515600" cy="1325563"/>
           </a:xfrm>
         </p:spPr>
@@ -4611,20 +4531,7 @@
                 <a:latin typeface="標楷體" panose="03000509000000000000" pitchFamily="65" charset="-120"/>
                 <a:ea typeface="標楷體" panose="03000509000000000000" pitchFamily="65" charset="-120"/>
               </a:rPr>
-              <a:t>線上學習平台</a:t>
-            </a:r>
-            <a:br>
-              <a:rPr lang="zh-TW" altLang="en-US" dirty="0">
-                <a:latin typeface="標楷體" panose="03000509000000000000" pitchFamily="65" charset="-120"/>
-                <a:ea typeface="標楷體" panose="03000509000000000000" pitchFamily="65" charset="-120"/>
-              </a:rPr>
-            </a:br>
-            <a:r>
-              <a:rPr lang="zh-TW" altLang="en-US" dirty="0">
-                <a:latin typeface="標楷體" panose="03000509000000000000" pitchFamily="65" charset="-120"/>
-                <a:ea typeface="標楷體" panose="03000509000000000000" pitchFamily="65" charset="-120"/>
-              </a:rPr>
-              <a:t/>
+              <a:t>評量方式</a:t>
             </a:r>
             <a:br>
               <a:rPr lang="zh-TW" altLang="en-US" dirty="0">
@@ -4651,7 +4558,7 @@
         </p:nvSpPr>
         <p:spPr>
           <a:xfrm>
-            <a:off x="988585" y="1857981"/>
+            <a:off x="959402" y="787939"/>
             <a:ext cx="10515600" cy="4195762"/>
           </a:xfrm>
         </p:spPr>
@@ -4662,336 +4569,82 @@
           <a:lstStyle/>
           <a:p>
             <a:r>
-              <a:rPr lang="zh-TW" altLang="en-US" sz="3600" b="1" dirty="0" smtClean="0">
-                <a:solidFill>
-                  <a:srgbClr val="FF0000"/>
-                </a:solidFill>
-                <a:latin typeface="標楷體" panose="03000509000000000000" pitchFamily="65" charset="-120"/>
-                <a:ea typeface="標楷體" panose="03000509000000000000" pitchFamily="65" charset="-120"/>
-              </a:rPr>
-              <a:t>自建</a:t>
-            </a:r>
-            <a:r>
-              <a:rPr lang="zh-TW" altLang="en-US" sz="3600" dirty="0" smtClean="0">
-                <a:latin typeface="標楷體" panose="03000509000000000000" pitchFamily="65" charset="-120"/>
-                <a:ea typeface="標楷體" panose="03000509000000000000" pitchFamily="65" charset="-120"/>
-              </a:rPr>
-              <a:t>之 </a:t>
-            </a:r>
-            <a:r>
-              <a:rPr lang="en-US" altLang="zh-TW" sz="3600" dirty="0" err="1">
-                <a:latin typeface="標楷體" panose="03000509000000000000" pitchFamily="65" charset="-120"/>
-                <a:ea typeface="標楷體" panose="03000509000000000000" pitchFamily="65" charset="-120"/>
-              </a:rPr>
-              <a:t>moodle</a:t>
-            </a:r>
-            <a:r>
-              <a:rPr lang="en-US" altLang="zh-TW" sz="3600" dirty="0">
-                <a:latin typeface="標楷體" panose="03000509000000000000" pitchFamily="65" charset="-120"/>
-                <a:ea typeface="標楷體" panose="03000509000000000000" pitchFamily="65" charset="-120"/>
-              </a:rPr>
-              <a:t> </a:t>
-            </a:r>
-            <a:r>
               <a:rPr lang="zh-TW" altLang="en-US" sz="3600" dirty="0">
                 <a:latin typeface="標楷體" panose="03000509000000000000" pitchFamily="65" charset="-120"/>
                 <a:ea typeface="標楷體" panose="03000509000000000000" pitchFamily="65" charset="-120"/>
               </a:rPr>
-              <a:t>學習平台</a:t>
-            </a:r>
-          </a:p>
-          <a:p>
-            <a:pPr lvl="1"/>
-            <a:r>
-              <a:rPr lang="en-US" altLang="zh-TW" sz="3200" dirty="0">
-                <a:latin typeface="標楷體" panose="03000509000000000000" pitchFamily="65" charset="-120"/>
-                <a:ea typeface="標楷體" panose="03000509000000000000" pitchFamily="65" charset="-120"/>
-              </a:rPr>
-              <a:t>http://</a:t>
-            </a:r>
-            <a:r>
-              <a:rPr lang="en-US" altLang="zh-TW" sz="3200" dirty="0" err="1" smtClean="0">
-                <a:latin typeface="標楷體" panose="03000509000000000000" pitchFamily="65" charset="-120"/>
-                <a:ea typeface="標楷體" panose="03000509000000000000" pitchFamily="65" charset="-120"/>
-              </a:rPr>
-              <a:t>ihe.tcu.edu.tw:6002</a:t>
-            </a:r>
-            <a:r>
-              <a:rPr lang="en-US" altLang="zh-TW" sz="3200" dirty="0" smtClean="0">
-                <a:latin typeface="標楷體" panose="03000509000000000000" pitchFamily="65" charset="-120"/>
-                <a:ea typeface="標楷體" panose="03000509000000000000" pitchFamily="65" charset="-120"/>
-              </a:rPr>
-              <a:t>/</a:t>
-            </a:r>
-            <a:r>
-              <a:rPr lang="en-US" altLang="zh-TW" sz="3200" dirty="0" err="1" smtClean="0">
-                <a:latin typeface="標楷體" panose="03000509000000000000" pitchFamily="65" charset="-120"/>
-                <a:ea typeface="標楷體" panose="03000509000000000000" pitchFamily="65" charset="-120"/>
-              </a:rPr>
-              <a:t>MI_online</a:t>
-            </a:r>
-            <a:r>
-              <a:rPr lang="en-US" altLang="zh-TW" sz="3200" dirty="0" smtClean="0">
-                <a:latin typeface="標楷體" panose="03000509000000000000" pitchFamily="65" charset="-120"/>
-                <a:ea typeface="標楷體" panose="03000509000000000000" pitchFamily="65" charset="-120"/>
-              </a:rPr>
-              <a:t>/login/</a:t>
-            </a:r>
-            <a:r>
-              <a:rPr lang="en-US" altLang="zh-TW" sz="3200" dirty="0" err="1" smtClean="0">
-                <a:latin typeface="標楷體" panose="03000509000000000000" pitchFamily="65" charset="-120"/>
-                <a:ea typeface="標楷體" panose="03000509000000000000" pitchFamily="65" charset="-120"/>
-              </a:rPr>
-              <a:t>index.php</a:t>
-            </a:r>
-            <a:endParaRPr lang="en-US" altLang="zh-TW" sz="3200" dirty="0" smtClean="0">
+              <a:t>線上</a:t>
+            </a:r>
+            <a:r>
+              <a:rPr lang="zh-TW" altLang="en-US" sz="3600" smtClean="0">
+                <a:latin typeface="標楷體" panose="03000509000000000000" pitchFamily="65" charset="-120"/>
+                <a:ea typeface="標楷體" panose="03000509000000000000" pitchFamily="65" charset="-120"/>
+              </a:rPr>
+              <a:t>測驗 </a:t>
+            </a:r>
+            <a:r>
+              <a:rPr lang="en-US" altLang="zh-TW" sz="3600" smtClean="0">
+                <a:latin typeface="標楷體" panose="03000509000000000000" pitchFamily="65" charset="-120"/>
+                <a:ea typeface="標楷體" panose="03000509000000000000" pitchFamily="65" charset="-120"/>
+              </a:rPr>
+              <a:t>25</a:t>
+            </a:r>
+            <a:r>
+              <a:rPr lang="en-US" altLang="zh-TW" sz="3600" smtClean="0">
+                <a:latin typeface="標楷體" panose="03000509000000000000" pitchFamily="65" charset="-120"/>
+                <a:ea typeface="標楷體" panose="03000509000000000000" pitchFamily="65" charset="-120"/>
+              </a:rPr>
+              <a:t>%</a:t>
+            </a:r>
+            <a:endParaRPr lang="zh-TW" altLang="en-US" sz="3600" dirty="0">
               <a:latin typeface="標楷體" panose="03000509000000000000" pitchFamily="65" charset="-120"/>
               <a:ea typeface="標楷體" panose="03000509000000000000" pitchFamily="65" charset="-120"/>
             </a:endParaRPr>
           </a:p>
           <a:p>
-            <a:pPr lvl="1"/>
-            <a:endParaRPr lang="en-US" altLang="zh-TW" sz="3200" b="1" dirty="0" smtClean="0">
-              <a:solidFill>
-                <a:srgbClr val="FF0000"/>
-              </a:solidFill>
+            <a:endParaRPr lang="en-US" altLang="zh-TW" sz="3600" dirty="0" smtClean="0">
               <a:latin typeface="標楷體" panose="03000509000000000000" pitchFamily="65" charset="-120"/>
               <a:ea typeface="標楷體" panose="03000509000000000000" pitchFamily="65" charset="-120"/>
             </a:endParaRPr>
           </a:p>
           <a:p>
+            <a:r>
+              <a:rPr lang="zh-TW" altLang="en-US" sz="3600" dirty="0" smtClean="0">
+                <a:latin typeface="標楷體" panose="03000509000000000000" pitchFamily="65" charset="-120"/>
+                <a:ea typeface="標楷體" panose="03000509000000000000" pitchFamily="65" charset="-120"/>
+              </a:rPr>
+              <a:t>作業   </a:t>
+            </a:r>
+            <a:r>
+              <a:rPr lang="en-US" altLang="zh-TW" sz="3600" dirty="0" smtClean="0">
+                <a:latin typeface="標楷體" panose="03000509000000000000" pitchFamily="65" charset="-120"/>
+                <a:ea typeface="標楷體" panose="03000509000000000000" pitchFamily="65" charset="-120"/>
+              </a:rPr>
+              <a:t>25%</a:t>
+            </a:r>
+          </a:p>
+          <a:p>
             <a:pPr lvl="1"/>
             <a:r>
-              <a:rPr lang="zh-TW" altLang="en-US" sz="3200" b="1" dirty="0" smtClean="0">
-                <a:solidFill>
-                  <a:srgbClr val="FF0000"/>
-                </a:solidFill>
-                <a:latin typeface="標楷體" panose="03000509000000000000" pitchFamily="65" charset="-120"/>
-                <a:ea typeface="標楷體" panose="03000509000000000000" pitchFamily="65" charset="-120"/>
-              </a:rPr>
-              <a:t>帳</a:t>
-            </a:r>
-            <a:r>
-              <a:rPr lang="zh-TW" altLang="en-US" sz="3200" b="1" dirty="0">
-                <a:solidFill>
-                  <a:srgbClr val="FF0000"/>
-                </a:solidFill>
-                <a:latin typeface="標楷體" panose="03000509000000000000" pitchFamily="65" charset="-120"/>
-                <a:ea typeface="標楷體" panose="03000509000000000000" pitchFamily="65" charset="-120"/>
-              </a:rPr>
-              <a:t>密皆為你的 </a:t>
-            </a:r>
-            <a:r>
-              <a:rPr lang="en-US" altLang="zh-TW" sz="3200" b="1" dirty="0">
-                <a:solidFill>
-                  <a:srgbClr val="FF0000"/>
-                </a:solidFill>
-                <a:latin typeface="標楷體" panose="03000509000000000000" pitchFamily="65" charset="-120"/>
-                <a:ea typeface="標楷體" panose="03000509000000000000" pitchFamily="65" charset="-120"/>
-              </a:rPr>
-              <a:t>mail </a:t>
-            </a:r>
-            <a:r>
-              <a:rPr lang="en-US" altLang="zh-TW" sz="3200" dirty="0">
-                <a:latin typeface="標楷體" panose="03000509000000000000" pitchFamily="65" charset="-120"/>
-                <a:ea typeface="標楷體" panose="03000509000000000000" pitchFamily="65" charset="-120"/>
-              </a:rPr>
-              <a:t>(</a:t>
+              <a:rPr lang="zh-TW" altLang="en-US" sz="3200" dirty="0" smtClean="0">
+                <a:latin typeface="標楷體" panose="03000509000000000000" pitchFamily="65" charset="-120"/>
+                <a:ea typeface="標楷體" panose="03000509000000000000" pitchFamily="65" charset="-120"/>
+              </a:rPr>
+              <a:t>網頁表單及程式</a:t>
             </a:r>
             <a:r>
               <a:rPr lang="zh-TW" altLang="en-US" sz="3200" dirty="0">
                 <a:latin typeface="標楷體" panose="03000509000000000000" pitchFamily="65" charset="-120"/>
                 <a:ea typeface="標楷體" panose="03000509000000000000" pitchFamily="65" charset="-120"/>
               </a:rPr>
-              <a:t>進入後可修改密碼</a:t>
-            </a:r>
-            <a:r>
-              <a:rPr lang="en-US" altLang="zh-TW" sz="3200" dirty="0">
-                <a:latin typeface="標楷體" panose="03000509000000000000" pitchFamily="65" charset="-120"/>
-                <a:ea typeface="標楷體" panose="03000509000000000000" pitchFamily="65" charset="-120"/>
-              </a:rPr>
-              <a:t>)</a:t>
-            </a:r>
-          </a:p>
-          <a:p>
-            <a:pPr lvl="1"/>
-            <a:endParaRPr lang="en-US" altLang="zh-TW" sz="3200" dirty="0" smtClean="0">
-              <a:latin typeface="標楷體" panose="03000509000000000000" pitchFamily="65" charset="-120"/>
-              <a:ea typeface="標楷體" panose="03000509000000000000" pitchFamily="65" charset="-120"/>
-            </a:endParaRPr>
-          </a:p>
-          <a:p>
-            <a:pPr lvl="1"/>
+              <a:t>入門</a:t>
+            </a:r>
             <a:r>
               <a:rPr lang="zh-TW" altLang="en-US" sz="3200" dirty="0" smtClean="0">
                 <a:latin typeface="標楷體" panose="03000509000000000000" pitchFamily="65" charset="-120"/>
                 <a:ea typeface="標楷體" panose="03000509000000000000" pitchFamily="65" charset="-120"/>
               </a:rPr>
-              <a:t>登入後可看到 </a:t>
-            </a:r>
-            <a:r>
-              <a:rPr lang="en-US" altLang="zh-TW" sz="3200" dirty="0" smtClean="0">
-                <a:solidFill>
-                  <a:srgbClr val="FF0000"/>
-                </a:solidFill>
-                <a:latin typeface="標楷體" panose="03000509000000000000" pitchFamily="65" charset="-120"/>
-                <a:ea typeface="標楷體" panose="03000509000000000000" pitchFamily="65" charset="-120"/>
-              </a:rPr>
-              <a:t>"108</a:t>
-            </a:r>
-            <a:r>
-              <a:rPr lang="zh-TW" altLang="en-US" sz="3200" dirty="0" smtClean="0">
-                <a:solidFill>
-                  <a:srgbClr val="FF0000"/>
-                </a:solidFill>
-                <a:latin typeface="標楷體" panose="03000509000000000000" pitchFamily="65" charset="-120"/>
-                <a:ea typeface="標楷體" panose="03000509000000000000" pitchFamily="65" charset="-120"/>
-              </a:rPr>
-              <a:t>醫學</a:t>
-            </a:r>
-            <a:r>
-              <a:rPr lang="zh-TW" altLang="en-US" sz="3200" dirty="0">
-                <a:solidFill>
-                  <a:srgbClr val="FF0000"/>
-                </a:solidFill>
-                <a:latin typeface="標楷體" panose="03000509000000000000" pitchFamily="65" charset="-120"/>
-                <a:ea typeface="標楷體" panose="03000509000000000000" pitchFamily="65" charset="-120"/>
-              </a:rPr>
-              <a:t>數位內容</a:t>
-            </a:r>
-            <a:r>
-              <a:rPr lang="en-US" altLang="zh-TW" sz="3200" dirty="0" smtClean="0">
-                <a:solidFill>
-                  <a:srgbClr val="FF0000"/>
-                </a:solidFill>
-                <a:latin typeface="標楷體" panose="03000509000000000000" pitchFamily="65" charset="-120"/>
-                <a:ea typeface="標楷體" panose="03000509000000000000" pitchFamily="65" charset="-120"/>
-              </a:rPr>
-              <a:t>"</a:t>
-            </a:r>
-            <a:r>
-              <a:rPr lang="zh-TW" altLang="en-US" sz="3200" dirty="0" smtClean="0">
-                <a:solidFill>
-                  <a:srgbClr val="FF0000"/>
-                </a:solidFill>
-                <a:latin typeface="標楷體" panose="03000509000000000000" pitchFamily="65" charset="-120"/>
-                <a:ea typeface="標楷體" panose="03000509000000000000" pitchFamily="65" charset="-120"/>
-              </a:rPr>
-              <a:t>、</a:t>
-            </a:r>
-            <a:r>
-              <a:rPr lang="en-US" altLang="zh-TW" sz="3200" dirty="0" smtClean="0">
-                <a:solidFill>
-                  <a:srgbClr val="FF0000"/>
-                </a:solidFill>
-                <a:latin typeface="標楷體" panose="03000509000000000000" pitchFamily="65" charset="-120"/>
-                <a:ea typeface="標楷體" panose="03000509000000000000" pitchFamily="65" charset="-120"/>
-              </a:rPr>
-              <a:t>"108 </a:t>
-            </a:r>
-            <a:r>
-              <a:rPr lang="en-US" altLang="zh-TW" sz="3200" dirty="0">
-                <a:solidFill>
-                  <a:srgbClr val="FF0000"/>
-                </a:solidFill>
-                <a:latin typeface="標楷體" panose="03000509000000000000" pitchFamily="65" charset="-120"/>
-                <a:ea typeface="標楷體" panose="03000509000000000000" pitchFamily="65" charset="-120"/>
-              </a:rPr>
-              <a:t>JavaScript</a:t>
-            </a:r>
-            <a:r>
-              <a:rPr lang="en-US" altLang="zh-TW" sz="3200" dirty="0" smtClean="0">
-                <a:solidFill>
-                  <a:srgbClr val="FF0000"/>
-                </a:solidFill>
-                <a:latin typeface="標楷體" panose="03000509000000000000" pitchFamily="65" charset="-120"/>
-                <a:ea typeface="標楷體" panose="03000509000000000000" pitchFamily="65" charset="-120"/>
-              </a:rPr>
-              <a:t>"</a:t>
-            </a:r>
-            <a:r>
-              <a:rPr lang="zh-TW" altLang="en-US" sz="3200" dirty="0" smtClean="0">
-                <a:solidFill>
-                  <a:srgbClr val="FF0000"/>
-                </a:solidFill>
-                <a:latin typeface="標楷體" panose="03000509000000000000" pitchFamily="65" charset="-120"/>
-                <a:ea typeface="標楷體" panose="03000509000000000000" pitchFamily="65" charset="-120"/>
-              </a:rPr>
-              <a:t>、</a:t>
-            </a:r>
-            <a:r>
-              <a:rPr lang="en-US" altLang="zh-TW" sz="3200" dirty="0" smtClean="0">
-                <a:solidFill>
-                  <a:srgbClr val="FF0000"/>
-                </a:solidFill>
-                <a:latin typeface="標楷體" panose="03000509000000000000" pitchFamily="65" charset="-120"/>
-                <a:ea typeface="標楷體" panose="03000509000000000000" pitchFamily="65" charset="-120"/>
-              </a:rPr>
-              <a:t>"</a:t>
-            </a:r>
-            <a:r>
-              <a:rPr lang="en-US" altLang="zh-TW" sz="3200" dirty="0">
-                <a:solidFill>
-                  <a:srgbClr val="FF0000"/>
-                </a:solidFill>
-                <a:latin typeface="標楷體" panose="03000509000000000000" pitchFamily="65" charset="-120"/>
-                <a:ea typeface="標楷體" panose="03000509000000000000" pitchFamily="65" charset="-120"/>
-              </a:rPr>
-              <a:t>108 QT C++ </a:t>
-            </a:r>
-            <a:r>
-              <a:rPr lang="zh-TW" altLang="en-US" sz="3200" dirty="0">
-                <a:solidFill>
-                  <a:srgbClr val="FF0000"/>
-                </a:solidFill>
-                <a:latin typeface="標楷體" panose="03000509000000000000" pitchFamily="65" charset="-120"/>
-                <a:ea typeface="標楷體" panose="03000509000000000000" pitchFamily="65" charset="-120"/>
-              </a:rPr>
-              <a:t>程式</a:t>
-            </a:r>
-            <a:r>
-              <a:rPr lang="zh-TW" altLang="en-US" sz="3200" dirty="0" smtClean="0">
-                <a:solidFill>
-                  <a:srgbClr val="FF0000"/>
-                </a:solidFill>
-                <a:latin typeface="標楷體" panose="03000509000000000000" pitchFamily="65" charset="-120"/>
-                <a:ea typeface="標楷體" panose="03000509000000000000" pitchFamily="65" charset="-120"/>
-              </a:rPr>
-              <a:t>入門</a:t>
-            </a:r>
-            <a:r>
-              <a:rPr lang="en-US" altLang="zh-TW" sz="3200" dirty="0" smtClean="0">
-                <a:solidFill>
-                  <a:srgbClr val="FF0000"/>
-                </a:solidFill>
-                <a:latin typeface="標楷體" panose="03000509000000000000" pitchFamily="65" charset="-120"/>
-                <a:ea typeface="標楷體" panose="03000509000000000000" pitchFamily="65" charset="-120"/>
-              </a:rPr>
-              <a:t>"</a:t>
-            </a:r>
-            <a:r>
-              <a:rPr lang="zh-TW" altLang="en-US" sz="3200" dirty="0" smtClean="0">
-                <a:solidFill>
-                  <a:srgbClr val="FF0000"/>
-                </a:solidFill>
-                <a:latin typeface="標楷體" panose="03000509000000000000" pitchFamily="65" charset="-120"/>
-                <a:ea typeface="標楷體" panose="03000509000000000000" pitchFamily="65" charset="-120"/>
-              </a:rPr>
-              <a:t> </a:t>
-            </a:r>
-            <a:r>
-              <a:rPr lang="zh-TW" altLang="en-US" sz="3200" dirty="0">
-                <a:latin typeface="標楷體" panose="03000509000000000000" pitchFamily="65" charset="-120"/>
-                <a:ea typeface="標楷體" panose="03000509000000000000" pitchFamily="65" charset="-120"/>
-              </a:rPr>
-              <a:t>等</a:t>
-            </a:r>
-            <a:r>
-              <a:rPr lang="zh-TW" altLang="en-US" sz="3200" dirty="0" smtClean="0">
-                <a:latin typeface="標楷體" panose="03000509000000000000" pitchFamily="65" charset="-120"/>
-                <a:ea typeface="標楷體" panose="03000509000000000000" pitchFamily="65" charset="-120"/>
-              </a:rPr>
-              <a:t>課程</a:t>
+              <a:t>練習、修改醫資應用程式範例</a:t>
             </a:r>
             <a:endParaRPr lang="zh-TW" altLang="en-US" sz="3200" dirty="0">
               <a:latin typeface="標楷體" panose="03000509000000000000" pitchFamily="65" charset="-120"/>
@@ -5004,12 +4657,56 @@
               <a:ea typeface="標楷體" panose="03000509000000000000" pitchFamily="65" charset="-120"/>
             </a:endParaRPr>
           </a:p>
+          <a:p>
+            <a:r>
+              <a:rPr lang="zh-TW" altLang="en-US" sz="3600" smtClean="0">
+                <a:latin typeface="標楷體" panose="03000509000000000000" pitchFamily="65" charset="-120"/>
+                <a:ea typeface="標楷體" panose="03000509000000000000" pitchFamily="65" charset="-120"/>
+              </a:rPr>
+              <a:t>專題報告  </a:t>
+            </a:r>
+            <a:r>
+              <a:rPr lang="en-US" altLang="zh-TW" sz="3600" smtClean="0">
+                <a:latin typeface="標楷體" panose="03000509000000000000" pitchFamily="65" charset="-120"/>
+                <a:ea typeface="標楷體" panose="03000509000000000000" pitchFamily="65" charset="-120"/>
+              </a:rPr>
+              <a:t>25%</a:t>
+            </a:r>
+          </a:p>
+          <a:p>
+            <a:pPr lvl="1"/>
+            <a:r>
+              <a:rPr lang="zh-TW" altLang="en-US" sz="3200" smtClean="0">
+                <a:latin typeface="標楷體" panose="03000509000000000000" pitchFamily="65" charset="-120"/>
+                <a:ea typeface="標楷體" panose="03000509000000000000" pitchFamily="65" charset="-120"/>
+              </a:rPr>
+              <a:t>同學參與專案研發</a:t>
+            </a:r>
+            <a:r>
+              <a:rPr lang="zh-TW" altLang="en-US" sz="3200">
+                <a:latin typeface="標楷體" panose="03000509000000000000" pitchFamily="65" charset="-120"/>
+                <a:ea typeface="標楷體" panose="03000509000000000000" pitchFamily="65" charset="-120"/>
+              </a:rPr>
+              <a:t>小組</a:t>
+            </a:r>
+            <a:r>
+              <a:rPr lang="zh-TW" altLang="en-US" sz="3200" smtClean="0">
+                <a:latin typeface="標楷體" panose="03000509000000000000" pitchFamily="65" charset="-120"/>
+                <a:ea typeface="標楷體" panose="03000509000000000000" pitchFamily="65" charset="-120"/>
+              </a:rPr>
+              <a:t>整理的報告</a:t>
+            </a:r>
+            <a:endParaRPr lang="zh-TW" altLang="en-US" sz="3200" dirty="0">
+              <a:latin typeface="標楷體" panose="03000509000000000000" pitchFamily="65" charset="-120"/>
+              <a:ea typeface="標楷體" panose="03000509000000000000" pitchFamily="65" charset="-120"/>
+            </a:endParaRPr>
+          </a:p>
         </p:txBody>
       </p:sp>
     </p:spTree>
     <p:extLst>
       <p:ext uri="{BB962C8B-B14F-4D97-AF65-F5344CB8AC3E}">
-        <p14:creationId xmlns:p14="http://schemas.microsoft.com/office/powerpoint/2010/main" val="1886304664"/>
+        <p14:creationId xmlns:p14="http://schemas.microsoft.com/office/powerpoint/2010/main" val="1827864359"/>
       </p:ext>
     </p:extLst>
   </p:cSld>
@@ -5069,7 +4766,7 @@
                 <a:latin typeface="標楷體" panose="03000509000000000000" pitchFamily="65" charset="-120"/>
                 <a:ea typeface="標楷體" panose="03000509000000000000" pitchFamily="65" charset="-120"/>
               </a:rPr>
-              <a:t>暑期定期視訊</a:t>
+              <a:t>產學合作</a:t>
             </a:r>
             <a:r>
               <a:rPr lang="zh-TW" altLang="en-US" dirty="0">
@@ -5114,18 +4811,11 @@
           <a:lstStyle/>
           <a:p>
             <a:r>
-              <a:rPr lang="zh-TW" altLang="en-US" sz="3600" dirty="0">
-                <a:latin typeface="標楷體" panose="03000509000000000000" pitchFamily="65" charset="-120"/>
-                <a:ea typeface="標楷體" panose="03000509000000000000" pitchFamily="65" charset="-120"/>
-              </a:rPr>
-              <a:t>課程</a:t>
-            </a:r>
-            <a:r>
               <a:rPr lang="zh-TW" altLang="en-US" sz="3600" dirty="0" smtClean="0">
                 <a:latin typeface="標楷體" panose="03000509000000000000" pitchFamily="65" charset="-120"/>
                 <a:ea typeface="標楷體" panose="03000509000000000000" pitchFamily="65" charset="-120"/>
               </a:rPr>
-              <a:t>單元簡介、問題及需求討論、專題演講</a:t>
+              <a:t>學分認證、醫資證照</a:t>
             </a:r>
             <a:r>
               <a:rPr lang="en-US" altLang="zh-TW" sz="3600" dirty="0" smtClean="0">
@@ -5143,43 +4833,130 @@
           </a:p>
           <a:p>
             <a:r>
+              <a:rPr lang="en-US" altLang="zh-TW" sz="3600" smtClean="0">
+                <a:latin typeface="標楷體" panose="03000509000000000000" pitchFamily="65" charset="-120"/>
+                <a:ea typeface="標楷體" panose="03000509000000000000" pitchFamily="65" charset="-120"/>
+              </a:rPr>
+              <a:t>2020 </a:t>
+            </a:r>
+            <a:r>
+              <a:rPr lang="en-US" altLang="zh-TW" sz="3600" dirty="0" err="1" smtClean="0">
+                <a:latin typeface="標楷體" panose="03000509000000000000" pitchFamily="65" charset="-120"/>
+                <a:ea typeface="標楷體" panose="03000509000000000000" pitchFamily="65" charset="-120"/>
+              </a:rPr>
+              <a:t>connectathon</a:t>
+            </a:r>
+            <a:r>
+              <a:rPr lang="en-US" altLang="zh-TW" sz="3600" dirty="0" smtClean="0">
+                <a:latin typeface="標楷體" panose="03000509000000000000" pitchFamily="65" charset="-120"/>
+                <a:ea typeface="標楷體" panose="03000509000000000000" pitchFamily="65" charset="-120"/>
+              </a:rPr>
+              <a:t> </a:t>
+            </a:r>
+            <a:r>
               <a:rPr lang="zh-TW" altLang="en-US" sz="3600" dirty="0" smtClean="0">
                 <a:latin typeface="標楷體" panose="03000509000000000000" pitchFamily="65" charset="-120"/>
                 <a:ea typeface="標楷體" panose="03000509000000000000" pitchFamily="65" charset="-120"/>
               </a:rPr>
-              <a:t>視訊</a:t>
-            </a:r>
-            <a:r>
-              <a:rPr lang="zh-TW" altLang="en-US" sz="3600" dirty="0">
-                <a:latin typeface="標楷體" panose="03000509000000000000" pitchFamily="65" charset="-120"/>
-                <a:ea typeface="標楷體" panose="03000509000000000000" pitchFamily="65" charset="-120"/>
-              </a:rPr>
-              <a:t>連結</a:t>
-            </a:r>
-            <a:r>
-              <a:rPr lang="en-US" altLang="zh-TW" sz="3600" dirty="0">
-                <a:latin typeface="標楷體" panose="03000509000000000000" pitchFamily="65" charset="-120"/>
-                <a:ea typeface="標楷體" panose="03000509000000000000" pitchFamily="65" charset="-120"/>
-              </a:rPr>
-              <a:t>: https://</a:t>
-            </a:r>
-            <a:r>
-              <a:rPr lang="en-US" altLang="zh-TW" sz="3600" dirty="0" err="1">
-                <a:latin typeface="標楷體" panose="03000509000000000000" pitchFamily="65" charset="-120"/>
-                <a:ea typeface="標楷體" panose="03000509000000000000" pitchFamily="65" charset="-120"/>
-              </a:rPr>
-              <a:t>zoom.us</a:t>
-            </a:r>
-            <a:r>
-              <a:rPr lang="en-US" altLang="zh-TW" sz="3600" dirty="0">
-                <a:latin typeface="標楷體" panose="03000509000000000000" pitchFamily="65" charset="-120"/>
-                <a:ea typeface="標楷體" panose="03000509000000000000" pitchFamily="65" charset="-120"/>
-              </a:rPr>
-              <a:t>/j/6477065852</a:t>
-            </a:r>
-          </a:p>
-          <a:p>
-            <a:endParaRPr lang="en-US" altLang="zh-TW" sz="3600" b="1" dirty="0" smtClean="0">
+              <a:t>聯測</a:t>
+            </a:r>
+            <a:endParaRPr lang="en-US" altLang="zh-TW" sz="3600" dirty="0" smtClean="0">
+              <a:latin typeface="標楷體" panose="03000509000000000000" pitchFamily="65" charset="-120"/>
+              <a:ea typeface="標楷體" panose="03000509000000000000" pitchFamily="65" charset="-120"/>
+            </a:endParaRPr>
+          </a:p>
+          <a:p>
+            <a:pPr lvl="1"/>
+            <a:r>
+              <a:rPr lang="zh-TW" altLang="en-US" sz="3200" dirty="0" smtClean="0">
+                <a:latin typeface="標楷體" panose="03000509000000000000" pitchFamily="65" charset="-120"/>
+                <a:ea typeface="標楷體" panose="03000509000000000000" pitchFamily="65" charset="-120"/>
+              </a:rPr>
+              <a:t>醫療資訊系統資訊互通整合測試</a:t>
+            </a:r>
+            <a:endParaRPr lang="en-US" altLang="zh-TW" sz="3200" dirty="0" smtClean="0">
+              <a:latin typeface="標楷體" panose="03000509000000000000" pitchFamily="65" charset="-120"/>
+              <a:ea typeface="標楷體" panose="03000509000000000000" pitchFamily="65" charset="-120"/>
+            </a:endParaRPr>
+          </a:p>
+          <a:p>
+            <a:pPr lvl="2"/>
+            <a:r>
+              <a:rPr lang="en-US" altLang="zh-TW" sz="2800" dirty="0" smtClean="0">
+                <a:latin typeface="標楷體" panose="03000509000000000000" pitchFamily="65" charset="-120"/>
+                <a:ea typeface="標楷體" panose="03000509000000000000" pitchFamily="65" charset="-120"/>
+              </a:rPr>
+              <a:t>Europe</a:t>
+            </a:r>
+          </a:p>
+          <a:p>
+            <a:pPr lvl="3"/>
+            <a:r>
+              <a:rPr lang="en-US" altLang="zh-TW" sz="2600" dirty="0">
+                <a:latin typeface="標楷體" panose="03000509000000000000" pitchFamily="65" charset="-120"/>
+                <a:ea typeface="標楷體" panose="03000509000000000000" pitchFamily="65" charset="-120"/>
+              </a:rPr>
+              <a:t>https://</a:t>
+            </a:r>
+            <a:r>
+              <a:rPr lang="en-US" altLang="zh-TW" sz="2600" dirty="0" err="1" smtClean="0">
+                <a:latin typeface="標楷體" panose="03000509000000000000" pitchFamily="65" charset="-120"/>
+                <a:ea typeface="標楷體" panose="03000509000000000000" pitchFamily="65" charset="-120"/>
+              </a:rPr>
+              <a:t>connectathon.ihe-europe.net</a:t>
+            </a:r>
+            <a:endParaRPr lang="en-US" altLang="zh-TW" sz="2600" dirty="0" smtClean="0">
+              <a:latin typeface="標楷體" panose="03000509000000000000" pitchFamily="65" charset="-120"/>
+              <a:ea typeface="標楷體" panose="03000509000000000000" pitchFamily="65" charset="-120"/>
+            </a:endParaRPr>
+          </a:p>
+          <a:p>
+            <a:pPr lvl="2"/>
+            <a:r>
+              <a:rPr lang="en-US" altLang="zh-TW" sz="2800" dirty="0" smtClean="0">
+                <a:latin typeface="標楷體" panose="03000509000000000000" pitchFamily="65" charset="-120"/>
+                <a:ea typeface="標楷體" panose="03000509000000000000" pitchFamily="65" charset="-120"/>
+              </a:rPr>
+              <a:t>Taiwan </a:t>
+            </a:r>
+          </a:p>
+          <a:p>
+            <a:pPr lvl="3"/>
+            <a:r>
+              <a:rPr lang="en-US" altLang="zh-TW" sz="2600" dirty="0">
+                <a:latin typeface="標楷體" panose="03000509000000000000" pitchFamily="65" charset="-120"/>
+                <a:ea typeface="標楷體" panose="03000509000000000000" pitchFamily="65" charset="-120"/>
+              </a:rPr>
+              <a:t>http://</a:t>
+            </a:r>
+            <a:r>
+              <a:rPr lang="en-US" altLang="zh-TW" sz="2600" dirty="0" err="1">
+                <a:latin typeface="標楷體" panose="03000509000000000000" pitchFamily="65" charset="-120"/>
+                <a:ea typeface="標楷體" panose="03000509000000000000" pitchFamily="65" charset="-120"/>
+              </a:rPr>
+              <a:t>training.dicom.org.tw</a:t>
+            </a:r>
+            <a:r>
+              <a:rPr lang="en-US" altLang="zh-TW" sz="2600" dirty="0" smtClean="0">
+                <a:latin typeface="標楷體" panose="03000509000000000000" pitchFamily="65" charset="-120"/>
+                <a:ea typeface="標楷體" panose="03000509000000000000" pitchFamily="65" charset="-120"/>
+              </a:rPr>
+              <a:t>/</a:t>
+            </a:r>
+          </a:p>
+          <a:p>
+            <a:pPr lvl="1"/>
+            <a:r>
+              <a:rPr lang="zh-TW" altLang="en-US" sz="3200" b="1" dirty="0" smtClean="0">
+                <a:solidFill>
+                  <a:srgbClr val="FF0000"/>
+                </a:solidFill>
+                <a:latin typeface="標楷體" panose="03000509000000000000" pitchFamily="65" charset="-120"/>
+                <a:ea typeface="標楷體" panose="03000509000000000000" pitchFamily="65" charset="-120"/>
+              </a:rPr>
+              <a:t>鼓勵同學組隊參與台灣及國際聯測</a:t>
+            </a:r>
+            <a:endParaRPr lang="en-US" altLang="zh-TW" sz="3200" b="1" dirty="0" smtClean="0">
               <a:solidFill>
                 <a:srgbClr val="FF0000"/>
               </a:solidFill>
@@ -5188,121 +4965,27 @@
             </a:endParaRPr>
           </a:p>
           <a:p>
-            <a:r>
-              <a:rPr lang="en-US" altLang="zh-TW" sz="3600" dirty="0" smtClean="0">
-                <a:solidFill>
-                  <a:srgbClr val="FF0000"/>
-                </a:solidFill>
-                <a:latin typeface="標楷體" panose="03000509000000000000" pitchFamily="65" charset="-120"/>
-                <a:ea typeface="標楷體" panose="03000509000000000000" pitchFamily="65" charset="-120"/>
-              </a:rPr>
-              <a:t>6/24—8/29</a:t>
-            </a:r>
-            <a:r>
-              <a:rPr lang="zh-TW" altLang="en-US" sz="3600" dirty="0" smtClean="0">
-                <a:solidFill>
-                  <a:srgbClr val="FF0000"/>
-                </a:solidFill>
-                <a:latin typeface="標楷體" panose="03000509000000000000" pitchFamily="65" charset="-120"/>
-                <a:ea typeface="標楷體" panose="03000509000000000000" pitchFamily="65" charset="-120"/>
-              </a:rPr>
-              <a:t>，</a:t>
-            </a:r>
-            <a:r>
-              <a:rPr lang="zh-TW" altLang="en-US" sz="3600" dirty="0">
-                <a:solidFill>
-                  <a:srgbClr val="FF0000"/>
-                </a:solidFill>
-                <a:latin typeface="標楷體" panose="03000509000000000000" pitchFamily="65" charset="-120"/>
-                <a:ea typeface="標楷體" panose="03000509000000000000" pitchFamily="65" charset="-120"/>
-              </a:rPr>
-              <a:t>固定</a:t>
-            </a:r>
-            <a:r>
-              <a:rPr lang="zh-TW" altLang="en-US" sz="3600" dirty="0" smtClean="0">
-                <a:solidFill>
-                  <a:srgbClr val="FF0000"/>
-                </a:solidFill>
-                <a:latin typeface="標楷體" panose="03000509000000000000" pitchFamily="65" charset="-120"/>
-                <a:ea typeface="標楷體" panose="03000509000000000000" pitchFamily="65" charset="-120"/>
-              </a:rPr>
-              <a:t>星期一</a:t>
-            </a:r>
-            <a:r>
-              <a:rPr lang="zh-TW" altLang="en-US" sz="3600" dirty="0">
-                <a:solidFill>
-                  <a:srgbClr val="FF0000"/>
-                </a:solidFill>
-                <a:latin typeface="標楷體" panose="03000509000000000000" pitchFamily="65" charset="-120"/>
-                <a:ea typeface="標楷體" panose="03000509000000000000" pitchFamily="65" charset="-120"/>
-              </a:rPr>
-              <a:t>、四</a:t>
-            </a:r>
-            <a:r>
-              <a:rPr lang="zh-TW" altLang="en-US" sz="3600" dirty="0" smtClean="0">
-                <a:solidFill>
-                  <a:srgbClr val="FF0000"/>
-                </a:solidFill>
-                <a:latin typeface="標楷體" panose="03000509000000000000" pitchFamily="65" charset="-120"/>
-                <a:ea typeface="標楷體" panose="03000509000000000000" pitchFamily="65" charset="-120"/>
-              </a:rPr>
-              <a:t>早上 </a:t>
-            </a:r>
-            <a:r>
-              <a:rPr lang="en-US" altLang="zh-TW" sz="3600" dirty="0" smtClean="0">
-                <a:solidFill>
-                  <a:srgbClr val="FF0000"/>
-                </a:solidFill>
-                <a:latin typeface="標楷體" panose="03000509000000000000" pitchFamily="65" charset="-120"/>
-                <a:ea typeface="標楷體" panose="03000509000000000000" pitchFamily="65" charset="-120"/>
-              </a:rPr>
-              <a:t>AM 10:00-12:00</a:t>
-            </a:r>
-          </a:p>
-          <a:p>
-            <a:pPr lvl="1"/>
-            <a:r>
-              <a:rPr lang="zh-TW" altLang="en-US" sz="3200" dirty="0">
-                <a:latin typeface="標楷體" panose="03000509000000000000" pitchFamily="65" charset="-120"/>
-                <a:ea typeface="標楷體" panose="03000509000000000000" pitchFamily="65" charset="-120"/>
-              </a:rPr>
-              <a:t>屆時點此連結簡單安裝即可參與視訊</a:t>
-            </a:r>
-          </a:p>
-          <a:p>
-            <a:endParaRPr lang="en-US" altLang="zh-TW" sz="3600" dirty="0">
+            <a:pPr lvl="2"/>
+            <a:r>
+              <a:rPr lang="zh-TW" altLang="en-US" sz="2800" dirty="0">
+                <a:latin typeface="標楷體" panose="03000509000000000000" pitchFamily="65" charset="-120"/>
+                <a:ea typeface="標楷體" panose="03000509000000000000" pitchFamily="65" charset="-120"/>
+              </a:rPr>
+              <a:t>深具</a:t>
+            </a:r>
+            <a:r>
+              <a:rPr lang="zh-TW" altLang="en-US" sz="2800" dirty="0" smtClean="0">
+                <a:latin typeface="標楷體" panose="03000509000000000000" pitchFamily="65" charset="-120"/>
+                <a:ea typeface="標楷體" panose="03000509000000000000" pitchFamily="65" charset="-120"/>
+              </a:rPr>
+              <a:t>實際推廣應用價值</a:t>
+            </a:r>
+            <a:endParaRPr lang="en-US" altLang="zh-TW" sz="2800" dirty="0">
               <a:latin typeface="標楷體" panose="03000509000000000000" pitchFamily="65" charset="-120"/>
               <a:ea typeface="標楷體" panose="03000509000000000000" pitchFamily="65" charset="-120"/>
             </a:endParaRPr>
           </a:p>
           <a:p>
-            <a:r>
-              <a:rPr lang="zh-TW" altLang="en-US" sz="3600" b="1" dirty="0" smtClean="0">
-                <a:solidFill>
-                  <a:srgbClr val="FF0000"/>
-                </a:solidFill>
-                <a:latin typeface="標楷體" panose="03000509000000000000" pitchFamily="65" charset="-120"/>
-                <a:ea typeface="標楷體" panose="03000509000000000000" pitchFamily="65" charset="-120"/>
-              </a:rPr>
-              <a:t>會</a:t>
-            </a:r>
-            <a:r>
-              <a:rPr lang="zh-TW" altLang="en-US" sz="3600" b="1" dirty="0">
-                <a:solidFill>
-                  <a:srgbClr val="FF0000"/>
-                </a:solidFill>
-                <a:latin typeface="標楷體" panose="03000509000000000000" pitchFamily="65" charset="-120"/>
-                <a:ea typeface="標楷體" panose="03000509000000000000" pitchFamily="65" charset="-120"/>
-              </a:rPr>
-              <a:t>錄影</a:t>
-            </a:r>
-            <a:r>
-              <a:rPr lang="zh-TW" altLang="en-US" sz="3600" dirty="0">
-                <a:latin typeface="標楷體" panose="03000509000000000000" pitchFamily="65" charset="-120"/>
-                <a:ea typeface="標楷體" panose="03000509000000000000" pitchFamily="65" charset="-120"/>
-              </a:rPr>
-              <a:t>，時間不方便者可聽錄影</a:t>
-            </a:r>
             <a:endParaRPr lang="en-US" altLang="zh-TW" sz="3600" dirty="0" smtClean="0">
               <a:latin typeface="標楷體" panose="03000509000000000000" pitchFamily="65" charset="-120"/>
               <a:ea typeface="標楷體" panose="03000509000000000000" pitchFamily="65" charset="-120"/>
@@ -5315,17 +4998,23 @@
             </a:endParaRPr>
           </a:p>
           <a:p>
-            <a:endParaRPr lang="en-US" altLang="zh-TW" sz="3600" dirty="0">
+            <a:endParaRPr lang="en-US" altLang="zh-TW" sz="3600" dirty="0" smtClean="0">
               <a:latin typeface="標楷體" panose="03000509000000000000" pitchFamily="65" charset="-120"/>
               <a:ea typeface="標楷體" panose="03000509000000000000" pitchFamily="65" charset="-120"/>
             </a:endParaRPr>
           </a:p>
+          <a:p>
+            <a:endParaRPr lang="zh-TW" altLang="en-US" sz="3600" dirty="0">
+              <a:latin typeface="標楷體" panose="03000509000000000000" pitchFamily="65" charset="-120"/>
+              <a:ea typeface="標楷體" panose="03000509000000000000" pitchFamily="65" charset="-120"/>
+            </a:endParaRPr>
+          </a:p>
         </p:txBody>
       </p:sp>
     </p:spTree>
     <p:extLst>
       <p:ext uri="{BB962C8B-B14F-4D97-AF65-F5344CB8AC3E}">
-        <p14:creationId xmlns:p14="http://schemas.microsoft.com/office/powerpoint/2010/main" val="746724930"/>
+        <p14:creationId xmlns:p14="http://schemas.microsoft.com/office/powerpoint/2010/main" val="4137238080"/>
       </p:ext>
     </p:extLst>
   </p:cSld>
@@ -5371,7 +5060,7 @@
         </p:nvSpPr>
         <p:spPr>
           <a:xfrm>
-            <a:off x="877110" y="0"/>
+            <a:off x="838199" y="2723744"/>
             <a:ext cx="10515600" cy="1325563"/>
           </a:xfrm>
         </p:spPr>
@@ -5379,23 +5068,127 @@
           <a:bodyPr/>
           <a:lstStyle/>
           <a:p>
-            <a:pPr algn="ctr"/>
-            <a:r>
-              <a:rPr lang="zh-TW" altLang="en-US" dirty="0" smtClean="0">
-                <a:latin typeface="標楷體" panose="03000509000000000000" pitchFamily="65" charset="-120"/>
-                <a:ea typeface="標楷體" panose="03000509000000000000" pitchFamily="65" charset="-120"/>
-              </a:rPr>
-              <a:t>實體課程</a:t>
-            </a:r>
-            <a:r>
-              <a:rPr lang="zh-TW" altLang="en-US" dirty="0">
+            <a:r>
+              <a:rPr lang="en-US" altLang="zh-TW" dirty="0" smtClean="0">
                 <a:latin typeface="標楷體" panose="03000509000000000000" pitchFamily="65" charset="-120"/>
                 <a:ea typeface="標楷體" panose="03000509000000000000" pitchFamily="65" charset="-120"/>
               </a:rPr>
               <a:t/>
             </a:r>
             <a:br>
-              <a:rPr lang="zh-TW" altLang="en-US" dirty="0">
+              <a:rPr lang="en-US" altLang="zh-TW" dirty="0" smtClean="0">
+                <a:latin typeface="標楷體" panose="03000509000000000000" pitchFamily="65" charset="-120"/>
+                <a:ea typeface="標楷體" panose="03000509000000000000" pitchFamily="65" charset="-120"/>
+              </a:rPr>
+            </a:br>
+            <a:r>
+              <a:rPr lang="en-US" altLang="zh-TW" dirty="0">
+                <a:latin typeface="標楷體" panose="03000509000000000000" pitchFamily="65" charset="-120"/>
+                <a:ea typeface="標楷體" panose="03000509000000000000" pitchFamily="65" charset="-120"/>
+              </a:rPr>
+              <a:t/>
+            </a:r>
+            <a:br>
+              <a:rPr lang="en-US" altLang="zh-TW" dirty="0">
+                <a:latin typeface="標楷體" panose="03000509000000000000" pitchFamily="65" charset="-120"/>
+                <a:ea typeface="標楷體" panose="03000509000000000000" pitchFamily="65" charset="-120"/>
+              </a:rPr>
+            </a:br>
+            <a:r>
+              <a:rPr lang="zh-TW" altLang="en-US" sz="5400" dirty="0">
+                <a:latin typeface="標楷體" panose="03000509000000000000" pitchFamily="65" charset="-120"/>
+                <a:ea typeface="標楷體" panose="03000509000000000000" pitchFamily="65" charset="-120"/>
+              </a:rPr>
+              <a:t>簡報結束</a:t>
+            </a:r>
+            <a:br>
+              <a:rPr lang="zh-TW" altLang="en-US" sz="5400" dirty="0">
+                <a:latin typeface="標楷體" panose="03000509000000000000" pitchFamily="65" charset="-120"/>
+                <a:ea typeface="標楷體" panose="03000509000000000000" pitchFamily="65" charset="-120"/>
+              </a:rPr>
+            </a:br>
+            <a:r>
+              <a:rPr lang="zh-TW" altLang="en-US" sz="5400" dirty="0">
+                <a:latin typeface="標楷體" panose="03000509000000000000" pitchFamily="65" charset="-120"/>
+                <a:ea typeface="標楷體" panose="03000509000000000000" pitchFamily="65" charset="-120"/>
+              </a:rPr>
+              <a:t/>
+            </a:r>
+            <a:br>
+              <a:rPr lang="zh-TW" altLang="en-US" sz="5400" dirty="0">
+                <a:latin typeface="標楷體" panose="03000509000000000000" pitchFamily="65" charset="-120"/>
+                <a:ea typeface="標楷體" panose="03000509000000000000" pitchFamily="65" charset="-120"/>
+              </a:rPr>
+            </a:br>
+            <a:r>
+              <a:rPr lang="zh-TW" altLang="en-US" sz="5400" dirty="0" smtClean="0">
+                <a:latin typeface="標楷體" panose="03000509000000000000" pitchFamily="65" charset="-120"/>
+                <a:ea typeface="標楷體" panose="03000509000000000000" pitchFamily="65" charset="-120"/>
+              </a:rPr>
+              <a:t>          感謝</a:t>
+            </a:r>
+            <a:r>
+              <a:rPr lang="zh-TW" altLang="en-US" sz="5400" dirty="0">
+                <a:latin typeface="標楷體" panose="03000509000000000000" pitchFamily="65" charset="-120"/>
+                <a:ea typeface="標楷體" panose="03000509000000000000" pitchFamily="65" charset="-120"/>
+              </a:rPr>
+              <a:t>聆聽</a:t>
+            </a:r>
+            <a:br>
+              <a:rPr lang="zh-TW" altLang="en-US" sz="5400" dirty="0">
+                <a:latin typeface="標楷體" panose="03000509000000000000" pitchFamily="65" charset="-120"/>
+                <a:ea typeface="標楷體" panose="03000509000000000000" pitchFamily="65" charset="-120"/>
+              </a:rPr>
+            </a:br>
+            <a:r>
+              <a:rPr lang="zh-TW" altLang="en-US" sz="5400" dirty="0">
+                <a:latin typeface="標楷體" panose="03000509000000000000" pitchFamily="65" charset="-120"/>
+                <a:ea typeface="標楷體" panose="03000509000000000000" pitchFamily="65" charset="-120"/>
+              </a:rPr>
+              <a:t/>
+            </a:r>
+            <a:br>
+              <a:rPr lang="zh-TW" altLang="en-US" sz="5400" dirty="0">
+                <a:latin typeface="標楷體" panose="03000509000000000000" pitchFamily="65" charset="-120"/>
+                <a:ea typeface="標楷體" panose="03000509000000000000" pitchFamily="65" charset="-120"/>
+              </a:rPr>
+            </a:br>
+            <a:r>
+              <a:rPr lang="zh-TW" altLang="en-US" sz="5400" dirty="0" smtClean="0">
+                <a:latin typeface="標楷體" panose="03000509000000000000" pitchFamily="65" charset="-120"/>
+                <a:ea typeface="標楷體" panose="03000509000000000000" pitchFamily="65" charset="-120"/>
+              </a:rPr>
+              <a:t>                    問題</a:t>
+            </a:r>
+            <a:r>
+              <a:rPr lang="zh-TW" altLang="en-US" sz="5400" dirty="0">
+                <a:latin typeface="標楷體" panose="03000509000000000000" pitchFamily="65" charset="-120"/>
+                <a:ea typeface="標楷體" panose="03000509000000000000" pitchFamily="65" charset="-120"/>
+              </a:rPr>
+              <a:t>討論</a:t>
+            </a:r>
+            <a:r>
+              <a:rPr lang="en-US" altLang="zh-TW" sz="5400" dirty="0" smtClean="0">
+                <a:latin typeface="標楷體" panose="03000509000000000000" pitchFamily="65" charset="-120"/>
+                <a:ea typeface="標楷體" panose="03000509000000000000" pitchFamily="65" charset="-120"/>
+              </a:rPr>
+              <a:t/>
+            </a:r>
+            <a:br>
+              <a:rPr lang="en-US" altLang="zh-TW" sz="5400" dirty="0" smtClean="0">
+                <a:latin typeface="標楷體" panose="03000509000000000000" pitchFamily="65" charset="-120"/>
+                <a:ea typeface="標楷體" panose="03000509000000000000" pitchFamily="65" charset="-120"/>
+              </a:rPr>
+            </a:br>
+            <a:r>
+              <a:rPr lang="en-US" altLang="zh-TW" dirty="0">
+                <a:latin typeface="標楷體" panose="03000509000000000000" pitchFamily="65" charset="-120"/>
+                <a:ea typeface="標楷體" panose="03000509000000000000" pitchFamily="65" charset="-120"/>
+              </a:rPr>
+              <a:t/>
+            </a:r>
+            <a:br>
+              <a:rPr lang="en-US" altLang="zh-TW" dirty="0">
                 <a:latin typeface="標楷體" panose="03000509000000000000" pitchFamily="65" charset="-120"/>
                 <a:ea typeface="標楷體" panose="03000509000000000000" pitchFamily="65" charset="-120"/>
               </a:rPr>
@@ -5407,2617 +5200,10 @@
           </a:p>
         </p:txBody>
       </p:sp>
-      <p:sp>
-        <p:nvSpPr>
-          <p:cNvPr id="3" name="內容版面配置區 2"/>
-          <p:cNvSpPr>
-            <a:spLocks noGrp="1"/>
-          </p:cNvSpPr>
-          <p:nvPr>
-            <p:ph idx="1"/>
-          </p:nvPr>
-        </p:nvSpPr>
-        <p:spPr>
-          <a:xfrm>
-            <a:off x="959402" y="787939"/>
-            <a:ext cx="10515600" cy="4195762"/>
-          </a:xfrm>
-        </p:spPr>
-        <p:txBody>
-          <a:bodyPr>
-            <a:normAutofit/>
-          </a:bodyPr>
-          <a:lstStyle/>
-          <a:p>
-            <a:r>
-              <a:rPr lang="zh-TW" altLang="en-US" sz="3600" dirty="0" smtClean="0">
-                <a:latin typeface="標楷體" panose="03000509000000000000" pitchFamily="65" charset="-120"/>
-                <a:ea typeface="標楷體" panose="03000509000000000000" pitchFamily="65" charset="-120"/>
-              </a:rPr>
-              <a:t>暑假期間</a:t>
-            </a:r>
-            <a:r>
-              <a:rPr lang="en-US" altLang="zh-TW" sz="3600" dirty="0" smtClean="0">
-                <a:latin typeface="標楷體" panose="03000509000000000000" pitchFamily="65" charset="-120"/>
-                <a:ea typeface="標楷體" panose="03000509000000000000" pitchFamily="65" charset="-120"/>
-              </a:rPr>
-              <a:t>:</a:t>
-            </a:r>
-          </a:p>
-          <a:p>
-            <a:pPr lvl="1"/>
-            <a:r>
-              <a:rPr lang="zh-TW" altLang="en-US" sz="3200" dirty="0">
-                <a:latin typeface="標楷體" panose="03000509000000000000" pitchFamily="65" charset="-120"/>
-                <a:ea typeface="標楷體" panose="03000509000000000000" pitchFamily="65" charset="-120"/>
-              </a:rPr>
-              <a:t>預定七月及八月各一次</a:t>
-            </a:r>
-            <a:r>
-              <a:rPr lang="zh-TW" altLang="en-US" sz="3200" dirty="0" smtClean="0">
-                <a:latin typeface="標楷體" panose="03000509000000000000" pitchFamily="65" charset="-120"/>
-                <a:ea typeface="標楷體" panose="03000509000000000000" pitchFamily="65" charset="-120"/>
-              </a:rPr>
-              <a:t> </a:t>
-            </a:r>
-            <a:endParaRPr lang="en-US" altLang="zh-TW" sz="3200" dirty="0" smtClean="0">
-              <a:latin typeface="標楷體" panose="03000509000000000000" pitchFamily="65" charset="-120"/>
-              <a:ea typeface="標楷體" panose="03000509000000000000" pitchFamily="65" charset="-120"/>
-            </a:endParaRPr>
-          </a:p>
-          <a:p>
-            <a:pPr lvl="1"/>
-            <a:r>
-              <a:rPr lang="zh-TW" altLang="en-US" sz="3200" dirty="0" smtClean="0">
-                <a:latin typeface="標楷體" panose="03000509000000000000" pitchFamily="65" charset="-120"/>
-                <a:ea typeface="標楷體" panose="03000509000000000000" pitchFamily="65" charset="-120"/>
-              </a:rPr>
-              <a:t>分別約北、中、南、東</a:t>
-            </a:r>
-            <a:endParaRPr lang="en-US" altLang="zh-TW" sz="3200" dirty="0" smtClean="0">
-              <a:latin typeface="標楷體" panose="03000509000000000000" pitchFamily="65" charset="-120"/>
-              <a:ea typeface="標楷體" panose="03000509000000000000" pitchFamily="65" charset="-120"/>
-            </a:endParaRPr>
-          </a:p>
-          <a:p>
-            <a:pPr lvl="1"/>
-            <a:r>
-              <a:rPr lang="zh-TW" altLang="en-US" sz="3200" dirty="0">
-                <a:latin typeface="標楷體" panose="03000509000000000000" pitchFamily="65" charset="-120"/>
-                <a:ea typeface="標楷體" panose="03000509000000000000" pitchFamily="65" charset="-120"/>
-              </a:rPr>
-              <a:t>討論</a:t>
-            </a:r>
-            <a:r>
-              <a:rPr lang="zh-TW" altLang="en-US" sz="3200" dirty="0" smtClean="0">
-                <a:latin typeface="標楷體" panose="03000509000000000000" pitchFamily="65" charset="-120"/>
-                <a:ea typeface="標楷體" panose="03000509000000000000" pitchFamily="65" charset="-120"/>
-              </a:rPr>
-              <a:t>程式問題</a:t>
-            </a:r>
-            <a:endParaRPr lang="en-US" altLang="zh-TW" sz="3200" dirty="0" smtClean="0">
-              <a:latin typeface="標楷體" panose="03000509000000000000" pitchFamily="65" charset="-120"/>
-              <a:ea typeface="標楷體" panose="03000509000000000000" pitchFamily="65" charset="-120"/>
-            </a:endParaRPr>
-          </a:p>
-          <a:p>
-            <a:endParaRPr lang="en-US" altLang="zh-TW" sz="3600" dirty="0" smtClean="0">
-              <a:latin typeface="標楷體" panose="03000509000000000000" pitchFamily="65" charset="-120"/>
-              <a:ea typeface="標楷體" panose="03000509000000000000" pitchFamily="65" charset="-120"/>
-            </a:endParaRPr>
-          </a:p>
-          <a:p>
-            <a:r>
-              <a:rPr lang="zh-TW" altLang="en-US" sz="3600" dirty="0" smtClean="0">
-                <a:latin typeface="標楷體" panose="03000509000000000000" pitchFamily="65" charset="-120"/>
-                <a:ea typeface="標楷體" panose="03000509000000000000" pitchFamily="65" charset="-120"/>
-              </a:rPr>
-              <a:t>九月</a:t>
-            </a:r>
-            <a:r>
-              <a:rPr lang="zh-TW" altLang="en-US" sz="3600" dirty="0">
-                <a:latin typeface="標楷體" panose="03000509000000000000" pitchFamily="65" charset="-120"/>
-                <a:ea typeface="標楷體" panose="03000509000000000000" pitchFamily="65" charset="-120"/>
-              </a:rPr>
-              <a:t>開學</a:t>
-            </a:r>
-            <a:r>
-              <a:rPr lang="zh-TW" altLang="en-US" sz="3600" dirty="0" smtClean="0">
-                <a:latin typeface="標楷體" panose="03000509000000000000" pitchFamily="65" charset="-120"/>
-                <a:ea typeface="標楷體" panose="03000509000000000000" pitchFamily="65" charset="-120"/>
-              </a:rPr>
-              <a:t>後</a:t>
-            </a:r>
-            <a:endParaRPr lang="en-US" altLang="zh-TW" sz="3600" dirty="0">
-              <a:latin typeface="標楷體" panose="03000509000000000000" pitchFamily="65" charset="-120"/>
-              <a:ea typeface="標楷體" panose="03000509000000000000" pitchFamily="65" charset="-120"/>
-            </a:endParaRPr>
-          </a:p>
-          <a:p>
-            <a:pPr lvl="1"/>
-            <a:r>
-              <a:rPr lang="zh-TW" altLang="en-US" sz="3200" dirty="0" smtClean="0">
-                <a:latin typeface="標楷體" panose="03000509000000000000" pitchFamily="65" charset="-120"/>
-                <a:ea typeface="標楷體" panose="03000509000000000000" pitchFamily="65" charset="-120"/>
-              </a:rPr>
-              <a:t>陽明及慈大程式開發練習</a:t>
-            </a:r>
-            <a:r>
-              <a:rPr lang="en-US" altLang="zh-TW" sz="3200" dirty="0" smtClean="0">
-                <a:latin typeface="標楷體" panose="03000509000000000000" pitchFamily="65" charset="-120"/>
-                <a:ea typeface="標楷體" panose="03000509000000000000" pitchFamily="65" charset="-120"/>
-              </a:rPr>
-              <a:t>(</a:t>
-            </a:r>
-            <a:r>
-              <a:rPr lang="zh-TW" altLang="en-US" sz="3200" dirty="0">
-                <a:latin typeface="標楷體" panose="03000509000000000000" pitchFamily="65" charset="-120"/>
-                <a:ea typeface="標楷體" panose="03000509000000000000" pitchFamily="65" charset="-120"/>
-              </a:rPr>
-              <a:t>專業助教輔導</a:t>
-            </a:r>
-            <a:r>
-              <a:rPr lang="en-US" altLang="zh-TW" sz="3200" dirty="0" smtClean="0">
-                <a:latin typeface="標楷體" panose="03000509000000000000" pitchFamily="65" charset="-120"/>
-                <a:ea typeface="標楷體" panose="03000509000000000000" pitchFamily="65" charset="-120"/>
-              </a:rPr>
-              <a:t>)</a:t>
-            </a:r>
-          </a:p>
-          <a:p>
-            <a:pPr lvl="2"/>
-            <a:r>
-              <a:rPr lang="zh-TW" altLang="en-US" sz="2800" dirty="0" smtClean="0">
-                <a:latin typeface="標楷體" panose="03000509000000000000" pitchFamily="65" charset="-120"/>
-                <a:ea typeface="標楷體" panose="03000509000000000000" pitchFamily="65" charset="-120"/>
-              </a:rPr>
-              <a:t>預定連續四到六周，</a:t>
-            </a:r>
-            <a:r>
-              <a:rPr lang="zh-TW" altLang="en-US" sz="2800" b="1" dirty="0" smtClean="0">
-                <a:solidFill>
-                  <a:srgbClr val="FF0000"/>
-                </a:solidFill>
-                <a:latin typeface="標楷體" panose="03000509000000000000" pitchFamily="65" charset="-120"/>
-                <a:ea typeface="標楷體" panose="03000509000000000000" pitchFamily="65" charset="-120"/>
-              </a:rPr>
-              <a:t>約周末</a:t>
-            </a:r>
-            <a:r>
-              <a:rPr lang="en-US" altLang="zh-TW" sz="2800" b="1" dirty="0" smtClean="0">
-                <a:solidFill>
-                  <a:srgbClr val="FF0000"/>
-                </a:solidFill>
-                <a:latin typeface="標楷體" panose="03000509000000000000" pitchFamily="65" charset="-120"/>
-                <a:ea typeface="標楷體" panose="03000509000000000000" pitchFamily="65" charset="-120"/>
-              </a:rPr>
-              <a:t>?</a:t>
-            </a:r>
-          </a:p>
-          <a:p>
-            <a:endParaRPr lang="en-US" altLang="zh-TW" sz="3600" dirty="0" smtClean="0">
-              <a:latin typeface="標楷體" panose="03000509000000000000" pitchFamily="65" charset="-120"/>
-              <a:ea typeface="標楷體" panose="03000509000000000000" pitchFamily="65" charset="-120"/>
-            </a:endParaRPr>
-          </a:p>
-          <a:p>
-            <a:r>
-              <a:rPr lang="zh-TW" altLang="en-US" sz="3600" dirty="0" smtClean="0">
-                <a:latin typeface="標楷體" panose="03000509000000000000" pitchFamily="65" charset="-120"/>
-                <a:ea typeface="標楷體" panose="03000509000000000000" pitchFamily="65" charset="-120"/>
-              </a:rPr>
-              <a:t>參與醫資研討會及</a:t>
-            </a:r>
-            <a:r>
-              <a:rPr lang="zh-TW" altLang="en-US" sz="3600" b="1" dirty="0" smtClean="0">
-                <a:solidFill>
-                  <a:srgbClr val="FF0000"/>
-                </a:solidFill>
-                <a:latin typeface="標楷體" panose="03000509000000000000" pitchFamily="65" charset="-120"/>
-                <a:ea typeface="標楷體" panose="03000509000000000000" pitchFamily="65" charset="-120"/>
-              </a:rPr>
-              <a:t>系統整合聯測</a:t>
-            </a:r>
-            <a:endParaRPr lang="en-US" altLang="zh-TW" sz="3600" b="1" dirty="0" smtClean="0">
-              <a:solidFill>
-                <a:srgbClr val="FF0000"/>
-              </a:solidFill>
-              <a:latin typeface="標楷體" panose="03000509000000000000" pitchFamily="65" charset="-120"/>
-              <a:ea typeface="標楷體" panose="03000509000000000000" pitchFamily="65" charset="-120"/>
-            </a:endParaRPr>
-          </a:p>
-          <a:p>
-            <a:endParaRPr lang="en-US" altLang="zh-TW" sz="3600" dirty="0">
-              <a:latin typeface="標楷體" panose="03000509000000000000" pitchFamily="65" charset="-120"/>
-              <a:ea typeface="標楷體" panose="03000509000000000000" pitchFamily="65" charset="-120"/>
-            </a:endParaRPr>
-          </a:p>
-        </p:txBody>
-      </p:sp>
     </p:spTree>
     <p:extLst>
       <p:ext uri="{BB962C8B-B14F-4D97-AF65-F5344CB8AC3E}">
-        <p14:creationId xmlns:p14="http://schemas.microsoft.com/office/powerpoint/2010/main" val="2319118320"/>
-      </p:ext>
-    </p:extLst>
-  </p:cSld>
-  <p:clrMapOvr>
-    <a:masterClrMapping/>
-  </p:clrMapOvr>
-  <p:timing>
-    <p:tnLst>
-      <p:par>
-        <p:cTn id="1" dur="indefinite" restart="never" nodeType="tmRoot"/>
-      </p:par>
-    </p:tnLst>
-  </p:timing>
-</p:sld>
-</file>
-
-<file path=ppt/slides/slide16.xml><?xml version="1.0" encoding="utf-8"?>
-<p:sld xmlns:a="http://schemas.openxmlformats.org/drawingml/2006/main" xmlns:r="http://schemas.openxmlformats.org/officeDocument/2006/relationships" xmlns:p="http://schemas.openxmlformats.org/presentationml/2006/main">
-  <p:cSld>
-    <p:spTree>
-      <p:nvGrpSpPr>
-        <p:cNvPr id="1" name=""/>
-        <p:cNvGrpSpPr/>
-        <p:nvPr/>
-      </p:nvGrpSpPr>
-      <p:grpSpPr>
-        <a:xfrm>
-          <a:off x="0" y="0"/>
-          <a:ext cx="0" cy="0"/>
-          <a:chOff x="0" y="0"/>
-          <a:chExt cx="0" cy="0"/>
-        </a:xfrm>
-      </p:grpSpPr>
-      <p:sp>
-        <p:nvSpPr>
-          <p:cNvPr id="2" name="標題 1"/>
-          <p:cNvSpPr>
-            <a:spLocks noGrp="1"/>
-          </p:cNvSpPr>
-          <p:nvPr>
-            <p:ph type="title"/>
-          </p:nvPr>
-        </p:nvSpPr>
-        <p:spPr/>
-        <p:txBody>
-          <a:bodyPr/>
-          <a:lstStyle/>
-          <a:p>
-            <a:r>
-              <a:rPr lang="en-US" altLang="zh-TW" dirty="0">
-                <a:hlinkClick r:id="rId2"/>
-              </a:rPr>
-              <a:t>2019</a:t>
-            </a:r>
-            <a:r>
-              <a:rPr lang="zh-TW" altLang="en-US" dirty="0">
-                <a:hlinkClick r:id="rId2"/>
-              </a:rPr>
-              <a:t>年國際醫學資訊聯合研討會</a:t>
-            </a:r>
-            <a:endParaRPr lang="zh-TW" altLang="en-US" dirty="0"/>
-          </a:p>
-        </p:txBody>
-      </p:sp>
-      <p:pic>
-        <p:nvPicPr>
-          <p:cNvPr id="1026" name="Picture 2"/>
-          <p:cNvPicPr>
-            <a:picLocks noChangeAspect="1" noChangeArrowheads="1"/>
-          </p:cNvPicPr>
-          <p:nvPr/>
-        </p:nvPicPr>
-        <p:blipFill>
-          <a:blip r:embed="rId3" cstate="print"/>
-          <a:srcRect/>
-          <a:stretch>
-            <a:fillRect/>
-          </a:stretch>
-        </p:blipFill>
-        <p:spPr bwMode="auto">
-          <a:xfrm>
-            <a:off x="0" y="1412776"/>
-            <a:ext cx="12192000" cy="4176464"/>
-          </a:xfrm>
-          <a:prstGeom prst="rect">
-            <a:avLst/>
-          </a:prstGeom>
-          <a:noFill/>
-          <a:ln w="9525">
-            <a:noFill/>
-            <a:miter lim="800000"/>
-            <a:headEnd/>
-            <a:tailEnd/>
-          </a:ln>
-        </p:spPr>
-      </p:pic>
-    </p:spTree>
-    <p:extLst>
-      <p:ext uri="{BB962C8B-B14F-4D97-AF65-F5344CB8AC3E}">
-        <p14:creationId xmlns:p14="http://schemas.microsoft.com/office/powerpoint/2010/main" val="3155452873"/>
-      </p:ext>
-    </p:extLst>
-  </p:cSld>
-  <p:clrMapOvr>
-    <a:masterClrMapping/>
-  </p:clrMapOvr>
-</p:sld>
-</file>
-
-<file path=ppt/slides/slide17.xml><?xml version="1.0" encoding="utf-8"?>
-<p:sld xmlns:a="http://schemas.openxmlformats.org/drawingml/2006/main" xmlns:r="http://schemas.openxmlformats.org/officeDocument/2006/relationships" xmlns:p="http://schemas.openxmlformats.org/presentationml/2006/main">
-  <p:cSld>
-    <p:spTree>
-      <p:nvGrpSpPr>
-        <p:cNvPr id="1" name=""/>
-        <p:cNvGrpSpPr/>
-        <p:nvPr/>
-      </p:nvGrpSpPr>
-      <p:grpSpPr>
-        <a:xfrm>
-          <a:off x="0" y="0"/>
-          <a:ext cx="0" cy="0"/>
-          <a:chOff x="0" y="0"/>
-          <a:chExt cx="0" cy="0"/>
-        </a:xfrm>
-      </p:grpSpPr>
-      <p:pic>
-        <p:nvPicPr>
-          <p:cNvPr id="92162" name="Picture 2" descr="ãihe connectathonãçåçæå°çµæ"/>
-          <p:cNvPicPr>
-            <a:picLocks noChangeAspect="1" noChangeArrowheads="1"/>
-          </p:cNvPicPr>
-          <p:nvPr/>
-        </p:nvPicPr>
-        <p:blipFill>
-          <a:blip r:embed="rId2" cstate="print"/>
-          <a:srcRect/>
-          <a:stretch>
-            <a:fillRect/>
-          </a:stretch>
-        </p:blipFill>
-        <p:spPr bwMode="auto">
-          <a:xfrm>
-            <a:off x="-48683" y="0"/>
-            <a:ext cx="12385376" cy="6858000"/>
-          </a:xfrm>
-          <a:prstGeom prst="rect">
-            <a:avLst/>
-          </a:prstGeom>
-          <a:noFill/>
-        </p:spPr>
-      </p:pic>
-      <p:sp>
-        <p:nvSpPr>
-          <p:cNvPr id="23" name="矩形 22"/>
-          <p:cNvSpPr/>
-          <p:nvPr/>
-        </p:nvSpPr>
-        <p:spPr>
-          <a:xfrm>
-            <a:off x="-48683" y="0"/>
-            <a:ext cx="12240683" cy="6858000"/>
-          </a:xfrm>
-          <a:prstGeom prst="rect">
-            <a:avLst/>
-          </a:prstGeom>
-          <a:solidFill>
-            <a:schemeClr val="tx1">
-              <a:alpha val="80000"/>
-            </a:schemeClr>
-          </a:solidFill>
-        </p:spPr>
-        <p:style>
-          <a:lnRef idx="2">
-            <a:schemeClr val="accent1">
-              <a:shade val="50000"/>
-            </a:schemeClr>
-          </a:lnRef>
-          <a:fillRef idx="1">
-            <a:schemeClr val="accent1"/>
-          </a:fillRef>
-          <a:effectRef idx="0">
-            <a:schemeClr val="accent1"/>
-          </a:effectRef>
-          <a:fontRef idx="minor">
-            <a:schemeClr val="lt1"/>
-          </a:fontRef>
-        </p:style>
-        <p:txBody>
-          <a:bodyPr rtlCol="0" anchor="ctr"/>
-          <a:lstStyle/>
-          <a:p>
-            <a:pPr algn="ctr"/>
-            <a:endParaRPr lang="zh-TW" altLang="en-US" dirty="0"/>
-          </a:p>
-        </p:txBody>
-      </p:sp>
-      <p:sp>
-        <p:nvSpPr>
-          <p:cNvPr id="2" name="標題 1"/>
-          <p:cNvSpPr>
-            <a:spLocks noGrp="1"/>
-          </p:cNvSpPr>
-          <p:nvPr>
-            <p:ph type="title"/>
-          </p:nvPr>
-        </p:nvSpPr>
-        <p:spPr>
-          <a:xfrm>
-            <a:off x="724639" y="422176"/>
-            <a:ext cx="10871200" cy="990600"/>
-          </a:xfrm>
-        </p:spPr>
-        <p:txBody>
-          <a:bodyPr>
-            <a:noAutofit/>
-          </a:bodyPr>
-          <a:lstStyle/>
-          <a:p>
-            <a:r>
-              <a:rPr lang="en-US" altLang="zh-TW" b="1" dirty="0">
-                <a:solidFill>
-                  <a:schemeClr val="bg1"/>
-                </a:solidFill>
-              </a:rPr>
-              <a:t> IHE </a:t>
-            </a:r>
-            <a:r>
-              <a:rPr lang="en-US" altLang="zh-TW" b="1" dirty="0" err="1">
-                <a:solidFill>
-                  <a:schemeClr val="bg1"/>
-                </a:solidFill>
-              </a:rPr>
-              <a:t>Connectathon</a:t>
-            </a:r>
-            <a:r>
-              <a:rPr lang="en-US" altLang="zh-TW" b="1" dirty="0">
-                <a:solidFill>
-                  <a:schemeClr val="bg1"/>
-                </a:solidFill>
-              </a:rPr>
-              <a:t> Since 2001</a:t>
-            </a:r>
-            <a:br>
-              <a:rPr lang="en-US" altLang="zh-TW" b="1" dirty="0">
-                <a:solidFill>
-                  <a:schemeClr val="bg1"/>
-                </a:solidFill>
-              </a:rPr>
-            </a:br>
-            <a:r>
-              <a:rPr lang="en-US" altLang="zh-TW" b="1" dirty="0">
-                <a:solidFill>
-                  <a:srgbClr val="FF9900"/>
-                </a:solidFill>
-              </a:rPr>
-              <a:t>FHIR</a:t>
-            </a:r>
-            <a:r>
-              <a:rPr lang="en-US" altLang="zh-TW" b="1" dirty="0">
-                <a:solidFill>
-                  <a:schemeClr val="bg1"/>
-                </a:solidFill>
-              </a:rPr>
-              <a:t> </a:t>
-            </a:r>
-            <a:r>
-              <a:rPr lang="en-US" altLang="zh-TW" b="1" dirty="0" err="1">
-                <a:solidFill>
-                  <a:schemeClr val="bg1"/>
-                </a:solidFill>
-              </a:rPr>
-              <a:t>Connectathon</a:t>
-            </a:r>
-            <a:r>
-              <a:rPr lang="en-US" altLang="zh-TW" b="1" dirty="0">
-                <a:solidFill>
-                  <a:schemeClr val="bg1"/>
-                </a:solidFill>
-              </a:rPr>
-              <a:t> Since </a:t>
-            </a:r>
-            <a:r>
-              <a:rPr lang="en-US" altLang="zh-TW" b="1" dirty="0">
-                <a:solidFill>
-                  <a:srgbClr val="FF9900"/>
-                </a:solidFill>
-              </a:rPr>
-              <a:t>2012</a:t>
-            </a:r>
-            <a:endParaRPr lang="zh-TW" altLang="en-US" b="1" dirty="0">
-              <a:solidFill>
-                <a:srgbClr val="FF9900"/>
-              </a:solidFill>
-            </a:endParaRPr>
-          </a:p>
-        </p:txBody>
-      </p:sp>
-      <p:sp>
-        <p:nvSpPr>
-          <p:cNvPr id="5" name="圓角矩形 4"/>
-          <p:cNvSpPr/>
-          <p:nvPr/>
-        </p:nvSpPr>
-        <p:spPr>
-          <a:xfrm>
-            <a:off x="237027" y="2060848"/>
-            <a:ext cx="3238523" cy="861246"/>
-          </a:xfrm>
-          <a:prstGeom prst="roundRect">
-            <a:avLst/>
-          </a:prstGeom>
-        </p:spPr>
-        <p:style>
-          <a:lnRef idx="1">
-            <a:schemeClr val="accent4"/>
-          </a:lnRef>
-          <a:fillRef idx="3">
-            <a:schemeClr val="accent4"/>
-          </a:fillRef>
-          <a:effectRef idx="2">
-            <a:schemeClr val="accent4"/>
-          </a:effectRef>
-          <a:fontRef idx="minor">
-            <a:schemeClr val="lt1"/>
-          </a:fontRef>
-        </p:style>
-        <p:txBody>
-          <a:bodyPr rtlCol="0" anchor="ctr"/>
-          <a:lstStyle/>
-          <a:p>
-            <a:pPr algn="ctr"/>
-            <a:r>
-              <a:rPr lang="zh-TW" altLang="en-US" sz="2600" b="1" dirty="0">
-                <a:solidFill>
-                  <a:schemeClr val="tx1"/>
-                </a:solidFill>
-                <a:latin typeface="微軟正黑體" pitchFamily="34" charset="-120"/>
-                <a:ea typeface="微軟正黑體" pitchFamily="34" charset="-120"/>
-              </a:rPr>
-              <a:t>標準</a:t>
-            </a:r>
-            <a:endParaRPr lang="en-US" altLang="zh-TW" sz="2600" b="1" dirty="0">
-              <a:solidFill>
-                <a:schemeClr val="tx1"/>
-              </a:solidFill>
-              <a:latin typeface="微軟正黑體" pitchFamily="34" charset="-120"/>
-              <a:ea typeface="微軟正黑體" pitchFamily="34" charset="-120"/>
-            </a:endParaRPr>
-          </a:p>
-          <a:p>
-            <a:pPr algn="ctr"/>
-            <a:r>
-              <a:rPr lang="zh-TW" altLang="en-US" sz="2600" b="1" dirty="0">
-                <a:solidFill>
-                  <a:schemeClr val="tx1"/>
-                </a:solidFill>
-                <a:latin typeface="微軟正黑體" pitchFamily="34" charset="-120"/>
-                <a:ea typeface="微軟正黑體" pitchFamily="34" charset="-120"/>
-              </a:rPr>
-              <a:t>發展組織</a:t>
-            </a:r>
-            <a:endParaRPr lang="en-US" altLang="zh-TW" sz="2600" b="1" dirty="0">
-              <a:solidFill>
-                <a:schemeClr val="tx1"/>
-              </a:solidFill>
-              <a:latin typeface="微軟正黑體" pitchFamily="34" charset="-120"/>
-              <a:ea typeface="微軟正黑體" pitchFamily="34" charset="-120"/>
-            </a:endParaRPr>
-          </a:p>
-        </p:txBody>
-      </p:sp>
-      <p:sp>
-        <p:nvSpPr>
-          <p:cNvPr id="6" name="圓角矩形 5"/>
-          <p:cNvSpPr/>
-          <p:nvPr/>
-        </p:nvSpPr>
-        <p:spPr>
-          <a:xfrm>
-            <a:off x="522779" y="3632484"/>
-            <a:ext cx="2667019" cy="928694"/>
-          </a:xfrm>
-          <a:prstGeom prst="roundRect">
-            <a:avLst/>
-          </a:prstGeom>
-        </p:spPr>
-        <p:style>
-          <a:lnRef idx="1">
-            <a:schemeClr val="accent2"/>
-          </a:lnRef>
-          <a:fillRef idx="3">
-            <a:schemeClr val="accent2"/>
-          </a:fillRef>
-          <a:effectRef idx="2">
-            <a:schemeClr val="accent2"/>
-          </a:effectRef>
-          <a:fontRef idx="minor">
-            <a:schemeClr val="lt1"/>
-          </a:fontRef>
-        </p:style>
-        <p:txBody>
-          <a:bodyPr rtlCol="0" anchor="ctr"/>
-          <a:lstStyle/>
-          <a:p>
-            <a:pPr algn="ctr"/>
-            <a:r>
-              <a:rPr lang="zh-TW" altLang="en-US" sz="2600" b="1" dirty="0">
-                <a:solidFill>
-                  <a:schemeClr val="tx1"/>
-                </a:solidFill>
-                <a:latin typeface="微軟正黑體" pitchFamily="34" charset="-120"/>
-                <a:ea typeface="微軟正黑體" pitchFamily="34" charset="-120"/>
-              </a:rPr>
-              <a:t>產業標準</a:t>
-            </a:r>
-            <a:endParaRPr lang="en-US" altLang="zh-TW" sz="2600" b="1" dirty="0">
-              <a:solidFill>
-                <a:schemeClr val="tx1"/>
-              </a:solidFill>
-              <a:latin typeface="微軟正黑體" pitchFamily="34" charset="-120"/>
-              <a:ea typeface="微軟正黑體" pitchFamily="34" charset="-120"/>
-            </a:endParaRPr>
-          </a:p>
-        </p:txBody>
-      </p:sp>
-      <p:sp>
-        <p:nvSpPr>
-          <p:cNvPr id="7" name="圓角矩形 6"/>
-          <p:cNvSpPr/>
-          <p:nvPr/>
-        </p:nvSpPr>
-        <p:spPr>
-          <a:xfrm>
-            <a:off x="3475549" y="3632484"/>
-            <a:ext cx="3524275" cy="928694"/>
-          </a:xfrm>
-          <a:prstGeom prst="roundRect">
-            <a:avLst/>
-          </a:prstGeom>
-        </p:spPr>
-        <p:style>
-          <a:lnRef idx="1">
-            <a:schemeClr val="accent3"/>
-          </a:lnRef>
-          <a:fillRef idx="3">
-            <a:schemeClr val="accent3"/>
-          </a:fillRef>
-          <a:effectRef idx="2">
-            <a:schemeClr val="accent3"/>
-          </a:effectRef>
-          <a:fontRef idx="minor">
-            <a:schemeClr val="lt1"/>
-          </a:fontRef>
-        </p:style>
-        <p:txBody>
-          <a:bodyPr rtlCol="0" anchor="ctr"/>
-          <a:lstStyle/>
-          <a:p>
-            <a:pPr algn="ctr"/>
-            <a:r>
-              <a:rPr lang="zh-TW" altLang="en-US" sz="2600" b="1" dirty="0">
-                <a:solidFill>
-                  <a:schemeClr val="tx1"/>
-                </a:solidFill>
-                <a:latin typeface="微軟正黑體" pitchFamily="34" charset="-120"/>
-                <a:ea typeface="微軟正黑體" pitchFamily="34" charset="-120"/>
-              </a:rPr>
-              <a:t>聯測會</a:t>
-            </a:r>
-            <a:r>
-              <a:rPr lang="en-US" altLang="zh-TW" sz="2600" b="1" dirty="0">
-                <a:solidFill>
-                  <a:schemeClr val="tx1"/>
-                </a:solidFill>
-                <a:latin typeface="微軟正黑體" pitchFamily="34" charset="-120"/>
-                <a:ea typeface="微軟正黑體" pitchFamily="34" charset="-120"/>
-              </a:rPr>
-              <a:t/>
-            </a:r>
-            <a:br>
-              <a:rPr lang="en-US" altLang="zh-TW" sz="2600" b="1" dirty="0">
-                <a:solidFill>
-                  <a:schemeClr val="tx1"/>
-                </a:solidFill>
-                <a:latin typeface="微軟正黑體" pitchFamily="34" charset="-120"/>
-                <a:ea typeface="微軟正黑體" pitchFamily="34" charset="-120"/>
-              </a:rPr>
-            </a:br>
-            <a:r>
-              <a:rPr lang="en-US" altLang="zh-TW" sz="2600" b="1" dirty="0" err="1">
-                <a:solidFill>
-                  <a:schemeClr val="tx1"/>
-                </a:solidFill>
-                <a:latin typeface="微軟正黑體" pitchFamily="34" charset="-120"/>
-                <a:ea typeface="微軟正黑體" pitchFamily="34" charset="-120"/>
-              </a:rPr>
-              <a:t>Connectathon</a:t>
-            </a:r>
-            <a:endParaRPr lang="en-US" altLang="zh-TW" sz="2600" b="1" dirty="0">
-              <a:solidFill>
-                <a:schemeClr val="tx1"/>
-              </a:solidFill>
-              <a:latin typeface="微軟正黑體" pitchFamily="34" charset="-120"/>
-              <a:ea typeface="微軟正黑體" pitchFamily="34" charset="-120"/>
-            </a:endParaRPr>
-          </a:p>
-        </p:txBody>
-      </p:sp>
-      <p:sp>
-        <p:nvSpPr>
-          <p:cNvPr id="9" name="圓角矩形 8"/>
-          <p:cNvSpPr/>
-          <p:nvPr/>
-        </p:nvSpPr>
-        <p:spPr>
-          <a:xfrm>
-            <a:off x="8523835" y="3632484"/>
-            <a:ext cx="3429024" cy="928694"/>
-          </a:xfrm>
-          <a:prstGeom prst="roundRect">
-            <a:avLst/>
-          </a:prstGeom>
-        </p:spPr>
-        <p:style>
-          <a:lnRef idx="1">
-            <a:schemeClr val="accent4"/>
-          </a:lnRef>
-          <a:fillRef idx="3">
-            <a:schemeClr val="accent4"/>
-          </a:fillRef>
-          <a:effectRef idx="2">
-            <a:schemeClr val="accent4"/>
-          </a:effectRef>
-          <a:fontRef idx="minor">
-            <a:schemeClr val="lt1"/>
-          </a:fontRef>
-        </p:style>
-        <p:txBody>
-          <a:bodyPr rtlCol="0" anchor="ctr"/>
-          <a:lstStyle/>
-          <a:p>
-            <a:pPr algn="ctr"/>
-            <a:r>
-              <a:rPr lang="zh-TW" altLang="en-US" sz="2600" b="1" dirty="0">
-                <a:solidFill>
-                  <a:schemeClr val="tx1"/>
-                </a:solidFill>
-                <a:latin typeface="微軟正黑體" pitchFamily="34" charset="-120"/>
-                <a:ea typeface="微軟正黑體" pitchFamily="34" charset="-120"/>
-              </a:rPr>
-              <a:t>標準遵從</a:t>
-            </a:r>
-            <a:endParaRPr lang="en-US" altLang="zh-TW" sz="2600" b="1" dirty="0">
-              <a:solidFill>
-                <a:schemeClr val="tx1"/>
-              </a:solidFill>
-              <a:latin typeface="微軟正黑體" pitchFamily="34" charset="-120"/>
-              <a:ea typeface="微軟正黑體" pitchFamily="34" charset="-120"/>
-            </a:endParaRPr>
-          </a:p>
-          <a:p>
-            <a:pPr algn="ctr"/>
-            <a:r>
-              <a:rPr lang="zh-TW" altLang="en-US" sz="2600" b="1" dirty="0">
-                <a:solidFill>
-                  <a:schemeClr val="tx1"/>
-                </a:solidFill>
-                <a:latin typeface="微軟正黑體" pitchFamily="34" charset="-120"/>
-                <a:ea typeface="微軟正黑體" pitchFamily="34" charset="-120"/>
-              </a:rPr>
-              <a:t>一致性聲明</a:t>
-            </a:r>
-            <a:endParaRPr lang="en-US" altLang="zh-TW" sz="2600" b="1" dirty="0">
-              <a:solidFill>
-                <a:schemeClr val="tx1"/>
-              </a:solidFill>
-              <a:latin typeface="微軟正黑體" pitchFamily="34" charset="-120"/>
-              <a:ea typeface="微軟正黑體" pitchFamily="34" charset="-120"/>
-            </a:endParaRPr>
-          </a:p>
-        </p:txBody>
-      </p:sp>
-      <p:sp>
-        <p:nvSpPr>
-          <p:cNvPr id="10" name="圓角矩形 9"/>
-          <p:cNvSpPr/>
-          <p:nvPr/>
-        </p:nvSpPr>
-        <p:spPr>
-          <a:xfrm>
-            <a:off x="3761301" y="5418434"/>
-            <a:ext cx="2952771" cy="928694"/>
-          </a:xfrm>
-          <a:prstGeom prst="roundRect">
-            <a:avLst/>
-          </a:prstGeom>
-        </p:spPr>
-        <p:style>
-          <a:lnRef idx="1">
-            <a:schemeClr val="accent6"/>
-          </a:lnRef>
-          <a:fillRef idx="3">
-            <a:schemeClr val="accent6"/>
-          </a:fillRef>
-          <a:effectRef idx="2">
-            <a:schemeClr val="accent6"/>
-          </a:effectRef>
-          <a:fontRef idx="minor">
-            <a:schemeClr val="lt1"/>
-          </a:fontRef>
-        </p:style>
-        <p:txBody>
-          <a:bodyPr rtlCol="0" anchor="ctr"/>
-          <a:lstStyle/>
-          <a:p>
-            <a:pPr algn="ctr"/>
-            <a:r>
-              <a:rPr lang="zh-TW" altLang="en-US" sz="2600" b="1" dirty="0">
-                <a:solidFill>
-                  <a:schemeClr val="tx1"/>
-                </a:solidFill>
-                <a:latin typeface="微軟正黑體" pitchFamily="34" charset="-120"/>
-                <a:ea typeface="微軟正黑體" pitchFamily="34" charset="-120"/>
-              </a:rPr>
-              <a:t>開發者</a:t>
-            </a:r>
-            <a:r>
-              <a:rPr lang="en-US" altLang="zh-TW" sz="2600" b="1" dirty="0">
-                <a:solidFill>
-                  <a:schemeClr val="tx1"/>
-                </a:solidFill>
-                <a:latin typeface="微軟正黑體" pitchFamily="34" charset="-120"/>
-                <a:ea typeface="微軟正黑體" pitchFamily="34" charset="-120"/>
-              </a:rPr>
-              <a:t>/</a:t>
-            </a:r>
-            <a:r>
-              <a:rPr lang="zh-TW" altLang="en-US" sz="2600" b="1" dirty="0">
-                <a:solidFill>
-                  <a:schemeClr val="tx1"/>
-                </a:solidFill>
-                <a:latin typeface="微軟正黑體" pitchFamily="34" charset="-120"/>
-                <a:ea typeface="微軟正黑體" pitchFamily="34" charset="-120"/>
-              </a:rPr>
-              <a:t>廠商</a:t>
-            </a:r>
-            <a:endParaRPr lang="en-US" altLang="zh-TW" sz="2600" b="1" dirty="0">
-              <a:solidFill>
-                <a:schemeClr val="tx1"/>
-              </a:solidFill>
-              <a:latin typeface="微軟正黑體" pitchFamily="34" charset="-120"/>
-              <a:ea typeface="微軟正黑體" pitchFamily="34" charset="-120"/>
-            </a:endParaRPr>
-          </a:p>
-        </p:txBody>
-      </p:sp>
-      <p:sp>
-        <p:nvSpPr>
-          <p:cNvPr id="11" name="圓角矩形 10"/>
-          <p:cNvSpPr/>
-          <p:nvPr/>
-        </p:nvSpPr>
-        <p:spPr>
-          <a:xfrm>
-            <a:off x="8809587" y="5418434"/>
-            <a:ext cx="2857520" cy="928694"/>
-          </a:xfrm>
-          <a:prstGeom prst="roundRect">
-            <a:avLst/>
-          </a:prstGeom>
-        </p:spPr>
-        <p:style>
-          <a:lnRef idx="1">
-            <a:schemeClr val="accent1"/>
-          </a:lnRef>
-          <a:fillRef idx="3">
-            <a:schemeClr val="accent1"/>
-          </a:fillRef>
-          <a:effectRef idx="2">
-            <a:schemeClr val="accent1"/>
-          </a:effectRef>
-          <a:fontRef idx="minor">
-            <a:schemeClr val="lt1"/>
-          </a:fontRef>
-        </p:style>
-        <p:txBody>
-          <a:bodyPr rtlCol="0" anchor="ctr"/>
-          <a:lstStyle/>
-          <a:p>
-            <a:pPr algn="ctr"/>
-            <a:r>
-              <a:rPr lang="zh-TW" altLang="en-US" sz="2600" b="1" dirty="0">
-                <a:solidFill>
-                  <a:schemeClr val="tx1"/>
-                </a:solidFill>
-                <a:latin typeface="微軟正黑體" pitchFamily="34" charset="-120"/>
-                <a:ea typeface="微軟正黑體" pitchFamily="34" charset="-120"/>
-              </a:rPr>
-              <a:t>用戶</a:t>
-            </a:r>
-            <a:r>
-              <a:rPr lang="en-US" altLang="zh-TW" sz="2600" b="1" dirty="0">
-                <a:solidFill>
-                  <a:schemeClr val="tx1"/>
-                </a:solidFill>
-                <a:latin typeface="微軟正黑體" pitchFamily="34" charset="-120"/>
-                <a:ea typeface="微軟正黑體" pitchFamily="34" charset="-120"/>
-              </a:rPr>
-              <a:t>/</a:t>
-            </a:r>
-            <a:r>
-              <a:rPr lang="zh-TW" altLang="en-US" sz="2600" b="1" dirty="0">
-                <a:solidFill>
-                  <a:schemeClr val="tx1"/>
-                </a:solidFill>
-                <a:latin typeface="微軟正黑體" pitchFamily="34" charset="-120"/>
-                <a:ea typeface="微軟正黑體" pitchFamily="34" charset="-120"/>
-              </a:rPr>
-              <a:t>採購者</a:t>
-            </a:r>
-            <a:endParaRPr lang="en-US" altLang="zh-TW" sz="2600" b="1" dirty="0">
-              <a:solidFill>
-                <a:schemeClr val="tx1"/>
-              </a:solidFill>
-              <a:latin typeface="微軟正黑體" pitchFamily="34" charset="-120"/>
-              <a:ea typeface="微軟正黑體" pitchFamily="34" charset="-120"/>
-            </a:endParaRPr>
-          </a:p>
-        </p:txBody>
-      </p:sp>
-      <p:cxnSp>
-        <p:nvCxnSpPr>
-          <p:cNvPr id="13" name="直線單箭頭接點 12"/>
-          <p:cNvCxnSpPr>
-            <a:stCxn id="5" idx="2"/>
-            <a:endCxn id="6" idx="0"/>
-          </p:cNvCxnSpPr>
-          <p:nvPr/>
-        </p:nvCxnSpPr>
-        <p:spPr>
-          <a:xfrm rot="5400000">
-            <a:off x="1501093" y="3277025"/>
-            <a:ext cx="710390" cy="2117"/>
-          </a:xfrm>
-          <a:prstGeom prst="straightConnector1">
-            <a:avLst/>
-          </a:prstGeom>
-          <a:ln>
-            <a:solidFill>
-              <a:schemeClr val="bg1"/>
-            </a:solidFill>
-            <a:tailEnd type="arrow"/>
-          </a:ln>
-        </p:spPr>
-        <p:style>
-          <a:lnRef idx="3">
-            <a:schemeClr val="accent1"/>
-          </a:lnRef>
-          <a:fillRef idx="0">
-            <a:schemeClr val="accent1"/>
-          </a:fillRef>
-          <a:effectRef idx="2">
-            <a:schemeClr val="accent1"/>
-          </a:effectRef>
-          <a:fontRef idx="minor">
-            <a:schemeClr val="tx1"/>
-          </a:fontRef>
-        </p:style>
-      </p:cxnSp>
-      <p:sp>
-        <p:nvSpPr>
-          <p:cNvPr id="15" name="文字方塊 14"/>
-          <p:cNvSpPr txBox="1"/>
-          <p:nvPr/>
-        </p:nvSpPr>
-        <p:spPr>
-          <a:xfrm>
-            <a:off x="674368" y="3060981"/>
-            <a:ext cx="851515" cy="492443"/>
-          </a:xfrm>
-          <a:prstGeom prst="rect">
-            <a:avLst/>
-          </a:prstGeom>
-          <a:noFill/>
-        </p:spPr>
-        <p:txBody>
-          <a:bodyPr wrap="none" rtlCol="0">
-            <a:spAutoFit/>
-          </a:bodyPr>
-          <a:lstStyle/>
-          <a:p>
-            <a:r>
-              <a:rPr lang="zh-TW" altLang="en-US" sz="2600" b="1" dirty="0">
-                <a:solidFill>
-                  <a:srgbClr val="FF9900"/>
-                </a:solidFill>
-              </a:rPr>
-              <a:t>公佈</a:t>
-            </a:r>
-          </a:p>
-        </p:txBody>
-      </p:sp>
-      <p:cxnSp>
-        <p:nvCxnSpPr>
-          <p:cNvPr id="16" name="直線單箭頭接點 15"/>
-          <p:cNvCxnSpPr>
-            <a:stCxn id="5" idx="2"/>
-            <a:endCxn id="7" idx="0"/>
-          </p:cNvCxnSpPr>
-          <p:nvPr/>
-        </p:nvCxnSpPr>
-        <p:spPr>
-          <a:xfrm rot="16200000" flipH="1">
-            <a:off x="3191792" y="1586590"/>
-            <a:ext cx="710390" cy="3381399"/>
-          </a:xfrm>
-          <a:prstGeom prst="straightConnector1">
-            <a:avLst/>
-          </a:prstGeom>
-          <a:ln>
-            <a:solidFill>
-              <a:schemeClr val="bg1"/>
-            </a:solidFill>
-            <a:tailEnd type="arrow"/>
-          </a:ln>
-        </p:spPr>
-        <p:style>
-          <a:lnRef idx="3">
-            <a:schemeClr val="accent1"/>
-          </a:lnRef>
-          <a:fillRef idx="0">
-            <a:schemeClr val="accent1"/>
-          </a:fillRef>
-          <a:effectRef idx="2">
-            <a:schemeClr val="accent1"/>
-          </a:effectRef>
-          <a:fontRef idx="minor">
-            <a:schemeClr val="tx1"/>
-          </a:fontRef>
-        </p:style>
-      </p:cxnSp>
-      <p:sp>
-        <p:nvSpPr>
-          <p:cNvPr id="22" name="文字方塊 21"/>
-          <p:cNvSpPr txBox="1"/>
-          <p:nvPr/>
-        </p:nvSpPr>
-        <p:spPr>
-          <a:xfrm>
-            <a:off x="2865133" y="3060981"/>
-            <a:ext cx="851515" cy="492443"/>
-          </a:xfrm>
-          <a:prstGeom prst="rect">
-            <a:avLst/>
-          </a:prstGeom>
-          <a:noFill/>
-        </p:spPr>
-        <p:txBody>
-          <a:bodyPr wrap="none" rtlCol="0">
-            <a:spAutoFit/>
-          </a:bodyPr>
-          <a:lstStyle/>
-          <a:p>
-            <a:r>
-              <a:rPr lang="zh-TW" altLang="en-US" sz="2600" b="1" dirty="0">
-                <a:solidFill>
-                  <a:srgbClr val="FF9900"/>
-                </a:solidFill>
-              </a:rPr>
-              <a:t>籌組</a:t>
-            </a:r>
-          </a:p>
-        </p:txBody>
-      </p:sp>
-      <p:cxnSp>
-        <p:nvCxnSpPr>
-          <p:cNvPr id="24" name="圖案 23"/>
-          <p:cNvCxnSpPr>
-            <a:stCxn id="7" idx="0"/>
-            <a:endCxn id="5" idx="3"/>
-          </p:cNvCxnSpPr>
-          <p:nvPr/>
-        </p:nvCxnSpPr>
-        <p:spPr>
-          <a:xfrm rot="16200000" flipV="1">
-            <a:off x="3786114" y="2180910"/>
-            <a:ext cx="1141013" cy="1762137"/>
-          </a:xfrm>
-          <a:prstGeom prst="bentConnector2">
-            <a:avLst/>
-          </a:prstGeom>
-          <a:ln>
-            <a:solidFill>
-              <a:schemeClr val="bg1"/>
-            </a:solidFill>
-            <a:tailEnd type="arrow"/>
-          </a:ln>
-        </p:spPr>
-        <p:style>
-          <a:lnRef idx="3">
-            <a:schemeClr val="accent1"/>
-          </a:lnRef>
-          <a:fillRef idx="0">
-            <a:schemeClr val="accent1"/>
-          </a:fillRef>
-          <a:effectRef idx="2">
-            <a:schemeClr val="accent1"/>
-          </a:effectRef>
-          <a:fontRef idx="minor">
-            <a:schemeClr val="tx1"/>
-          </a:fontRef>
-        </p:style>
-      </p:cxnSp>
-      <p:sp>
-        <p:nvSpPr>
-          <p:cNvPr id="25" name="文字方塊 24"/>
-          <p:cNvSpPr txBox="1"/>
-          <p:nvPr/>
-        </p:nvSpPr>
-        <p:spPr>
-          <a:xfrm>
-            <a:off x="5467583" y="2428868"/>
-            <a:ext cx="1518364" cy="892552"/>
-          </a:xfrm>
-          <a:prstGeom prst="rect">
-            <a:avLst/>
-          </a:prstGeom>
-          <a:noFill/>
-        </p:spPr>
-        <p:txBody>
-          <a:bodyPr wrap="none" rtlCol="0">
-            <a:spAutoFit/>
-          </a:bodyPr>
-          <a:lstStyle/>
-          <a:p>
-            <a:pPr algn="ctr"/>
-            <a:r>
-              <a:rPr lang="zh-TW" altLang="en-US" sz="2600" b="1" dirty="0">
-                <a:solidFill>
-                  <a:srgbClr val="FF9900"/>
-                </a:solidFill>
-              </a:rPr>
-              <a:t>回饋</a:t>
-            </a:r>
-            <a:endParaRPr lang="en-US" altLang="zh-TW" sz="2600" b="1" dirty="0">
-              <a:solidFill>
-                <a:srgbClr val="FF9900"/>
-              </a:solidFill>
-            </a:endParaRPr>
-          </a:p>
-          <a:p>
-            <a:pPr algn="ctr"/>
-            <a:r>
-              <a:rPr lang="zh-TW" altLang="en-US" sz="2600" b="1" dirty="0">
-                <a:solidFill>
-                  <a:srgbClr val="FF9900"/>
-                </a:solidFill>
-              </a:rPr>
-              <a:t>市場需求</a:t>
-            </a:r>
-          </a:p>
-        </p:txBody>
-      </p:sp>
-      <p:cxnSp>
-        <p:nvCxnSpPr>
-          <p:cNvPr id="26" name="直線單箭頭接點 25"/>
-          <p:cNvCxnSpPr>
-            <a:stCxn id="7" idx="3"/>
-            <a:endCxn id="9" idx="1"/>
-          </p:cNvCxnSpPr>
-          <p:nvPr/>
-        </p:nvCxnSpPr>
-        <p:spPr>
-          <a:xfrm>
-            <a:off x="6999824" y="4096831"/>
-            <a:ext cx="1524011" cy="1588"/>
-          </a:xfrm>
-          <a:prstGeom prst="straightConnector1">
-            <a:avLst/>
-          </a:prstGeom>
-          <a:ln>
-            <a:solidFill>
-              <a:schemeClr val="bg1"/>
-            </a:solidFill>
-            <a:tailEnd type="arrow"/>
-          </a:ln>
-        </p:spPr>
-        <p:style>
-          <a:lnRef idx="3">
-            <a:schemeClr val="accent1"/>
-          </a:lnRef>
-          <a:fillRef idx="0">
-            <a:schemeClr val="accent1"/>
-          </a:fillRef>
-          <a:effectRef idx="2">
-            <a:schemeClr val="accent1"/>
-          </a:effectRef>
-          <a:fontRef idx="minor">
-            <a:schemeClr val="tx1"/>
-          </a:fontRef>
-        </p:style>
-      </p:cxnSp>
-      <p:sp>
-        <p:nvSpPr>
-          <p:cNvPr id="30" name="文字方塊 29"/>
-          <p:cNvSpPr txBox="1"/>
-          <p:nvPr/>
-        </p:nvSpPr>
-        <p:spPr>
-          <a:xfrm>
-            <a:off x="7483833" y="3203856"/>
-            <a:ext cx="851515" cy="892552"/>
-          </a:xfrm>
-          <a:prstGeom prst="rect">
-            <a:avLst/>
-          </a:prstGeom>
-          <a:noFill/>
-        </p:spPr>
-        <p:txBody>
-          <a:bodyPr wrap="none" rtlCol="0">
-            <a:spAutoFit/>
-          </a:bodyPr>
-          <a:lstStyle/>
-          <a:p>
-            <a:pPr algn="ctr"/>
-            <a:r>
-              <a:rPr lang="zh-TW" altLang="en-US" sz="2600" b="1" dirty="0">
-                <a:solidFill>
-                  <a:srgbClr val="FF9900"/>
-                </a:solidFill>
-              </a:rPr>
-              <a:t>測試</a:t>
-            </a:r>
-            <a:endParaRPr lang="en-US" altLang="zh-TW" sz="2600" b="1" dirty="0">
-              <a:solidFill>
-                <a:srgbClr val="FF9900"/>
-              </a:solidFill>
-            </a:endParaRPr>
-          </a:p>
-          <a:p>
-            <a:pPr algn="ctr"/>
-            <a:r>
-              <a:rPr lang="zh-TW" altLang="en-US" sz="2600" b="1" dirty="0">
-                <a:solidFill>
-                  <a:srgbClr val="FF9900"/>
-                </a:solidFill>
-              </a:rPr>
-              <a:t>結果</a:t>
-            </a:r>
-          </a:p>
-        </p:txBody>
-      </p:sp>
-      <p:cxnSp>
-        <p:nvCxnSpPr>
-          <p:cNvPr id="31" name="直線單箭頭接點 30"/>
-          <p:cNvCxnSpPr>
-            <a:stCxn id="10" idx="0"/>
-            <a:endCxn id="7" idx="2"/>
-          </p:cNvCxnSpPr>
-          <p:nvPr/>
-        </p:nvCxnSpPr>
-        <p:spPr>
-          <a:xfrm rot="5400000" flipH="1" flipV="1">
-            <a:off x="4809059" y="4989542"/>
-            <a:ext cx="857256" cy="2117"/>
-          </a:xfrm>
-          <a:prstGeom prst="straightConnector1">
-            <a:avLst/>
-          </a:prstGeom>
-          <a:ln>
-            <a:solidFill>
-              <a:schemeClr val="bg1"/>
-            </a:solidFill>
-            <a:tailEnd type="arrow"/>
-          </a:ln>
-        </p:spPr>
-        <p:style>
-          <a:lnRef idx="3">
-            <a:schemeClr val="accent1"/>
-          </a:lnRef>
-          <a:fillRef idx="0">
-            <a:schemeClr val="accent1"/>
-          </a:fillRef>
-          <a:effectRef idx="2">
-            <a:schemeClr val="accent1"/>
-          </a:effectRef>
-          <a:fontRef idx="minor">
-            <a:schemeClr val="tx1"/>
-          </a:fontRef>
-        </p:style>
-      </p:cxnSp>
-      <p:sp>
-        <p:nvSpPr>
-          <p:cNvPr id="35" name="文字方塊 34"/>
-          <p:cNvSpPr txBox="1"/>
-          <p:nvPr/>
-        </p:nvSpPr>
-        <p:spPr>
-          <a:xfrm>
-            <a:off x="3562570" y="4561178"/>
-            <a:ext cx="1518364" cy="892552"/>
-          </a:xfrm>
-          <a:prstGeom prst="rect">
-            <a:avLst/>
-          </a:prstGeom>
-          <a:noFill/>
-        </p:spPr>
-        <p:txBody>
-          <a:bodyPr wrap="none" rtlCol="0">
-            <a:spAutoFit/>
-          </a:bodyPr>
-          <a:lstStyle/>
-          <a:p>
-            <a:pPr algn="ctr"/>
-            <a:r>
-              <a:rPr lang="zh-TW" altLang="en-US" sz="2600" b="1" dirty="0">
-                <a:solidFill>
-                  <a:srgbClr val="FF9900"/>
-                </a:solidFill>
-              </a:rPr>
-              <a:t>測試</a:t>
-            </a:r>
-            <a:r>
-              <a:rPr lang="en-US" altLang="zh-TW" sz="2600" b="1" dirty="0">
-                <a:solidFill>
-                  <a:srgbClr val="FF9900"/>
-                </a:solidFill>
-              </a:rPr>
-              <a:t/>
-            </a:r>
-            <a:br>
-              <a:rPr lang="en-US" altLang="zh-TW" sz="2600" b="1" dirty="0">
-                <a:solidFill>
-                  <a:srgbClr val="FF9900"/>
-                </a:solidFill>
-              </a:rPr>
-            </a:br>
-            <a:r>
-              <a:rPr lang="zh-TW" altLang="en-US" sz="2600" b="1" dirty="0">
-                <a:solidFill>
-                  <a:srgbClr val="FF9900"/>
-                </a:solidFill>
-              </a:rPr>
-              <a:t>系統產品</a:t>
-            </a:r>
-          </a:p>
-        </p:txBody>
-      </p:sp>
-      <p:cxnSp>
-        <p:nvCxnSpPr>
-          <p:cNvPr id="36" name="直線單箭頭接點 35"/>
-          <p:cNvCxnSpPr>
-            <a:stCxn id="11" idx="0"/>
-            <a:endCxn id="9" idx="2"/>
-          </p:cNvCxnSpPr>
-          <p:nvPr/>
-        </p:nvCxnSpPr>
-        <p:spPr>
-          <a:xfrm rot="5400000" flipH="1" flipV="1">
-            <a:off x="9809719" y="4989542"/>
-            <a:ext cx="857256" cy="2117"/>
-          </a:xfrm>
-          <a:prstGeom prst="straightConnector1">
-            <a:avLst/>
-          </a:prstGeom>
-          <a:ln>
-            <a:solidFill>
-              <a:schemeClr val="bg1"/>
-            </a:solidFill>
-            <a:tailEnd type="arrow"/>
-          </a:ln>
-        </p:spPr>
-        <p:style>
-          <a:lnRef idx="3">
-            <a:schemeClr val="accent1"/>
-          </a:lnRef>
-          <a:fillRef idx="0">
-            <a:schemeClr val="accent1"/>
-          </a:fillRef>
-          <a:effectRef idx="2">
-            <a:schemeClr val="accent1"/>
-          </a:effectRef>
-          <a:fontRef idx="minor">
-            <a:schemeClr val="tx1"/>
-          </a:fontRef>
-        </p:style>
-      </p:cxnSp>
-      <p:sp>
-        <p:nvSpPr>
-          <p:cNvPr id="37" name="文字方塊 36"/>
-          <p:cNvSpPr txBox="1"/>
-          <p:nvPr/>
-        </p:nvSpPr>
-        <p:spPr>
-          <a:xfrm>
-            <a:off x="9000189" y="4775493"/>
-            <a:ext cx="851515" cy="492443"/>
-          </a:xfrm>
-          <a:prstGeom prst="rect">
-            <a:avLst/>
-          </a:prstGeom>
-          <a:noFill/>
-        </p:spPr>
-        <p:txBody>
-          <a:bodyPr wrap="none" rtlCol="0">
-            <a:spAutoFit/>
-          </a:bodyPr>
-          <a:lstStyle/>
-          <a:p>
-            <a:pPr algn="ctr"/>
-            <a:r>
-              <a:rPr lang="zh-TW" altLang="en-US" sz="2600" b="1" dirty="0">
-                <a:solidFill>
-                  <a:srgbClr val="FF9900"/>
-                </a:solidFill>
-              </a:rPr>
-              <a:t>參考</a:t>
-            </a:r>
-          </a:p>
-        </p:txBody>
-      </p:sp>
-      <p:sp>
-        <p:nvSpPr>
-          <p:cNvPr id="27" name="文字方塊 26"/>
-          <p:cNvSpPr txBox="1"/>
-          <p:nvPr/>
-        </p:nvSpPr>
-        <p:spPr>
-          <a:xfrm>
-            <a:off x="4568032" y="1412776"/>
-            <a:ext cx="4519186" cy="892552"/>
-          </a:xfrm>
-          <a:prstGeom prst="rect">
-            <a:avLst/>
-          </a:prstGeom>
-          <a:noFill/>
-        </p:spPr>
-        <p:txBody>
-          <a:bodyPr wrap="none" rtlCol="0">
-            <a:spAutoFit/>
-          </a:bodyPr>
-          <a:lstStyle/>
-          <a:p>
-            <a:pPr algn="ctr"/>
-            <a:r>
-              <a:rPr lang="zh-TW" altLang="en-US" sz="2600" b="1" dirty="0">
-                <a:solidFill>
-                  <a:srgbClr val="FF9900"/>
-                </a:solidFill>
-              </a:rPr>
-              <a:t>形成產官學研共識</a:t>
-            </a:r>
-            <a:endParaRPr lang="en-US" altLang="zh-TW" sz="2600" b="1" dirty="0">
-              <a:solidFill>
-                <a:srgbClr val="FF9900"/>
-              </a:solidFill>
-            </a:endParaRPr>
-          </a:p>
-          <a:p>
-            <a:pPr algn="ctr"/>
-            <a:r>
-              <a:rPr lang="zh-TW" altLang="en-US" sz="2600" b="1" dirty="0">
-                <a:solidFill>
-                  <a:srgbClr val="FF9900"/>
-                </a:solidFill>
-              </a:rPr>
-              <a:t>並貼合當前市場發展需求現況</a:t>
-            </a:r>
-          </a:p>
-        </p:txBody>
-      </p:sp>
-    </p:spTree>
-    <p:extLst>
-      <p:ext uri="{BB962C8B-B14F-4D97-AF65-F5344CB8AC3E}">
-        <p14:creationId xmlns:p14="http://schemas.microsoft.com/office/powerpoint/2010/main" val="129021642"/>
-      </p:ext>
-    </p:extLst>
-  </p:cSld>
-  <p:clrMapOvr>
-    <a:masterClrMapping/>
-  </p:clrMapOvr>
-  <p:timing>
-    <p:tnLst>
-      <p:par>
-        <p:cTn id="1" dur="indefinite" restart="never" nodeType="tmRoot">
-          <p:childTnLst>
-            <p:seq concurrent="1" nextAc="seek">
-              <p:cTn id="2" dur="indefinite" nodeType="mainSeq">
-                <p:childTnLst>
-                  <p:par>
-                    <p:cTn id="3" fill="hold">
-                      <p:stCondLst>
-                        <p:cond delay="indefinite"/>
-                      </p:stCondLst>
-                      <p:childTnLst>
-                        <p:par>
-                          <p:cTn id="4" fill="hold">
-                            <p:stCondLst>
-                              <p:cond delay="0"/>
-                            </p:stCondLst>
-                            <p:childTnLst>
-                              <p:par>
-                                <p:cTn id="5" presetID="1" presetClass="entr" presetSubtype="0" fill="hold" nodeType="clickEffect">
-                                  <p:stCondLst>
-                                    <p:cond delay="0"/>
-                                  </p:stCondLst>
-                                  <p:childTnLst>
-                                    <p:set>
-                                      <p:cBhvr>
-                                        <p:cTn id="6" dur="1" fill="hold">
-                                          <p:stCondLst>
-                                            <p:cond delay="0"/>
-                                          </p:stCondLst>
-                                        </p:cTn>
-                                        <p:tgtEl>
-                                          <p:spTgt spid="23"/>
-                                        </p:tgtEl>
-                                        <p:attrNameLst>
-                                          <p:attrName>style.visibility</p:attrName>
-                                        </p:attrNameLst>
-                                      </p:cBhvr>
-                                      <p:to>
-                                        <p:strVal val="visible"/>
-                                      </p:to>
-                                    </p:set>
-                                  </p:childTnLst>
-                                </p:cTn>
-                              </p:par>
-                              <p:par>
-                                <p:cTn id="7" presetID="1" presetClass="entr" presetSubtype="0" fill="hold" nodeType="withEffect">
-                                  <p:stCondLst>
-                                    <p:cond delay="0"/>
-                                  </p:stCondLst>
-                                  <p:childTnLst>
-                                    <p:set>
-                                      <p:cBhvr>
-                                        <p:cTn id="8" dur="1" fill="hold">
-                                          <p:stCondLst>
-                                            <p:cond delay="0"/>
-                                          </p:stCondLst>
-                                        </p:cTn>
-                                        <p:tgtEl>
-                                          <p:spTgt spid="5"/>
-                                        </p:tgtEl>
-                                        <p:attrNameLst>
-                                          <p:attrName>style.visibility</p:attrName>
-                                        </p:attrNameLst>
-                                      </p:cBhvr>
-                                      <p:to>
-                                        <p:strVal val="visible"/>
-                                      </p:to>
-                                    </p:set>
-                                  </p:childTnLst>
-                                </p:cTn>
-                              </p:par>
-                              <p:par>
-                                <p:cTn id="9" presetID="1" presetClass="entr" presetSubtype="0" fill="hold" nodeType="withEffect">
-                                  <p:stCondLst>
-                                    <p:cond delay="0"/>
-                                  </p:stCondLst>
-                                  <p:childTnLst>
-                                    <p:set>
-                                      <p:cBhvr>
-                                        <p:cTn id="10" dur="1" fill="hold">
-                                          <p:stCondLst>
-                                            <p:cond delay="0"/>
-                                          </p:stCondLst>
-                                        </p:cTn>
-                                        <p:tgtEl>
-                                          <p:spTgt spid="6"/>
-                                        </p:tgtEl>
-                                        <p:attrNameLst>
-                                          <p:attrName>style.visibility</p:attrName>
-                                        </p:attrNameLst>
-                                      </p:cBhvr>
-                                      <p:to>
-                                        <p:strVal val="visible"/>
-                                      </p:to>
-                                    </p:set>
-                                  </p:childTnLst>
-                                </p:cTn>
-                              </p:par>
-                              <p:par>
-                                <p:cTn id="11" presetID="1" presetClass="entr" presetSubtype="0" fill="hold" nodeType="withEffect">
-                                  <p:stCondLst>
-                                    <p:cond delay="0"/>
-                                  </p:stCondLst>
-                                  <p:childTnLst>
-                                    <p:set>
-                                      <p:cBhvr>
-                                        <p:cTn id="12" dur="1" fill="hold">
-                                          <p:stCondLst>
-                                            <p:cond delay="0"/>
-                                          </p:stCondLst>
-                                        </p:cTn>
-                                        <p:tgtEl>
-                                          <p:spTgt spid="7"/>
-                                        </p:tgtEl>
-                                        <p:attrNameLst>
-                                          <p:attrName>style.visibility</p:attrName>
-                                        </p:attrNameLst>
-                                      </p:cBhvr>
-                                      <p:to>
-                                        <p:strVal val="visible"/>
-                                      </p:to>
-                                    </p:set>
-                                  </p:childTnLst>
-                                </p:cTn>
-                              </p:par>
-                              <p:par>
-                                <p:cTn id="13" presetID="1" presetClass="entr" presetSubtype="0" fill="hold" nodeType="withEffect">
-                                  <p:stCondLst>
-                                    <p:cond delay="0"/>
-                                  </p:stCondLst>
-                                  <p:childTnLst>
-                                    <p:set>
-                                      <p:cBhvr>
-                                        <p:cTn id="14" dur="1" fill="hold">
-                                          <p:stCondLst>
-                                            <p:cond delay="0"/>
-                                          </p:stCondLst>
-                                        </p:cTn>
-                                        <p:tgtEl>
-                                          <p:spTgt spid="9"/>
-                                        </p:tgtEl>
-                                        <p:attrNameLst>
-                                          <p:attrName>style.visibility</p:attrName>
-                                        </p:attrNameLst>
-                                      </p:cBhvr>
-                                      <p:to>
-                                        <p:strVal val="visible"/>
-                                      </p:to>
-                                    </p:set>
-                                  </p:childTnLst>
-                                </p:cTn>
-                              </p:par>
-                              <p:par>
-                                <p:cTn id="15" presetID="1" presetClass="entr" presetSubtype="0" fill="hold" nodeType="withEffect">
-                                  <p:stCondLst>
-                                    <p:cond delay="0"/>
-                                  </p:stCondLst>
-                                  <p:childTnLst>
-                                    <p:set>
-                                      <p:cBhvr>
-                                        <p:cTn id="16" dur="1" fill="hold">
-                                          <p:stCondLst>
-                                            <p:cond delay="0"/>
-                                          </p:stCondLst>
-                                        </p:cTn>
-                                        <p:tgtEl>
-                                          <p:spTgt spid="10"/>
-                                        </p:tgtEl>
-                                        <p:attrNameLst>
-                                          <p:attrName>style.visibility</p:attrName>
-                                        </p:attrNameLst>
-                                      </p:cBhvr>
-                                      <p:to>
-                                        <p:strVal val="visible"/>
-                                      </p:to>
-                                    </p:set>
-                                  </p:childTnLst>
-                                </p:cTn>
-                              </p:par>
-                              <p:par>
-                                <p:cTn id="17" presetID="1" presetClass="entr" presetSubtype="0" fill="hold" nodeType="withEffect">
-                                  <p:stCondLst>
-                                    <p:cond delay="0"/>
-                                  </p:stCondLst>
-                                  <p:childTnLst>
-                                    <p:set>
-                                      <p:cBhvr>
-                                        <p:cTn id="18" dur="1" fill="hold">
-                                          <p:stCondLst>
-                                            <p:cond delay="0"/>
-                                          </p:stCondLst>
-                                        </p:cTn>
-                                        <p:tgtEl>
-                                          <p:spTgt spid="11"/>
-                                        </p:tgtEl>
-                                        <p:attrNameLst>
-                                          <p:attrName>style.visibility</p:attrName>
-                                        </p:attrNameLst>
-                                      </p:cBhvr>
-                                      <p:to>
-                                        <p:strVal val="visible"/>
-                                      </p:to>
-                                    </p:set>
-                                  </p:childTnLst>
-                                </p:cTn>
-                              </p:par>
-                            </p:childTnLst>
-                          </p:cTn>
-                        </p:par>
-                      </p:childTnLst>
-                    </p:cTn>
-                  </p:par>
-                  <p:par>
-                    <p:cTn id="19" fill="hold">
-                      <p:stCondLst>
-                        <p:cond delay="indefinite"/>
-                      </p:stCondLst>
-                      <p:childTnLst>
-                        <p:par>
-                          <p:cTn id="20" fill="hold">
-                            <p:stCondLst>
-                              <p:cond delay="0"/>
-                            </p:stCondLst>
-                            <p:childTnLst>
-                              <p:par>
-                                <p:cTn id="21" presetID="1" presetClass="entr" presetSubtype="0" fill="hold" nodeType="clickEffect">
-                                  <p:stCondLst>
-                                    <p:cond delay="0"/>
-                                  </p:stCondLst>
-                                  <p:childTnLst>
-                                    <p:set>
-                                      <p:cBhvr>
-                                        <p:cTn id="22" dur="1" fill="hold">
-                                          <p:stCondLst>
-                                            <p:cond delay="0"/>
-                                          </p:stCondLst>
-                                        </p:cTn>
-                                        <p:tgtEl>
-                                          <p:spTgt spid="13"/>
-                                        </p:tgtEl>
-                                        <p:attrNameLst>
-                                          <p:attrName>style.visibility</p:attrName>
-                                        </p:attrNameLst>
-                                      </p:cBhvr>
-                                      <p:to>
-                                        <p:strVal val="visible"/>
-                                      </p:to>
-                                    </p:set>
-                                  </p:childTnLst>
-                                </p:cTn>
-                              </p:par>
-                              <p:par>
-                                <p:cTn id="23" presetID="1" presetClass="entr" presetSubtype="0" fill="hold" grpId="0" nodeType="withEffect">
-                                  <p:stCondLst>
-                                    <p:cond delay="0"/>
-                                  </p:stCondLst>
-                                  <p:childTnLst>
-                                    <p:set>
-                                      <p:cBhvr>
-                                        <p:cTn id="24" dur="1" fill="hold">
-                                          <p:stCondLst>
-                                            <p:cond delay="0"/>
-                                          </p:stCondLst>
-                                        </p:cTn>
-                                        <p:tgtEl>
-                                          <p:spTgt spid="15"/>
-                                        </p:tgtEl>
-                                        <p:attrNameLst>
-                                          <p:attrName>style.visibility</p:attrName>
-                                        </p:attrNameLst>
-                                      </p:cBhvr>
-                                      <p:to>
-                                        <p:strVal val="visible"/>
-                                      </p:to>
-                                    </p:set>
-                                  </p:childTnLst>
-                                </p:cTn>
-                              </p:par>
-                            </p:childTnLst>
-                          </p:cTn>
-                        </p:par>
-                      </p:childTnLst>
-                    </p:cTn>
-                  </p:par>
-                  <p:par>
-                    <p:cTn id="25" fill="hold">
-                      <p:stCondLst>
-                        <p:cond delay="indefinite"/>
-                      </p:stCondLst>
-                      <p:childTnLst>
-                        <p:par>
-                          <p:cTn id="26" fill="hold">
-                            <p:stCondLst>
-                              <p:cond delay="0"/>
-                            </p:stCondLst>
-                            <p:childTnLst>
-                              <p:par>
-                                <p:cTn id="27" presetID="1" presetClass="entr" presetSubtype="0" fill="hold" grpId="0" nodeType="clickEffect">
-                                  <p:stCondLst>
-                                    <p:cond delay="0"/>
-                                  </p:stCondLst>
-                                  <p:childTnLst>
-                                    <p:set>
-                                      <p:cBhvr>
-                                        <p:cTn id="28" dur="1" fill="hold">
-                                          <p:stCondLst>
-                                            <p:cond delay="0"/>
-                                          </p:stCondLst>
-                                        </p:cTn>
-                                        <p:tgtEl>
-                                          <p:spTgt spid="22"/>
-                                        </p:tgtEl>
-                                        <p:attrNameLst>
-                                          <p:attrName>style.visibility</p:attrName>
-                                        </p:attrNameLst>
-                                      </p:cBhvr>
-                                      <p:to>
-                                        <p:strVal val="visible"/>
-                                      </p:to>
-                                    </p:set>
-                                  </p:childTnLst>
-                                </p:cTn>
-                              </p:par>
-                              <p:par>
-                                <p:cTn id="29" presetID="1" presetClass="entr" presetSubtype="0" fill="hold" nodeType="withEffect">
-                                  <p:stCondLst>
-                                    <p:cond delay="0"/>
-                                  </p:stCondLst>
-                                  <p:childTnLst>
-                                    <p:set>
-                                      <p:cBhvr>
-                                        <p:cTn id="30" dur="1" fill="hold">
-                                          <p:stCondLst>
-                                            <p:cond delay="0"/>
-                                          </p:stCondLst>
-                                        </p:cTn>
-                                        <p:tgtEl>
-                                          <p:spTgt spid="16"/>
-                                        </p:tgtEl>
-                                        <p:attrNameLst>
-                                          <p:attrName>style.visibility</p:attrName>
-                                        </p:attrNameLst>
-                                      </p:cBhvr>
-                                      <p:to>
-                                        <p:strVal val="visible"/>
-                                      </p:to>
-                                    </p:set>
-                                  </p:childTnLst>
-                                </p:cTn>
-                              </p:par>
-                            </p:childTnLst>
-                          </p:cTn>
-                        </p:par>
-                      </p:childTnLst>
-                    </p:cTn>
-                  </p:par>
-                  <p:par>
-                    <p:cTn id="31" fill="hold">
-                      <p:stCondLst>
-                        <p:cond delay="indefinite"/>
-                      </p:stCondLst>
-                      <p:childTnLst>
-                        <p:par>
-                          <p:cTn id="32" fill="hold">
-                            <p:stCondLst>
-                              <p:cond delay="0"/>
-                            </p:stCondLst>
-                            <p:childTnLst>
-                              <p:par>
-                                <p:cTn id="33" presetID="1" presetClass="entr" presetSubtype="0" fill="hold" nodeType="clickEffect">
-                                  <p:stCondLst>
-                                    <p:cond delay="0"/>
-                                  </p:stCondLst>
-                                  <p:childTnLst>
-                                    <p:set>
-                                      <p:cBhvr>
-                                        <p:cTn id="34" dur="1" fill="hold">
-                                          <p:stCondLst>
-                                            <p:cond delay="0"/>
-                                          </p:stCondLst>
-                                        </p:cTn>
-                                        <p:tgtEl>
-                                          <p:spTgt spid="31"/>
-                                        </p:tgtEl>
-                                        <p:attrNameLst>
-                                          <p:attrName>style.visibility</p:attrName>
-                                        </p:attrNameLst>
-                                      </p:cBhvr>
-                                      <p:to>
-                                        <p:strVal val="visible"/>
-                                      </p:to>
-                                    </p:set>
-                                  </p:childTnLst>
-                                </p:cTn>
-                              </p:par>
-                              <p:par>
-                                <p:cTn id="35" presetID="1" presetClass="entr" presetSubtype="0" fill="hold" grpId="0" nodeType="withEffect">
-                                  <p:stCondLst>
-                                    <p:cond delay="0"/>
-                                  </p:stCondLst>
-                                  <p:childTnLst>
-                                    <p:set>
-                                      <p:cBhvr>
-                                        <p:cTn id="36" dur="1" fill="hold">
-                                          <p:stCondLst>
-                                            <p:cond delay="0"/>
-                                          </p:stCondLst>
-                                        </p:cTn>
-                                        <p:tgtEl>
-                                          <p:spTgt spid="35"/>
-                                        </p:tgtEl>
-                                        <p:attrNameLst>
-                                          <p:attrName>style.visibility</p:attrName>
-                                        </p:attrNameLst>
-                                      </p:cBhvr>
-                                      <p:to>
-                                        <p:strVal val="visible"/>
-                                      </p:to>
-                                    </p:set>
-                                  </p:childTnLst>
-                                </p:cTn>
-                              </p:par>
-                            </p:childTnLst>
-                          </p:cTn>
-                        </p:par>
-                      </p:childTnLst>
-                    </p:cTn>
-                  </p:par>
-                  <p:par>
-                    <p:cTn id="37" fill="hold">
-                      <p:stCondLst>
-                        <p:cond delay="indefinite"/>
-                      </p:stCondLst>
-                      <p:childTnLst>
-                        <p:par>
-                          <p:cTn id="38" fill="hold">
-                            <p:stCondLst>
-                              <p:cond delay="0"/>
-                            </p:stCondLst>
-                            <p:childTnLst>
-                              <p:par>
-                                <p:cTn id="39" presetID="1" presetClass="entr" presetSubtype="0" fill="hold" nodeType="clickEffect">
-                                  <p:stCondLst>
-                                    <p:cond delay="0"/>
-                                  </p:stCondLst>
-                                  <p:childTnLst>
-                                    <p:set>
-                                      <p:cBhvr>
-                                        <p:cTn id="40" dur="1" fill="hold">
-                                          <p:stCondLst>
-                                            <p:cond delay="0"/>
-                                          </p:stCondLst>
-                                        </p:cTn>
-                                        <p:tgtEl>
-                                          <p:spTgt spid="24"/>
-                                        </p:tgtEl>
-                                        <p:attrNameLst>
-                                          <p:attrName>style.visibility</p:attrName>
-                                        </p:attrNameLst>
-                                      </p:cBhvr>
-                                      <p:to>
-                                        <p:strVal val="visible"/>
-                                      </p:to>
-                                    </p:set>
-                                  </p:childTnLst>
-                                </p:cTn>
-                              </p:par>
-                              <p:par>
-                                <p:cTn id="41" presetID="1" presetClass="entr" presetSubtype="0" fill="hold" grpId="0" nodeType="withEffect">
-                                  <p:stCondLst>
-                                    <p:cond delay="0"/>
-                                  </p:stCondLst>
-                                  <p:childTnLst>
-                                    <p:set>
-                                      <p:cBhvr>
-                                        <p:cTn id="42" dur="1" fill="hold">
-                                          <p:stCondLst>
-                                            <p:cond delay="0"/>
-                                          </p:stCondLst>
-                                        </p:cTn>
-                                        <p:tgtEl>
-                                          <p:spTgt spid="25"/>
-                                        </p:tgtEl>
-                                        <p:attrNameLst>
-                                          <p:attrName>style.visibility</p:attrName>
-                                        </p:attrNameLst>
-                                      </p:cBhvr>
-                                      <p:to>
-                                        <p:strVal val="visible"/>
-                                      </p:to>
-                                    </p:set>
-                                  </p:childTnLst>
-                                </p:cTn>
-                              </p:par>
-                              <p:par>
-                                <p:cTn id="43" presetID="1" presetClass="entr" presetSubtype="0" fill="hold" grpId="0" nodeType="withEffect">
-                                  <p:stCondLst>
-                                    <p:cond delay="0"/>
-                                  </p:stCondLst>
-                                  <p:childTnLst>
-                                    <p:set>
-                                      <p:cBhvr>
-                                        <p:cTn id="44" dur="1" fill="hold">
-                                          <p:stCondLst>
-                                            <p:cond delay="0"/>
-                                          </p:stCondLst>
-                                        </p:cTn>
-                                        <p:tgtEl>
-                                          <p:spTgt spid="30"/>
-                                        </p:tgtEl>
-                                        <p:attrNameLst>
-                                          <p:attrName>style.visibility</p:attrName>
-                                        </p:attrNameLst>
-                                      </p:cBhvr>
-                                      <p:to>
-                                        <p:strVal val="visible"/>
-                                      </p:to>
-                                    </p:set>
-                                  </p:childTnLst>
-                                </p:cTn>
-                              </p:par>
-                              <p:par>
-                                <p:cTn id="45" presetID="1" presetClass="entr" presetSubtype="0" fill="hold" nodeType="withEffect">
-                                  <p:stCondLst>
-                                    <p:cond delay="0"/>
-                                  </p:stCondLst>
-                                  <p:childTnLst>
-                                    <p:set>
-                                      <p:cBhvr>
-                                        <p:cTn id="46" dur="1" fill="hold">
-                                          <p:stCondLst>
-                                            <p:cond delay="0"/>
-                                          </p:stCondLst>
-                                        </p:cTn>
-                                        <p:tgtEl>
-                                          <p:spTgt spid="26"/>
-                                        </p:tgtEl>
-                                        <p:attrNameLst>
-                                          <p:attrName>style.visibility</p:attrName>
-                                        </p:attrNameLst>
-                                      </p:cBhvr>
-                                      <p:to>
-                                        <p:strVal val="visible"/>
-                                      </p:to>
-                                    </p:set>
-                                  </p:childTnLst>
-                                </p:cTn>
-                              </p:par>
-                            </p:childTnLst>
-                          </p:cTn>
-                        </p:par>
-                      </p:childTnLst>
-                    </p:cTn>
-                  </p:par>
-                  <p:par>
-                    <p:cTn id="47" fill="hold">
-                      <p:stCondLst>
-                        <p:cond delay="indefinite"/>
-                      </p:stCondLst>
-                      <p:childTnLst>
-                        <p:par>
-                          <p:cTn id="48" fill="hold">
-                            <p:stCondLst>
-                              <p:cond delay="0"/>
-                            </p:stCondLst>
-                            <p:childTnLst>
-                              <p:par>
-                                <p:cTn id="49" presetID="1" presetClass="entr" presetSubtype="0" fill="hold" nodeType="clickEffect">
-                                  <p:stCondLst>
-                                    <p:cond delay="0"/>
-                                  </p:stCondLst>
-                                  <p:childTnLst>
-                                    <p:set>
-                                      <p:cBhvr>
-                                        <p:cTn id="50" dur="1" fill="hold">
-                                          <p:stCondLst>
-                                            <p:cond delay="0"/>
-                                          </p:stCondLst>
-                                        </p:cTn>
-                                        <p:tgtEl>
-                                          <p:spTgt spid="36"/>
-                                        </p:tgtEl>
-                                        <p:attrNameLst>
-                                          <p:attrName>style.visibility</p:attrName>
-                                        </p:attrNameLst>
-                                      </p:cBhvr>
-                                      <p:to>
-                                        <p:strVal val="visible"/>
-                                      </p:to>
-                                    </p:set>
-                                  </p:childTnLst>
-                                </p:cTn>
-                              </p:par>
-                              <p:par>
-                                <p:cTn id="51" presetID="1" presetClass="entr" presetSubtype="0" fill="hold" grpId="0" nodeType="withEffect">
-                                  <p:stCondLst>
-                                    <p:cond delay="0"/>
-                                  </p:stCondLst>
-                                  <p:childTnLst>
-                                    <p:set>
-                                      <p:cBhvr>
-                                        <p:cTn id="52" dur="1" fill="hold">
-                                          <p:stCondLst>
-                                            <p:cond delay="0"/>
-                                          </p:stCondLst>
-                                        </p:cTn>
-                                        <p:tgtEl>
-                                          <p:spTgt spid="37"/>
-                                        </p:tgtEl>
-                                        <p:attrNameLst>
-                                          <p:attrName>style.visibility</p:attrName>
-                                        </p:attrNameLst>
-                                      </p:cBhvr>
-                                      <p:to>
-                                        <p:strVal val="visible"/>
-                                      </p:to>
-                                    </p:set>
-                                  </p:childTnLst>
-                                </p:cTn>
-                              </p:par>
-                            </p:childTnLst>
-                          </p:cTn>
-                        </p:par>
-                      </p:childTnLst>
-                    </p:cTn>
-                  </p:par>
-                  <p:par>
-                    <p:cTn id="53" fill="hold">
-                      <p:stCondLst>
-                        <p:cond delay="indefinite"/>
-                      </p:stCondLst>
-                      <p:childTnLst>
-                        <p:par>
-                          <p:cTn id="54" fill="hold">
-                            <p:stCondLst>
-                              <p:cond delay="0"/>
-                            </p:stCondLst>
-                            <p:childTnLst>
-                              <p:par>
-                                <p:cTn id="55" presetID="1" presetClass="entr" presetSubtype="0" fill="hold" grpId="0" nodeType="clickEffect">
-                                  <p:stCondLst>
-                                    <p:cond delay="0"/>
-                                  </p:stCondLst>
-                                  <p:childTnLst>
-                                    <p:set>
-                                      <p:cBhvr>
-                                        <p:cTn id="56" dur="1" fill="hold">
-                                          <p:stCondLst>
-                                            <p:cond delay="0"/>
-                                          </p:stCondLst>
-                                        </p:cTn>
-                                        <p:tgtEl>
-                                          <p:spTgt spid="27"/>
-                                        </p:tgtEl>
-                                        <p:attrNameLst>
-                                          <p:attrName>style.visibility</p:attrName>
-                                        </p:attrNameLst>
-                                      </p:cBhvr>
-                                      <p:to>
-                                        <p:strVal val="visible"/>
-                                      </p:to>
-                                    </p:set>
-                                  </p:childTnLst>
-                                </p:cTn>
-                              </p:par>
-                            </p:childTnLst>
-                          </p:cTn>
-                        </p:par>
-                      </p:childTnLst>
-                    </p:cTn>
-                  </p:par>
-                </p:childTnLst>
-              </p:cTn>
-              <p:prevCondLst>
-                <p:cond evt="onPrev" delay="0">
-                  <p:tgtEl>
-                    <p:sldTgt/>
-                  </p:tgtEl>
-                </p:cond>
-              </p:prevCondLst>
-              <p:nextCondLst>
-                <p:cond evt="onNext" delay="0">
-                  <p:tgtEl>
-                    <p:sldTgt/>
-                  </p:tgtEl>
-                </p:cond>
-              </p:nextCondLst>
-            </p:seq>
-          </p:childTnLst>
-        </p:cTn>
-      </p:par>
-    </p:tnLst>
-    <p:bldLst>
-      <p:bldP spid="15" grpId="0"/>
-      <p:bldP spid="22" grpId="0"/>
-      <p:bldP spid="25" grpId="0"/>
-      <p:bldP spid="30" grpId="0"/>
-      <p:bldP spid="35" grpId="0"/>
-      <p:bldP spid="37" grpId="0"/>
-      <p:bldP spid="27" grpId="0"/>
-    </p:bldLst>
-  </p:timing>
-</p:sld>
-</file>
-
-<file path=ppt/slides/slide18.xml><?xml version="1.0" encoding="utf-8"?>
-<p:sld xmlns:a="http://schemas.openxmlformats.org/drawingml/2006/main" xmlns:r="http://schemas.openxmlformats.org/officeDocument/2006/relationships" xmlns:p="http://schemas.openxmlformats.org/presentationml/2006/main">
-  <p:cSld>
-    <p:spTree>
-      <p:nvGrpSpPr>
-        <p:cNvPr id="1" name=""/>
-        <p:cNvGrpSpPr/>
-        <p:nvPr/>
-      </p:nvGrpSpPr>
-      <p:grpSpPr>
-        <a:xfrm>
-          <a:off x="0" y="0"/>
-          <a:ext cx="0" cy="0"/>
-          <a:chOff x="0" y="0"/>
-          <a:chExt cx="0" cy="0"/>
-        </a:xfrm>
-      </p:grpSpPr>
-      <p:sp>
-        <p:nvSpPr>
-          <p:cNvPr id="2" name="標題 1"/>
-          <p:cNvSpPr>
-            <a:spLocks noGrp="1"/>
-          </p:cNvSpPr>
-          <p:nvPr>
-            <p:ph type="title"/>
-          </p:nvPr>
-        </p:nvSpPr>
-        <p:spPr/>
-        <p:txBody>
-          <a:bodyPr/>
-          <a:lstStyle/>
-          <a:p>
-            <a:r>
-              <a:rPr lang="zh-TW" altLang="en-US" dirty="0" smtClean="0"/>
-              <a:t>採計慈大及陽明學分</a:t>
-            </a:r>
-            <a:r>
-              <a:rPr lang="en-US" altLang="zh-TW" dirty="0" smtClean="0"/>
-              <a:t>(3</a:t>
-            </a:r>
-            <a:r>
-              <a:rPr lang="zh-TW" altLang="en-US" dirty="0" smtClean="0"/>
-              <a:t>學分</a:t>
-            </a:r>
-            <a:r>
-              <a:rPr lang="en-US" altLang="zh-TW" dirty="0" smtClean="0"/>
-              <a:t>)</a:t>
-            </a:r>
-            <a:endParaRPr lang="zh-TW" altLang="en-US" dirty="0"/>
-          </a:p>
-        </p:txBody>
-      </p:sp>
-      <p:sp>
-        <p:nvSpPr>
-          <p:cNvPr id="3" name="內容版面配置區 2"/>
-          <p:cNvSpPr>
-            <a:spLocks noGrp="1"/>
-          </p:cNvSpPr>
-          <p:nvPr>
-            <p:ph idx="1"/>
-          </p:nvPr>
-        </p:nvSpPr>
-        <p:spPr/>
-        <p:txBody>
-          <a:bodyPr/>
-          <a:lstStyle/>
-          <a:p>
-            <a:r>
-              <a:rPr lang="zh-TW" altLang="en-US" dirty="0" smtClean="0"/>
-              <a:t>慈大開課在醫資系，外系同學可修。</a:t>
-            </a:r>
-            <a:endParaRPr lang="zh-TW" altLang="en-US" dirty="0"/>
-          </a:p>
-        </p:txBody>
-      </p:sp>
-      <p:pic>
-        <p:nvPicPr>
-          <p:cNvPr id="1026" name="Picture 2"/>
-          <p:cNvPicPr>
-            <a:picLocks noChangeAspect="1" noChangeArrowheads="1"/>
-          </p:cNvPicPr>
-          <p:nvPr/>
-        </p:nvPicPr>
-        <p:blipFill>
-          <a:blip r:embed="rId2">
-            <a:extLst>
-              <a:ext uri="{28A0092B-C50C-407E-A947-70E740481C1C}">
-                <a14:useLocalDpi xmlns:a14="http://schemas.microsoft.com/office/drawing/2010/main" val="0"/>
-              </a:ext>
-            </a:extLst>
-          </a:blip>
-          <a:srcRect/>
-          <a:stretch>
-            <a:fillRect/>
-          </a:stretch>
-        </p:blipFill>
-        <p:spPr bwMode="auto">
-          <a:xfrm>
-            <a:off x="0" y="3429000"/>
-            <a:ext cx="12106275" cy="1095375"/>
-          </a:xfrm>
-          <a:prstGeom prst="rect">
-            <a:avLst/>
-          </a:prstGeom>
-          <a:noFill/>
-          <a:ln>
-            <a:noFill/>
-          </a:ln>
-          <a:extLst>
-            <a:ext uri="{909E8E84-426E-40DD-AFC4-6F175D3DCCD1}">
-              <a14:hiddenFill xmlns:a14="http://schemas.microsoft.com/office/drawing/2010/main">
-                <a:solidFill>
-                  <a:schemeClr val="accent1"/>
-                </a:solidFill>
-              </a14:hiddenFill>
-            </a:ext>
-            <a:ext uri="{91240B29-F687-4F45-9708-019B960494DF}">
-              <a14:hiddenLine xmlns:a14="http://schemas.microsoft.com/office/drawing/2010/main" w="9525">
-                <a:solidFill>
-                  <a:schemeClr val="tx1"/>
-                </a:solidFill>
-                <a:miter lim="800000"/>
-                <a:headEnd/>
-                <a:tailEnd/>
-              </a14:hiddenLine>
-            </a:ext>
-          </a:extLst>
-        </p:spPr>
-      </p:pic>
-    </p:spTree>
-    <p:extLst>
-      <p:ext uri="{BB962C8B-B14F-4D97-AF65-F5344CB8AC3E}">
-        <p14:creationId xmlns:p14="http://schemas.microsoft.com/office/powerpoint/2010/main" val="497184033"/>
-      </p:ext>
-    </p:extLst>
-  </p:cSld>
-  <p:clrMapOvr>
-    <a:masterClrMapping/>
-  </p:clrMapOvr>
-</p:sld>
-</file>
-
-<file path=ppt/slides/slide19.xml><?xml version="1.0" encoding="utf-8"?>
-<p:sld xmlns:a="http://schemas.openxmlformats.org/drawingml/2006/main" xmlns:r="http://schemas.openxmlformats.org/officeDocument/2006/relationships" xmlns:p="http://schemas.openxmlformats.org/presentationml/2006/main">
-  <p:cSld>
-    <p:spTree>
-      <p:nvGrpSpPr>
-        <p:cNvPr id="1" name=""/>
-        <p:cNvGrpSpPr/>
-        <p:nvPr/>
-      </p:nvGrpSpPr>
-      <p:grpSpPr>
-        <a:xfrm>
-          <a:off x="0" y="0"/>
-          <a:ext cx="0" cy="0"/>
-          <a:chOff x="0" y="0"/>
-          <a:chExt cx="0" cy="0"/>
-        </a:xfrm>
-      </p:grpSpPr>
-      <p:sp>
-        <p:nvSpPr>
-          <p:cNvPr id="2" name="標題 1"/>
-          <p:cNvSpPr>
-            <a:spLocks noGrp="1"/>
-          </p:cNvSpPr>
-          <p:nvPr>
-            <p:ph type="title"/>
-          </p:nvPr>
-        </p:nvSpPr>
-        <p:spPr>
-          <a:xfrm>
-            <a:off x="877110" y="0"/>
-            <a:ext cx="10515600" cy="1325563"/>
-          </a:xfrm>
-        </p:spPr>
-        <p:txBody>
-          <a:bodyPr/>
-          <a:lstStyle/>
-          <a:p>
-            <a:pPr algn="ctr"/>
-            <a:r>
-              <a:rPr lang="zh-TW" altLang="en-US" dirty="0">
-                <a:latin typeface="標楷體" panose="03000509000000000000" pitchFamily="65" charset="-120"/>
-                <a:ea typeface="標楷體" panose="03000509000000000000" pitchFamily="65" charset="-120"/>
-              </a:rPr>
-              <a:t>評量方式</a:t>
-            </a:r>
-            <a:br>
-              <a:rPr lang="zh-TW" altLang="en-US" dirty="0">
-                <a:latin typeface="標楷體" panose="03000509000000000000" pitchFamily="65" charset="-120"/>
-                <a:ea typeface="標楷體" panose="03000509000000000000" pitchFamily="65" charset="-120"/>
-              </a:rPr>
-            </a:br>
-            <a:endParaRPr lang="zh-TW" altLang="en-US" dirty="0">
-              <a:latin typeface="標楷體" panose="03000509000000000000" pitchFamily="65" charset="-120"/>
-              <a:ea typeface="標楷體" panose="03000509000000000000" pitchFamily="65" charset="-120"/>
-            </a:endParaRPr>
-          </a:p>
-        </p:txBody>
-      </p:sp>
-      <p:sp>
-        <p:nvSpPr>
-          <p:cNvPr id="3" name="內容版面配置區 2"/>
-          <p:cNvSpPr>
-            <a:spLocks noGrp="1"/>
-          </p:cNvSpPr>
-          <p:nvPr>
-            <p:ph idx="1"/>
-          </p:nvPr>
-        </p:nvSpPr>
-        <p:spPr>
-          <a:xfrm>
-            <a:off x="959402" y="787939"/>
-            <a:ext cx="10515600" cy="4195762"/>
-          </a:xfrm>
-        </p:spPr>
-        <p:txBody>
-          <a:bodyPr>
-            <a:normAutofit/>
-          </a:bodyPr>
-          <a:lstStyle/>
-          <a:p>
-            <a:r>
-              <a:rPr lang="zh-TW" altLang="en-US" sz="3600" dirty="0">
-                <a:latin typeface="標楷體" panose="03000509000000000000" pitchFamily="65" charset="-120"/>
-                <a:ea typeface="標楷體" panose="03000509000000000000" pitchFamily="65" charset="-120"/>
-              </a:rPr>
-              <a:t>線上</a:t>
-            </a:r>
-            <a:r>
-              <a:rPr lang="zh-TW" altLang="en-US" sz="3600" dirty="0" smtClean="0">
-                <a:latin typeface="標楷體" panose="03000509000000000000" pitchFamily="65" charset="-120"/>
-                <a:ea typeface="標楷體" panose="03000509000000000000" pitchFamily="65" charset="-120"/>
-              </a:rPr>
-              <a:t>測驗 </a:t>
-            </a:r>
-            <a:r>
-              <a:rPr lang="en-US" altLang="zh-TW" sz="3600" dirty="0" smtClean="0">
-                <a:latin typeface="標楷體" panose="03000509000000000000" pitchFamily="65" charset="-120"/>
-                <a:ea typeface="標楷體" panose="03000509000000000000" pitchFamily="65" charset="-120"/>
-              </a:rPr>
-              <a:t>25%</a:t>
-            </a:r>
-            <a:endParaRPr lang="zh-TW" altLang="en-US" sz="3600" dirty="0">
-              <a:latin typeface="標楷體" panose="03000509000000000000" pitchFamily="65" charset="-120"/>
-              <a:ea typeface="標楷體" panose="03000509000000000000" pitchFamily="65" charset="-120"/>
-            </a:endParaRPr>
-          </a:p>
-          <a:p>
-            <a:endParaRPr lang="en-US" altLang="zh-TW" sz="3600" dirty="0" smtClean="0">
-              <a:latin typeface="標楷體" panose="03000509000000000000" pitchFamily="65" charset="-120"/>
-              <a:ea typeface="標楷體" panose="03000509000000000000" pitchFamily="65" charset="-120"/>
-            </a:endParaRPr>
-          </a:p>
-          <a:p>
-            <a:r>
-              <a:rPr lang="zh-TW" altLang="en-US" sz="3600" dirty="0" smtClean="0">
-                <a:latin typeface="標楷體" panose="03000509000000000000" pitchFamily="65" charset="-120"/>
-                <a:ea typeface="標楷體" panose="03000509000000000000" pitchFamily="65" charset="-120"/>
-              </a:rPr>
-              <a:t>作業   </a:t>
-            </a:r>
-            <a:r>
-              <a:rPr lang="en-US" altLang="zh-TW" sz="3600" dirty="0" smtClean="0">
-                <a:latin typeface="標楷體" panose="03000509000000000000" pitchFamily="65" charset="-120"/>
-                <a:ea typeface="標楷體" panose="03000509000000000000" pitchFamily="65" charset="-120"/>
-              </a:rPr>
-              <a:t>25%</a:t>
-            </a:r>
-          </a:p>
-          <a:p>
-            <a:pPr lvl="1"/>
-            <a:r>
-              <a:rPr lang="zh-TW" altLang="en-US" sz="3200" dirty="0" smtClean="0">
-                <a:latin typeface="標楷體" panose="03000509000000000000" pitchFamily="65" charset="-120"/>
-                <a:ea typeface="標楷體" panose="03000509000000000000" pitchFamily="65" charset="-120"/>
-              </a:rPr>
-              <a:t>網頁表單及程式</a:t>
-            </a:r>
-            <a:r>
-              <a:rPr lang="zh-TW" altLang="en-US" sz="3200" dirty="0">
-                <a:latin typeface="標楷體" panose="03000509000000000000" pitchFamily="65" charset="-120"/>
-                <a:ea typeface="標楷體" panose="03000509000000000000" pitchFamily="65" charset="-120"/>
-              </a:rPr>
-              <a:t>入門</a:t>
-            </a:r>
-            <a:r>
-              <a:rPr lang="zh-TW" altLang="en-US" sz="3200" dirty="0" smtClean="0">
-                <a:latin typeface="標楷體" panose="03000509000000000000" pitchFamily="65" charset="-120"/>
-                <a:ea typeface="標楷體" panose="03000509000000000000" pitchFamily="65" charset="-120"/>
-              </a:rPr>
-              <a:t>練習、修改醫資應用程式範例</a:t>
-            </a:r>
-            <a:endParaRPr lang="zh-TW" altLang="en-US" sz="3200" dirty="0">
-              <a:latin typeface="標楷體" panose="03000509000000000000" pitchFamily="65" charset="-120"/>
-              <a:ea typeface="標楷體" panose="03000509000000000000" pitchFamily="65" charset="-120"/>
-            </a:endParaRPr>
-          </a:p>
-          <a:p>
-            <a:endParaRPr lang="en-US" altLang="zh-TW" sz="3600" dirty="0" smtClean="0">
-              <a:latin typeface="標楷體" panose="03000509000000000000" pitchFamily="65" charset="-120"/>
-              <a:ea typeface="標楷體" panose="03000509000000000000" pitchFamily="65" charset="-120"/>
-            </a:endParaRPr>
-          </a:p>
-          <a:p>
-            <a:r>
-              <a:rPr lang="zh-TW" altLang="en-US" sz="3600" dirty="0" smtClean="0">
-                <a:latin typeface="標楷體" panose="03000509000000000000" pitchFamily="65" charset="-120"/>
-                <a:ea typeface="標楷體" panose="03000509000000000000" pitchFamily="65" charset="-120"/>
-              </a:rPr>
-              <a:t>醫資專題合作發展</a:t>
-            </a:r>
-            <a:r>
-              <a:rPr lang="en-US" altLang="zh-TW" sz="3600" dirty="0" smtClean="0">
-                <a:latin typeface="標楷體" panose="03000509000000000000" pitchFamily="65" charset="-120"/>
-                <a:ea typeface="標楷體" panose="03000509000000000000" pitchFamily="65" charset="-120"/>
-              </a:rPr>
-              <a:t>(2019/7--</a:t>
-            </a:r>
-            <a:r>
-              <a:rPr lang="en-US" altLang="zh-TW" sz="3600" b="1" dirty="0" smtClean="0">
-                <a:solidFill>
-                  <a:srgbClr val="FF0000"/>
-                </a:solidFill>
-                <a:latin typeface="標楷體" panose="03000509000000000000" pitchFamily="65" charset="-120"/>
-                <a:ea typeface="標楷體" panose="03000509000000000000" pitchFamily="65" charset="-120"/>
-              </a:rPr>
-              <a:t>2020/1</a:t>
-            </a:r>
-            <a:r>
-              <a:rPr lang="en-US" altLang="zh-TW" sz="3600" dirty="0" smtClean="0">
-                <a:latin typeface="標楷體" panose="03000509000000000000" pitchFamily="65" charset="-120"/>
-                <a:ea typeface="標楷體" panose="03000509000000000000" pitchFamily="65" charset="-120"/>
-              </a:rPr>
-              <a:t>) 50%</a:t>
-            </a:r>
-          </a:p>
-          <a:p>
-            <a:pPr lvl="1"/>
-            <a:r>
-              <a:rPr lang="zh-TW" altLang="en-US" sz="3200" dirty="0">
-                <a:latin typeface="標楷體" panose="03000509000000000000" pitchFamily="65" charset="-120"/>
-                <a:ea typeface="標楷體" panose="03000509000000000000" pitchFamily="65" charset="-120"/>
-              </a:rPr>
-              <a:t>需求</a:t>
-            </a:r>
-            <a:r>
-              <a:rPr lang="zh-TW" altLang="en-US" sz="3200" dirty="0" smtClean="0">
-                <a:latin typeface="標楷體" panose="03000509000000000000" pitchFamily="65" charset="-120"/>
-                <a:ea typeface="標楷體" panose="03000509000000000000" pitchFamily="65" charset="-120"/>
-              </a:rPr>
-              <a:t>分析、資訊標準規格、發展雛型系統</a:t>
-            </a:r>
-            <a:endParaRPr lang="en-US" altLang="zh-TW" sz="3200" dirty="0" smtClean="0">
-              <a:latin typeface="標楷體" panose="03000509000000000000" pitchFamily="65" charset="-120"/>
-              <a:ea typeface="標楷體" panose="03000509000000000000" pitchFamily="65" charset="-120"/>
-            </a:endParaRPr>
-          </a:p>
-          <a:p>
-            <a:pPr lvl="1"/>
-            <a:endParaRPr lang="en-US" altLang="zh-TW" sz="3200" dirty="0">
-              <a:latin typeface="標楷體" panose="03000509000000000000" pitchFamily="65" charset="-120"/>
-              <a:ea typeface="標楷體" panose="03000509000000000000" pitchFamily="65" charset="-120"/>
-            </a:endParaRPr>
-          </a:p>
-          <a:p>
-            <a:pPr lvl="1"/>
-            <a:endParaRPr lang="en-US" altLang="zh-TW" sz="3200" dirty="0">
-              <a:latin typeface="標楷體" panose="03000509000000000000" pitchFamily="65" charset="-120"/>
-              <a:ea typeface="標楷體" panose="03000509000000000000" pitchFamily="65" charset="-120"/>
-            </a:endParaRPr>
-          </a:p>
-          <a:p>
-            <a:endParaRPr lang="zh-TW" altLang="en-US" sz="3600" dirty="0">
-              <a:latin typeface="標楷體" panose="03000509000000000000" pitchFamily="65" charset="-120"/>
-              <a:ea typeface="標楷體" panose="03000509000000000000" pitchFamily="65" charset="-120"/>
-            </a:endParaRPr>
-          </a:p>
-          <a:p>
-            <a:endParaRPr lang="zh-TW" altLang="en-US" sz="3600" dirty="0">
-              <a:latin typeface="標楷體" panose="03000509000000000000" pitchFamily="65" charset="-120"/>
-              <a:ea typeface="標楷體" panose="03000509000000000000" pitchFamily="65" charset="-120"/>
-            </a:endParaRPr>
-          </a:p>
-        </p:txBody>
-      </p:sp>
-    </p:spTree>
-    <p:extLst>
-      <p:ext uri="{BB962C8B-B14F-4D97-AF65-F5344CB8AC3E}">
-        <p14:creationId xmlns:p14="http://schemas.microsoft.com/office/powerpoint/2010/main" val="1827864359"/>
+        <p14:creationId xmlns:p14="http://schemas.microsoft.com/office/powerpoint/2010/main" val="1252196550"/>
       </p:ext>
     </p:extLst>
   </p:cSld>
@@ -8354,909 +5540,6 @@
     <p:extLst>
       <p:ext uri="{BB962C8B-B14F-4D97-AF65-F5344CB8AC3E}">
         <p14:creationId xmlns:p14="http://schemas.microsoft.com/office/powerpoint/2010/main" val="1767232127"/>
-      </p:ext>
-    </p:extLst>
-  </p:cSld>
-  <p:clrMapOvr>
-    <a:masterClrMapping/>
-  </p:clrMapOvr>
-  <p:timing>
-    <p:tnLst>
-      <p:par>
-        <p:cTn id="1" dur="indefinite" restart="never" nodeType="tmRoot"/>
-      </p:par>
-    </p:tnLst>
-  </p:timing>
-</p:sld>
-</file>
-
-<file path=ppt/slides/slide20.xml><?xml version="1.0" encoding="utf-8"?>
-<p:sld xmlns:a="http://schemas.openxmlformats.org/drawingml/2006/main" xmlns:r="http://schemas.openxmlformats.org/officeDocument/2006/relationships" xmlns:p="http://schemas.openxmlformats.org/presentationml/2006/main">
-  <p:cSld>
-    <p:spTree>
-      <p:nvGrpSpPr>
-        <p:cNvPr id="1" name=""/>
-        <p:cNvGrpSpPr/>
-        <p:nvPr/>
-      </p:nvGrpSpPr>
-      <p:grpSpPr>
-        <a:xfrm>
-          <a:off x="0" y="0"/>
-          <a:ext cx="0" cy="0"/>
-          <a:chOff x="0" y="0"/>
-          <a:chExt cx="0" cy="0"/>
-        </a:xfrm>
-      </p:grpSpPr>
-      <p:sp>
-        <p:nvSpPr>
-          <p:cNvPr id="2" name="標題 1"/>
-          <p:cNvSpPr>
-            <a:spLocks noGrp="1"/>
-          </p:cNvSpPr>
-          <p:nvPr>
-            <p:ph type="title"/>
-          </p:nvPr>
-        </p:nvSpPr>
-        <p:spPr>
-          <a:xfrm>
-            <a:off x="877110" y="0"/>
-            <a:ext cx="10515600" cy="1325563"/>
-          </a:xfrm>
-        </p:spPr>
-        <p:txBody>
-          <a:bodyPr/>
-          <a:lstStyle/>
-          <a:p>
-            <a:pPr algn="ctr"/>
-            <a:r>
-              <a:rPr lang="zh-TW" altLang="en-US" dirty="0">
-                <a:latin typeface="標楷體" panose="03000509000000000000" pitchFamily="65" charset="-120"/>
-                <a:ea typeface="標楷體" panose="03000509000000000000" pitchFamily="65" charset="-120"/>
-              </a:rPr>
-              <a:t>加退</a:t>
-            </a:r>
-            <a:r>
-              <a:rPr lang="zh-TW" altLang="en-US" dirty="0" smtClean="0">
-                <a:latin typeface="標楷體" panose="03000509000000000000" pitchFamily="65" charset="-120"/>
-                <a:ea typeface="標楷體" panose="03000509000000000000" pitchFamily="65" charset="-120"/>
-              </a:rPr>
-              <a:t>選時程</a:t>
-            </a:r>
-            <a:r>
-              <a:rPr lang="zh-TW" altLang="en-US" dirty="0">
-                <a:latin typeface="標楷體" panose="03000509000000000000" pitchFamily="65" charset="-120"/>
-                <a:ea typeface="標楷體" panose="03000509000000000000" pitchFamily="65" charset="-120"/>
-              </a:rPr>
-              <a:t/>
-            </a:r>
-            <a:br>
-              <a:rPr lang="zh-TW" altLang="en-US" dirty="0">
-                <a:latin typeface="標楷體" panose="03000509000000000000" pitchFamily="65" charset="-120"/>
-                <a:ea typeface="標楷體" panose="03000509000000000000" pitchFamily="65" charset="-120"/>
-              </a:rPr>
-            </a:br>
-            <a:endParaRPr lang="zh-TW" altLang="en-US" dirty="0">
-              <a:latin typeface="標楷體" panose="03000509000000000000" pitchFamily="65" charset="-120"/>
-              <a:ea typeface="標楷體" panose="03000509000000000000" pitchFamily="65" charset="-120"/>
-            </a:endParaRPr>
-          </a:p>
-        </p:txBody>
-      </p:sp>
-      <p:sp>
-        <p:nvSpPr>
-          <p:cNvPr id="3" name="內容版面配置區 2"/>
-          <p:cNvSpPr>
-            <a:spLocks noGrp="1"/>
-          </p:cNvSpPr>
-          <p:nvPr>
-            <p:ph idx="1"/>
-          </p:nvPr>
-        </p:nvSpPr>
-        <p:spPr>
-          <a:xfrm>
-            <a:off x="959402" y="787939"/>
-            <a:ext cx="10515600" cy="4195762"/>
-          </a:xfrm>
-        </p:spPr>
-        <p:txBody>
-          <a:bodyPr>
-            <a:normAutofit/>
-          </a:bodyPr>
-          <a:lstStyle/>
-          <a:p>
-            <a:r>
-              <a:rPr lang="zh-TW" altLang="en-US" sz="3600" dirty="0">
-                <a:latin typeface="標楷體" panose="03000509000000000000" pitchFamily="65" charset="-120"/>
-                <a:ea typeface="標楷體" panose="03000509000000000000" pitchFamily="65" charset="-120"/>
-              </a:rPr>
-              <a:t>線</a:t>
-            </a:r>
-            <a:r>
-              <a:rPr lang="zh-TW" altLang="en-US" sz="3600" dirty="0" smtClean="0">
-                <a:latin typeface="標楷體" panose="03000509000000000000" pitchFamily="65" charset="-120"/>
-                <a:ea typeface="標楷體" panose="03000509000000000000" pitchFamily="65" charset="-120"/>
-              </a:rPr>
-              <a:t>上報名</a:t>
-            </a:r>
-            <a:r>
-              <a:rPr lang="en-US" altLang="zh-TW" sz="3600" dirty="0" smtClean="0">
-                <a:latin typeface="標楷體" panose="03000509000000000000" pitchFamily="65" charset="-120"/>
-                <a:ea typeface="標楷體" panose="03000509000000000000" pitchFamily="65" charset="-120"/>
-              </a:rPr>
-              <a:t>:</a:t>
-            </a:r>
-            <a:r>
-              <a:rPr lang="zh-TW" altLang="en-US" sz="3600" dirty="0" smtClean="0">
-                <a:latin typeface="標楷體" panose="03000509000000000000" pitchFamily="65" charset="-120"/>
-                <a:ea typeface="標楷體" panose="03000509000000000000" pitchFamily="65" charset="-120"/>
-              </a:rPr>
-              <a:t> </a:t>
-            </a:r>
-            <a:r>
-              <a:rPr lang="en-US" altLang="zh-TW" sz="3600" dirty="0" smtClean="0">
-                <a:latin typeface="標楷體" panose="03000509000000000000" pitchFamily="65" charset="-120"/>
-                <a:ea typeface="標楷體" panose="03000509000000000000" pitchFamily="65" charset="-120"/>
-              </a:rPr>
-              <a:t>6/15 </a:t>
-            </a:r>
-            <a:r>
-              <a:rPr lang="zh-TW" altLang="en-US" sz="3600" dirty="0" smtClean="0">
-                <a:latin typeface="標楷體" panose="03000509000000000000" pitchFamily="65" charset="-120"/>
-                <a:ea typeface="標楷體" panose="03000509000000000000" pitchFamily="65" charset="-120"/>
-              </a:rPr>
-              <a:t>前</a:t>
-            </a:r>
-            <a:endParaRPr lang="en-US" altLang="zh-TW" sz="3600" dirty="0" smtClean="0">
-              <a:latin typeface="標楷體" panose="03000509000000000000" pitchFamily="65" charset="-120"/>
-              <a:ea typeface="標楷體" panose="03000509000000000000" pitchFamily="65" charset="-120"/>
-            </a:endParaRPr>
-          </a:p>
-          <a:p>
-            <a:endParaRPr lang="zh-TW" altLang="en-US" sz="3600" dirty="0">
-              <a:latin typeface="標楷體" panose="03000509000000000000" pitchFamily="65" charset="-120"/>
-              <a:ea typeface="標楷體" panose="03000509000000000000" pitchFamily="65" charset="-120"/>
-            </a:endParaRPr>
-          </a:p>
-          <a:p>
-            <a:r>
-              <a:rPr lang="zh-TW" altLang="en-US" sz="3600" dirty="0" smtClean="0">
-                <a:latin typeface="標楷體" panose="03000509000000000000" pitchFamily="65" charset="-120"/>
-                <a:ea typeface="標楷體" panose="03000509000000000000" pitchFamily="65" charset="-120"/>
-              </a:rPr>
-              <a:t>陽明及慈大同學</a:t>
-            </a:r>
-            <a:endParaRPr lang="en-US" altLang="zh-TW" sz="3600" dirty="0" smtClean="0">
-              <a:latin typeface="標楷體" panose="03000509000000000000" pitchFamily="65" charset="-120"/>
-              <a:ea typeface="標楷體" panose="03000509000000000000" pitchFamily="65" charset="-120"/>
-            </a:endParaRPr>
-          </a:p>
-          <a:p>
-            <a:pPr lvl="1"/>
-            <a:r>
-              <a:rPr lang="en-US" altLang="zh-TW" sz="3200" dirty="0" smtClean="0">
-                <a:latin typeface="標楷體" panose="03000509000000000000" pitchFamily="65" charset="-120"/>
-                <a:ea typeface="標楷體" panose="03000509000000000000" pitchFamily="65" charset="-120"/>
-              </a:rPr>
-              <a:t>2019/9 </a:t>
-            </a:r>
-            <a:r>
-              <a:rPr lang="zh-TW" altLang="en-US" sz="3200" dirty="0" smtClean="0">
-                <a:latin typeface="標楷體" panose="03000509000000000000" pitchFamily="65" charset="-120"/>
-                <a:ea typeface="標楷體" panose="03000509000000000000" pitchFamily="65" charset="-120"/>
-              </a:rPr>
-              <a:t>確定選修</a:t>
-            </a:r>
-            <a:endParaRPr lang="en-US" altLang="zh-TW" sz="3200" dirty="0" smtClean="0">
-              <a:latin typeface="標楷體" panose="03000509000000000000" pitchFamily="65" charset="-120"/>
-              <a:ea typeface="標楷體" panose="03000509000000000000" pitchFamily="65" charset="-120"/>
-            </a:endParaRPr>
-          </a:p>
-          <a:p>
-            <a:pPr lvl="1"/>
-            <a:r>
-              <a:rPr lang="zh-TW" altLang="en-US" sz="3200" dirty="0" smtClean="0">
-                <a:latin typeface="標楷體" panose="03000509000000000000" pitchFamily="65" charset="-120"/>
-                <a:ea typeface="標楷體" panose="03000509000000000000" pitchFamily="65" charset="-120"/>
-              </a:rPr>
-              <a:t>若覺得程式不易上手，可明年</a:t>
-            </a:r>
-            <a:r>
-              <a:rPr lang="en-US" altLang="zh-TW" sz="3200" dirty="0" smtClean="0">
-                <a:latin typeface="標楷體" panose="03000509000000000000" pitchFamily="65" charset="-120"/>
-                <a:ea typeface="標楷體" panose="03000509000000000000" pitchFamily="65" charset="-120"/>
-              </a:rPr>
-              <a:t>(2020)</a:t>
-            </a:r>
-            <a:r>
-              <a:rPr lang="zh-TW" altLang="en-US" sz="3200" dirty="0" smtClean="0">
-                <a:latin typeface="標楷體" panose="03000509000000000000" pitchFamily="65" charset="-120"/>
-                <a:ea typeface="標楷體" panose="03000509000000000000" pitchFamily="65" charset="-120"/>
-              </a:rPr>
-              <a:t>再挑戰</a:t>
-            </a:r>
-            <a:r>
-              <a:rPr lang="zh-TW" altLang="en-US" sz="3200" dirty="0">
-                <a:latin typeface="標楷體" panose="03000509000000000000" pitchFamily="65" charset="-120"/>
-                <a:ea typeface="標楷體" panose="03000509000000000000" pitchFamily="65" charset="-120"/>
-              </a:rPr>
-              <a:t>修</a:t>
-            </a:r>
-            <a:r>
-              <a:rPr lang="zh-TW" altLang="en-US" sz="3200" dirty="0" smtClean="0">
-                <a:latin typeface="標楷體" panose="03000509000000000000" pitchFamily="65" charset="-120"/>
-                <a:ea typeface="標楷體" panose="03000509000000000000" pitchFamily="65" charset="-120"/>
-              </a:rPr>
-              <a:t>課</a:t>
-            </a:r>
-            <a:r>
-              <a:rPr lang="en-US" altLang="zh-TW" sz="3200" dirty="0" smtClean="0">
-                <a:latin typeface="標楷體" panose="03000509000000000000" pitchFamily="65" charset="-120"/>
-                <a:ea typeface="標楷體" panose="03000509000000000000" pitchFamily="65" charset="-120"/>
-              </a:rPr>
-              <a:t>(</a:t>
-            </a:r>
-            <a:r>
-              <a:rPr lang="zh-TW" altLang="en-US" sz="3200" dirty="0" smtClean="0">
-                <a:latin typeface="標楷體" panose="03000509000000000000" pitchFamily="65" charset="-120"/>
-                <a:ea typeface="標楷體" panose="03000509000000000000" pitchFamily="65" charset="-120"/>
-              </a:rPr>
-              <a:t>慈濟醫資系除外</a:t>
-            </a:r>
-            <a:r>
-              <a:rPr lang="en-US" altLang="zh-TW" sz="3200" dirty="0" smtClean="0">
-                <a:latin typeface="標楷體" panose="03000509000000000000" pitchFamily="65" charset="-120"/>
-                <a:ea typeface="標楷體" panose="03000509000000000000" pitchFamily="65" charset="-120"/>
-              </a:rPr>
-              <a:t>)</a:t>
-            </a:r>
-            <a:endParaRPr lang="en-US" altLang="zh-TW" sz="3200" dirty="0">
-              <a:latin typeface="標楷體" panose="03000509000000000000" pitchFamily="65" charset="-120"/>
-              <a:ea typeface="標楷體" panose="03000509000000000000" pitchFamily="65" charset="-120"/>
-            </a:endParaRPr>
-          </a:p>
-          <a:p>
-            <a:endParaRPr lang="en-US" altLang="zh-TW" sz="3600" dirty="0" smtClean="0">
-              <a:latin typeface="標楷體" panose="03000509000000000000" pitchFamily="65" charset="-120"/>
-              <a:ea typeface="標楷體" panose="03000509000000000000" pitchFamily="65" charset="-120"/>
-            </a:endParaRPr>
-          </a:p>
-          <a:p>
-            <a:r>
-              <a:rPr lang="en-US" altLang="zh-TW" sz="3600" dirty="0" smtClean="0">
-                <a:latin typeface="標楷體" panose="03000509000000000000" pitchFamily="65" charset="-120"/>
-                <a:ea typeface="標楷體" panose="03000509000000000000" pitchFamily="65" charset="-120"/>
-              </a:rPr>
-              <a:t>2020/1 </a:t>
-            </a:r>
-            <a:r>
-              <a:rPr lang="zh-TW" altLang="en-US" sz="3600" dirty="0">
-                <a:latin typeface="標楷體" panose="03000509000000000000" pitchFamily="65" charset="-120"/>
-                <a:ea typeface="標楷體" panose="03000509000000000000" pitchFamily="65" charset="-120"/>
-              </a:rPr>
-              <a:t>送成績</a:t>
-            </a:r>
-          </a:p>
-          <a:p>
-            <a:endParaRPr lang="en-US" altLang="zh-TW" sz="3600" dirty="0">
-              <a:latin typeface="標楷體" panose="03000509000000000000" pitchFamily="65" charset="-120"/>
-              <a:ea typeface="標楷體" panose="03000509000000000000" pitchFamily="65" charset="-120"/>
-            </a:endParaRPr>
-          </a:p>
-          <a:p>
-            <a:r>
-              <a:rPr lang="zh-TW" altLang="en-US" sz="3600" dirty="0" smtClean="0">
-                <a:latin typeface="標楷體" panose="03000509000000000000" pitchFamily="65" charset="-120"/>
-                <a:ea typeface="標楷體" panose="03000509000000000000" pitchFamily="65" charset="-120"/>
-              </a:rPr>
-              <a:t>歡迎外校同學</a:t>
-            </a:r>
-            <a:r>
-              <a:rPr lang="en-US" altLang="zh-TW" sz="3600" dirty="0" smtClean="0">
-                <a:latin typeface="標楷體" panose="03000509000000000000" pitchFamily="65" charset="-120"/>
-                <a:ea typeface="標楷體" panose="03000509000000000000" pitchFamily="65" charset="-120"/>
-              </a:rPr>
-              <a:t>(</a:t>
-            </a:r>
-            <a:r>
-              <a:rPr lang="zh-TW" altLang="en-US" sz="3600" dirty="0" smtClean="0">
-                <a:latin typeface="標楷體" panose="03000509000000000000" pitchFamily="65" charset="-120"/>
-                <a:ea typeface="標楷體" panose="03000509000000000000" pitchFamily="65" charset="-120"/>
-              </a:rPr>
-              <a:t>含國高中</a:t>
-            </a:r>
-            <a:r>
-              <a:rPr lang="en-US" altLang="zh-TW" sz="3600" dirty="0" smtClean="0">
-                <a:latin typeface="標楷體" panose="03000509000000000000" pitchFamily="65" charset="-120"/>
-                <a:ea typeface="標楷體" panose="03000509000000000000" pitchFamily="65" charset="-120"/>
-              </a:rPr>
-              <a:t>)</a:t>
-            </a:r>
-            <a:r>
-              <a:rPr lang="zh-TW" altLang="en-US" sz="3600" dirty="0" smtClean="0">
-                <a:latin typeface="標楷體" panose="03000509000000000000" pitchFamily="65" charset="-120"/>
-                <a:ea typeface="標楷體" panose="03000509000000000000" pitchFamily="65" charset="-120"/>
-              </a:rPr>
-              <a:t>、醫院、及業界成員選修</a:t>
-            </a:r>
-            <a:endParaRPr lang="en-US" altLang="zh-TW" sz="3600" dirty="0" smtClean="0">
-              <a:latin typeface="標楷體" panose="03000509000000000000" pitchFamily="65" charset="-120"/>
-              <a:ea typeface="標楷體" panose="03000509000000000000" pitchFamily="65" charset="-120"/>
-            </a:endParaRPr>
-          </a:p>
-          <a:p>
-            <a:endParaRPr lang="en-US" altLang="zh-TW" sz="3600" dirty="0">
-              <a:latin typeface="標楷體" panose="03000509000000000000" pitchFamily="65" charset="-120"/>
-              <a:ea typeface="標楷體" panose="03000509000000000000" pitchFamily="65" charset="-120"/>
-            </a:endParaRPr>
-          </a:p>
-          <a:p>
-            <a:endParaRPr lang="en-US" altLang="zh-TW" sz="3600" dirty="0" smtClean="0">
-              <a:latin typeface="標楷體" panose="03000509000000000000" pitchFamily="65" charset="-120"/>
-              <a:ea typeface="標楷體" panose="03000509000000000000" pitchFamily="65" charset="-120"/>
-            </a:endParaRPr>
-          </a:p>
-          <a:p>
-            <a:endParaRPr lang="en-US" altLang="zh-TW" sz="3600" dirty="0" smtClean="0">
-              <a:latin typeface="標楷體" panose="03000509000000000000" pitchFamily="65" charset="-120"/>
-              <a:ea typeface="標楷體" panose="03000509000000000000" pitchFamily="65" charset="-120"/>
-            </a:endParaRPr>
-          </a:p>
-          <a:p>
-            <a:endParaRPr lang="en-US" altLang="zh-TW" sz="3600" dirty="0" smtClean="0">
-              <a:latin typeface="標楷體" panose="03000509000000000000" pitchFamily="65" charset="-120"/>
-              <a:ea typeface="標楷體" panose="03000509000000000000" pitchFamily="65" charset="-120"/>
-            </a:endParaRPr>
-          </a:p>
-          <a:p>
-            <a:pPr lvl="1"/>
-            <a:endParaRPr lang="en-US" altLang="zh-TW" sz="3200" dirty="0">
-              <a:latin typeface="標楷體" panose="03000509000000000000" pitchFamily="65" charset="-120"/>
-              <a:ea typeface="標楷體" panose="03000509000000000000" pitchFamily="65" charset="-120"/>
-            </a:endParaRPr>
-          </a:p>
-          <a:p>
-            <a:endParaRPr lang="zh-TW" altLang="en-US" sz="3600" dirty="0">
-              <a:latin typeface="標楷體" panose="03000509000000000000" pitchFamily="65" charset="-120"/>
-              <a:ea typeface="標楷體" panose="03000509000000000000" pitchFamily="65" charset="-120"/>
-            </a:endParaRPr>
-          </a:p>
-          <a:p>
-            <a:endParaRPr lang="zh-TW" altLang="en-US" sz="3600" dirty="0">
-              <a:latin typeface="標楷體" panose="03000509000000000000" pitchFamily="65" charset="-120"/>
-              <a:ea typeface="標楷體" panose="03000509000000000000" pitchFamily="65" charset="-120"/>
-            </a:endParaRPr>
-          </a:p>
-        </p:txBody>
-      </p:sp>
-    </p:spTree>
-    <p:extLst>
-      <p:ext uri="{BB962C8B-B14F-4D97-AF65-F5344CB8AC3E}">
-        <p14:creationId xmlns:p14="http://schemas.microsoft.com/office/powerpoint/2010/main" val="3163751317"/>
-      </p:ext>
-    </p:extLst>
-  </p:cSld>
-  <p:clrMapOvr>
-    <a:masterClrMapping/>
-  </p:clrMapOvr>
-  <p:timing>
-    <p:tnLst>
-      <p:par>
-        <p:cTn id="1" dur="indefinite" restart="never" nodeType="tmRoot"/>
-      </p:par>
-    </p:tnLst>
-  </p:timing>
-</p:sld>
-</file>
-
-<file path=ppt/slides/slide21.xml><?xml version="1.0" encoding="utf-8"?>
-<p:sld xmlns:a="http://schemas.openxmlformats.org/drawingml/2006/main" xmlns:r="http://schemas.openxmlformats.org/officeDocument/2006/relationships" xmlns:p="http://schemas.openxmlformats.org/presentationml/2006/main">
-  <p:cSld>
-    <p:spTree>
-      <p:nvGrpSpPr>
-        <p:cNvPr id="1" name=""/>
-        <p:cNvGrpSpPr/>
-        <p:nvPr/>
-      </p:nvGrpSpPr>
-      <p:grpSpPr>
-        <a:xfrm>
-          <a:off x="0" y="0"/>
-          <a:ext cx="0" cy="0"/>
-          <a:chOff x="0" y="0"/>
-          <a:chExt cx="0" cy="0"/>
-        </a:xfrm>
-      </p:grpSpPr>
-      <p:sp>
-        <p:nvSpPr>
-          <p:cNvPr id="2" name="標題 1"/>
-          <p:cNvSpPr>
-            <a:spLocks noGrp="1"/>
-          </p:cNvSpPr>
-          <p:nvPr>
-            <p:ph type="title"/>
-          </p:nvPr>
-        </p:nvSpPr>
-        <p:spPr>
-          <a:xfrm>
-            <a:off x="877110" y="0"/>
-            <a:ext cx="10515600" cy="1325563"/>
-          </a:xfrm>
-        </p:spPr>
-        <p:txBody>
-          <a:bodyPr/>
-          <a:lstStyle/>
-          <a:p>
-            <a:pPr algn="ctr"/>
-            <a:r>
-              <a:rPr lang="zh-TW" altLang="en-US" dirty="0" smtClean="0">
-                <a:latin typeface="標楷體" panose="03000509000000000000" pitchFamily="65" charset="-120"/>
-                <a:ea typeface="標楷體" panose="03000509000000000000" pitchFamily="65" charset="-120"/>
-              </a:rPr>
-              <a:t>產學合作</a:t>
-            </a:r>
-            <a:r>
-              <a:rPr lang="zh-TW" altLang="en-US" dirty="0">
-                <a:latin typeface="標楷體" panose="03000509000000000000" pitchFamily="65" charset="-120"/>
-                <a:ea typeface="標楷體" panose="03000509000000000000" pitchFamily="65" charset="-120"/>
-              </a:rPr>
-              <a:t/>
-            </a:r>
-            <a:br>
-              <a:rPr lang="zh-TW" altLang="en-US" dirty="0">
-                <a:latin typeface="標楷體" panose="03000509000000000000" pitchFamily="65" charset="-120"/>
-                <a:ea typeface="標楷體" panose="03000509000000000000" pitchFamily="65" charset="-120"/>
-              </a:rPr>
-            </a:br>
-            <a:endParaRPr lang="zh-TW" altLang="en-US" dirty="0">
-              <a:latin typeface="標楷體" panose="03000509000000000000" pitchFamily="65" charset="-120"/>
-              <a:ea typeface="標楷體" panose="03000509000000000000" pitchFamily="65" charset="-120"/>
-            </a:endParaRPr>
-          </a:p>
-        </p:txBody>
-      </p:sp>
-      <p:sp>
-        <p:nvSpPr>
-          <p:cNvPr id="3" name="內容版面配置區 2"/>
-          <p:cNvSpPr>
-            <a:spLocks noGrp="1"/>
-          </p:cNvSpPr>
-          <p:nvPr>
-            <p:ph idx="1"/>
-          </p:nvPr>
-        </p:nvSpPr>
-        <p:spPr>
-          <a:xfrm>
-            <a:off x="959402" y="787939"/>
-            <a:ext cx="10515600" cy="4195762"/>
-          </a:xfrm>
-        </p:spPr>
-        <p:txBody>
-          <a:bodyPr>
-            <a:normAutofit/>
-          </a:bodyPr>
-          <a:lstStyle/>
-          <a:p>
-            <a:r>
-              <a:rPr lang="zh-TW" altLang="en-US" sz="3600" dirty="0" smtClean="0">
-                <a:latin typeface="標楷體" panose="03000509000000000000" pitchFamily="65" charset="-120"/>
-                <a:ea typeface="標楷體" panose="03000509000000000000" pitchFamily="65" charset="-120"/>
-              </a:rPr>
-              <a:t>學分認證、醫資證照</a:t>
-            </a:r>
-            <a:r>
-              <a:rPr lang="en-US" altLang="zh-TW" sz="3600" dirty="0" smtClean="0">
-                <a:latin typeface="標楷體" panose="03000509000000000000" pitchFamily="65" charset="-120"/>
-                <a:ea typeface="標楷體" panose="03000509000000000000" pitchFamily="65" charset="-120"/>
-              </a:rPr>
-              <a:t>...</a:t>
-            </a:r>
-          </a:p>
-          <a:p>
-            <a:endParaRPr lang="en-US" altLang="zh-TW" sz="3600" dirty="0" smtClean="0">
-              <a:latin typeface="標楷體" panose="03000509000000000000" pitchFamily="65" charset="-120"/>
-              <a:ea typeface="標楷體" panose="03000509000000000000" pitchFamily="65" charset="-120"/>
-            </a:endParaRPr>
-          </a:p>
-          <a:p>
-            <a:r>
-              <a:rPr lang="en-US" altLang="zh-TW" sz="3600" dirty="0" smtClean="0">
-                <a:latin typeface="標楷體" panose="03000509000000000000" pitchFamily="65" charset="-120"/>
-                <a:ea typeface="標楷體" panose="03000509000000000000" pitchFamily="65" charset="-120"/>
-              </a:rPr>
-              <a:t>2018</a:t>
-            </a:r>
-            <a:r>
-              <a:rPr lang="zh-TW" altLang="en-US" sz="3600" dirty="0" smtClean="0">
-                <a:latin typeface="標楷體" panose="03000509000000000000" pitchFamily="65" charset="-120"/>
-                <a:ea typeface="標楷體" panose="03000509000000000000" pitchFamily="65" charset="-120"/>
-              </a:rPr>
-              <a:t>、</a:t>
-            </a:r>
-            <a:r>
-              <a:rPr lang="en-US" altLang="zh-TW" sz="3600" dirty="0" smtClean="0">
-                <a:latin typeface="標楷體" panose="03000509000000000000" pitchFamily="65" charset="-120"/>
-                <a:ea typeface="標楷體" panose="03000509000000000000" pitchFamily="65" charset="-120"/>
-              </a:rPr>
-              <a:t>2019</a:t>
-            </a:r>
-            <a:r>
-              <a:rPr lang="zh-TW" altLang="en-US" sz="3600" dirty="0" smtClean="0">
-                <a:latin typeface="標楷體" panose="03000509000000000000" pitchFamily="65" charset="-120"/>
-                <a:ea typeface="標楷體" panose="03000509000000000000" pitchFamily="65" charset="-120"/>
-              </a:rPr>
-              <a:t>、</a:t>
-            </a:r>
-            <a:r>
-              <a:rPr lang="en-US" altLang="zh-TW" sz="3600" dirty="0" smtClean="0">
-                <a:latin typeface="標楷體" panose="03000509000000000000" pitchFamily="65" charset="-120"/>
-                <a:ea typeface="標楷體" panose="03000509000000000000" pitchFamily="65" charset="-120"/>
-              </a:rPr>
-              <a:t>2020 </a:t>
-            </a:r>
-            <a:r>
-              <a:rPr lang="en-US" altLang="zh-TW" sz="3600" dirty="0" err="1" smtClean="0">
-                <a:latin typeface="標楷體" panose="03000509000000000000" pitchFamily="65" charset="-120"/>
-                <a:ea typeface="標楷體" panose="03000509000000000000" pitchFamily="65" charset="-120"/>
-              </a:rPr>
-              <a:t>connectathon</a:t>
-            </a:r>
-            <a:r>
-              <a:rPr lang="en-US" altLang="zh-TW" sz="3600" dirty="0" smtClean="0">
-                <a:latin typeface="標楷體" panose="03000509000000000000" pitchFamily="65" charset="-120"/>
-                <a:ea typeface="標楷體" panose="03000509000000000000" pitchFamily="65" charset="-120"/>
-              </a:rPr>
-              <a:t> </a:t>
-            </a:r>
-            <a:r>
-              <a:rPr lang="zh-TW" altLang="en-US" sz="3600" dirty="0" smtClean="0">
-                <a:latin typeface="標楷體" panose="03000509000000000000" pitchFamily="65" charset="-120"/>
-                <a:ea typeface="標楷體" panose="03000509000000000000" pitchFamily="65" charset="-120"/>
-              </a:rPr>
-              <a:t>聯測</a:t>
-            </a:r>
-            <a:endParaRPr lang="en-US" altLang="zh-TW" sz="3600" dirty="0" smtClean="0">
-              <a:latin typeface="標楷體" panose="03000509000000000000" pitchFamily="65" charset="-120"/>
-              <a:ea typeface="標楷體" panose="03000509000000000000" pitchFamily="65" charset="-120"/>
-            </a:endParaRPr>
-          </a:p>
-          <a:p>
-            <a:pPr lvl="1"/>
-            <a:r>
-              <a:rPr lang="zh-TW" altLang="en-US" sz="3200" dirty="0" smtClean="0">
-                <a:latin typeface="標楷體" panose="03000509000000000000" pitchFamily="65" charset="-120"/>
-                <a:ea typeface="標楷體" panose="03000509000000000000" pitchFamily="65" charset="-120"/>
-              </a:rPr>
-              <a:t>醫療資訊系統資訊互通整合測試</a:t>
-            </a:r>
-            <a:endParaRPr lang="en-US" altLang="zh-TW" sz="3200" dirty="0" smtClean="0">
-              <a:latin typeface="標楷體" panose="03000509000000000000" pitchFamily="65" charset="-120"/>
-              <a:ea typeface="標楷體" panose="03000509000000000000" pitchFamily="65" charset="-120"/>
-            </a:endParaRPr>
-          </a:p>
-          <a:p>
-            <a:pPr lvl="2"/>
-            <a:r>
-              <a:rPr lang="en-US" altLang="zh-TW" sz="2800" dirty="0" smtClean="0">
-                <a:latin typeface="標楷體" panose="03000509000000000000" pitchFamily="65" charset="-120"/>
-                <a:ea typeface="標楷體" panose="03000509000000000000" pitchFamily="65" charset="-120"/>
-              </a:rPr>
-              <a:t>Europe</a:t>
-            </a:r>
-          </a:p>
-          <a:p>
-            <a:pPr lvl="3"/>
-            <a:r>
-              <a:rPr lang="en-US" altLang="zh-TW" sz="2600" dirty="0">
-                <a:latin typeface="標楷體" panose="03000509000000000000" pitchFamily="65" charset="-120"/>
-                <a:ea typeface="標楷體" panose="03000509000000000000" pitchFamily="65" charset="-120"/>
-              </a:rPr>
-              <a:t>https://</a:t>
-            </a:r>
-            <a:r>
-              <a:rPr lang="en-US" altLang="zh-TW" sz="2600" dirty="0" err="1" smtClean="0">
-                <a:latin typeface="標楷體" panose="03000509000000000000" pitchFamily="65" charset="-120"/>
-                <a:ea typeface="標楷體" panose="03000509000000000000" pitchFamily="65" charset="-120"/>
-              </a:rPr>
-              <a:t>connectathon.ihe-europe.net</a:t>
-            </a:r>
-            <a:endParaRPr lang="en-US" altLang="zh-TW" sz="2600" dirty="0" smtClean="0">
-              <a:latin typeface="標楷體" panose="03000509000000000000" pitchFamily="65" charset="-120"/>
-              <a:ea typeface="標楷體" panose="03000509000000000000" pitchFamily="65" charset="-120"/>
-            </a:endParaRPr>
-          </a:p>
-          <a:p>
-            <a:pPr lvl="2"/>
-            <a:r>
-              <a:rPr lang="en-US" altLang="zh-TW" sz="2800" dirty="0" smtClean="0">
-                <a:latin typeface="標楷體" panose="03000509000000000000" pitchFamily="65" charset="-120"/>
-                <a:ea typeface="標楷體" panose="03000509000000000000" pitchFamily="65" charset="-120"/>
-              </a:rPr>
-              <a:t>Taiwan </a:t>
-            </a:r>
-          </a:p>
-          <a:p>
-            <a:pPr lvl="3"/>
-            <a:r>
-              <a:rPr lang="en-US" altLang="zh-TW" sz="2600" dirty="0">
-                <a:latin typeface="標楷體" panose="03000509000000000000" pitchFamily="65" charset="-120"/>
-                <a:ea typeface="標楷體" panose="03000509000000000000" pitchFamily="65" charset="-120"/>
-              </a:rPr>
-              <a:t>http://</a:t>
-            </a:r>
-            <a:r>
-              <a:rPr lang="en-US" altLang="zh-TW" sz="2600" dirty="0" err="1">
-                <a:latin typeface="標楷體" panose="03000509000000000000" pitchFamily="65" charset="-120"/>
-                <a:ea typeface="標楷體" panose="03000509000000000000" pitchFamily="65" charset="-120"/>
-              </a:rPr>
-              <a:t>training.dicom.org.tw</a:t>
-            </a:r>
-            <a:r>
-              <a:rPr lang="en-US" altLang="zh-TW" sz="2600" dirty="0" smtClean="0">
-                <a:latin typeface="標楷體" panose="03000509000000000000" pitchFamily="65" charset="-120"/>
-                <a:ea typeface="標楷體" panose="03000509000000000000" pitchFamily="65" charset="-120"/>
-              </a:rPr>
-              <a:t>/</a:t>
-            </a:r>
-          </a:p>
-          <a:p>
-            <a:pPr lvl="1"/>
-            <a:r>
-              <a:rPr lang="zh-TW" altLang="en-US" sz="3200" b="1" dirty="0" smtClean="0">
-                <a:solidFill>
-                  <a:srgbClr val="FF0000"/>
-                </a:solidFill>
-                <a:latin typeface="標楷體" panose="03000509000000000000" pitchFamily="65" charset="-120"/>
-                <a:ea typeface="標楷體" panose="03000509000000000000" pitchFamily="65" charset="-120"/>
-              </a:rPr>
-              <a:t>鼓勵同學組隊參與台灣及國際聯測</a:t>
-            </a:r>
-            <a:endParaRPr lang="en-US" altLang="zh-TW" sz="3200" b="1" dirty="0" smtClean="0">
-              <a:solidFill>
-                <a:srgbClr val="FF0000"/>
-              </a:solidFill>
-              <a:latin typeface="標楷體" panose="03000509000000000000" pitchFamily="65" charset="-120"/>
-              <a:ea typeface="標楷體" panose="03000509000000000000" pitchFamily="65" charset="-120"/>
-            </a:endParaRPr>
-          </a:p>
-          <a:p>
-            <a:pPr lvl="2"/>
-            <a:r>
-              <a:rPr lang="zh-TW" altLang="en-US" sz="2800" dirty="0">
-                <a:latin typeface="標楷體" panose="03000509000000000000" pitchFamily="65" charset="-120"/>
-                <a:ea typeface="標楷體" panose="03000509000000000000" pitchFamily="65" charset="-120"/>
-              </a:rPr>
-              <a:t>深具</a:t>
-            </a:r>
-            <a:r>
-              <a:rPr lang="zh-TW" altLang="en-US" sz="2800" dirty="0" smtClean="0">
-                <a:latin typeface="標楷體" panose="03000509000000000000" pitchFamily="65" charset="-120"/>
-                <a:ea typeface="標楷體" panose="03000509000000000000" pitchFamily="65" charset="-120"/>
-              </a:rPr>
-              <a:t>實際推廣應用價值</a:t>
-            </a:r>
-            <a:endParaRPr lang="en-US" altLang="zh-TW" sz="2800" dirty="0">
-              <a:latin typeface="標楷體" panose="03000509000000000000" pitchFamily="65" charset="-120"/>
-              <a:ea typeface="標楷體" panose="03000509000000000000" pitchFamily="65" charset="-120"/>
-            </a:endParaRPr>
-          </a:p>
-          <a:p>
-            <a:endParaRPr lang="en-US" altLang="zh-TW" sz="3600" dirty="0" smtClean="0">
-              <a:latin typeface="標楷體" panose="03000509000000000000" pitchFamily="65" charset="-120"/>
-              <a:ea typeface="標楷體" panose="03000509000000000000" pitchFamily="65" charset="-120"/>
-            </a:endParaRPr>
-          </a:p>
-          <a:p>
-            <a:endParaRPr lang="en-US" altLang="zh-TW" sz="3600" dirty="0" smtClean="0">
-              <a:latin typeface="標楷體" panose="03000509000000000000" pitchFamily="65" charset="-120"/>
-              <a:ea typeface="標楷體" panose="03000509000000000000" pitchFamily="65" charset="-120"/>
-            </a:endParaRPr>
-          </a:p>
-          <a:p>
-            <a:endParaRPr lang="en-US" altLang="zh-TW" sz="3600" dirty="0" smtClean="0">
-              <a:latin typeface="標楷體" panose="03000509000000000000" pitchFamily="65" charset="-120"/>
-              <a:ea typeface="標楷體" panose="03000509000000000000" pitchFamily="65" charset="-120"/>
-            </a:endParaRPr>
-          </a:p>
-          <a:p>
-            <a:endParaRPr lang="zh-TW" altLang="en-US" sz="3600" dirty="0">
-              <a:latin typeface="標楷體" panose="03000509000000000000" pitchFamily="65" charset="-120"/>
-              <a:ea typeface="標楷體" panose="03000509000000000000" pitchFamily="65" charset="-120"/>
-            </a:endParaRPr>
-          </a:p>
-        </p:txBody>
-      </p:sp>
-    </p:spTree>
-    <p:extLst>
-      <p:ext uri="{BB962C8B-B14F-4D97-AF65-F5344CB8AC3E}">
-        <p14:creationId xmlns:p14="http://schemas.microsoft.com/office/powerpoint/2010/main" val="4137238080"/>
-      </p:ext>
-    </p:extLst>
-  </p:cSld>
-  <p:clrMapOvr>
-    <a:masterClrMapping/>
-  </p:clrMapOvr>
-  <p:timing>
-    <p:tnLst>
-      <p:par>
-        <p:cTn id="1" dur="indefinite" restart="never" nodeType="tmRoot"/>
-      </p:par>
-    </p:tnLst>
-  </p:timing>
-</p:sld>
-</file>
-
-<file path=ppt/slides/slide22.xml><?xml version="1.0" encoding="utf-8"?>
-<p:sld xmlns:a="http://schemas.openxmlformats.org/drawingml/2006/main" xmlns:r="http://schemas.openxmlformats.org/officeDocument/2006/relationships" xmlns:p="http://schemas.openxmlformats.org/presentationml/2006/main">
-  <p:cSld>
-    <p:spTree>
-      <p:nvGrpSpPr>
-        <p:cNvPr id="1" name=""/>
-        <p:cNvGrpSpPr/>
-        <p:nvPr/>
-      </p:nvGrpSpPr>
-      <p:grpSpPr>
-        <a:xfrm>
-          <a:off x="0" y="0"/>
-          <a:ext cx="0" cy="0"/>
-          <a:chOff x="0" y="0"/>
-          <a:chExt cx="0" cy="0"/>
-        </a:xfrm>
-      </p:grpSpPr>
-      <p:sp>
-        <p:nvSpPr>
-          <p:cNvPr id="2" name="標題 1"/>
-          <p:cNvSpPr>
-            <a:spLocks noGrp="1"/>
-          </p:cNvSpPr>
-          <p:nvPr>
-            <p:ph type="title"/>
-          </p:nvPr>
-        </p:nvSpPr>
-        <p:spPr>
-          <a:xfrm>
-            <a:off x="838199" y="2723744"/>
-            <a:ext cx="10515600" cy="1325563"/>
-          </a:xfrm>
-        </p:spPr>
-        <p:txBody>
-          <a:bodyPr/>
-          <a:lstStyle/>
-          <a:p>
-            <a:r>
-              <a:rPr lang="en-US" altLang="zh-TW" dirty="0" smtClean="0">
-                <a:latin typeface="標楷體" panose="03000509000000000000" pitchFamily="65" charset="-120"/>
-                <a:ea typeface="標楷體" panose="03000509000000000000" pitchFamily="65" charset="-120"/>
-              </a:rPr>
-              <a:t/>
-            </a:r>
-            <a:br>
-              <a:rPr lang="en-US" altLang="zh-TW" dirty="0" smtClean="0">
-                <a:latin typeface="標楷體" panose="03000509000000000000" pitchFamily="65" charset="-120"/>
-                <a:ea typeface="標楷體" panose="03000509000000000000" pitchFamily="65" charset="-120"/>
-              </a:rPr>
-            </a:br>
-            <a:r>
-              <a:rPr lang="en-US" altLang="zh-TW" dirty="0">
-                <a:latin typeface="標楷體" panose="03000509000000000000" pitchFamily="65" charset="-120"/>
-                <a:ea typeface="標楷體" panose="03000509000000000000" pitchFamily="65" charset="-120"/>
-              </a:rPr>
-              <a:t/>
-            </a:r>
-            <a:br>
-              <a:rPr lang="en-US" altLang="zh-TW" dirty="0">
-                <a:latin typeface="標楷體" panose="03000509000000000000" pitchFamily="65" charset="-120"/>
-                <a:ea typeface="標楷體" panose="03000509000000000000" pitchFamily="65" charset="-120"/>
-              </a:rPr>
-            </a:br>
-            <a:r>
-              <a:rPr lang="zh-TW" altLang="en-US" sz="5400" dirty="0">
-                <a:latin typeface="標楷體" panose="03000509000000000000" pitchFamily="65" charset="-120"/>
-                <a:ea typeface="標楷體" panose="03000509000000000000" pitchFamily="65" charset="-120"/>
-              </a:rPr>
-              <a:t>簡報結束</a:t>
-            </a:r>
-            <a:br>
-              <a:rPr lang="zh-TW" altLang="en-US" sz="5400" dirty="0">
-                <a:latin typeface="標楷體" panose="03000509000000000000" pitchFamily="65" charset="-120"/>
-                <a:ea typeface="標楷體" panose="03000509000000000000" pitchFamily="65" charset="-120"/>
-              </a:rPr>
-            </a:br>
-            <a:r>
-              <a:rPr lang="zh-TW" altLang="en-US" sz="5400" dirty="0">
-                <a:latin typeface="標楷體" panose="03000509000000000000" pitchFamily="65" charset="-120"/>
-                <a:ea typeface="標楷體" panose="03000509000000000000" pitchFamily="65" charset="-120"/>
-              </a:rPr>
-              <a:t/>
-            </a:r>
-            <a:br>
-              <a:rPr lang="zh-TW" altLang="en-US" sz="5400" dirty="0">
-                <a:latin typeface="標楷體" panose="03000509000000000000" pitchFamily="65" charset="-120"/>
-                <a:ea typeface="標楷體" panose="03000509000000000000" pitchFamily="65" charset="-120"/>
-              </a:rPr>
-            </a:br>
-            <a:r>
-              <a:rPr lang="zh-TW" altLang="en-US" sz="5400" dirty="0" smtClean="0">
-                <a:latin typeface="標楷體" panose="03000509000000000000" pitchFamily="65" charset="-120"/>
-                <a:ea typeface="標楷體" panose="03000509000000000000" pitchFamily="65" charset="-120"/>
-              </a:rPr>
-              <a:t>          感謝</a:t>
-            </a:r>
-            <a:r>
-              <a:rPr lang="zh-TW" altLang="en-US" sz="5400" dirty="0">
-                <a:latin typeface="標楷體" panose="03000509000000000000" pitchFamily="65" charset="-120"/>
-                <a:ea typeface="標楷體" panose="03000509000000000000" pitchFamily="65" charset="-120"/>
-              </a:rPr>
-              <a:t>聆聽</a:t>
-            </a:r>
-            <a:br>
-              <a:rPr lang="zh-TW" altLang="en-US" sz="5400" dirty="0">
-                <a:latin typeface="標楷體" panose="03000509000000000000" pitchFamily="65" charset="-120"/>
-                <a:ea typeface="標楷體" panose="03000509000000000000" pitchFamily="65" charset="-120"/>
-              </a:rPr>
-            </a:br>
-            <a:r>
-              <a:rPr lang="zh-TW" altLang="en-US" sz="5400" dirty="0">
-                <a:latin typeface="標楷體" panose="03000509000000000000" pitchFamily="65" charset="-120"/>
-                <a:ea typeface="標楷體" panose="03000509000000000000" pitchFamily="65" charset="-120"/>
-              </a:rPr>
-              <a:t/>
-            </a:r>
-            <a:br>
-              <a:rPr lang="zh-TW" altLang="en-US" sz="5400" dirty="0">
-                <a:latin typeface="標楷體" panose="03000509000000000000" pitchFamily="65" charset="-120"/>
-                <a:ea typeface="標楷體" panose="03000509000000000000" pitchFamily="65" charset="-120"/>
-              </a:rPr>
-            </a:br>
-            <a:r>
-              <a:rPr lang="zh-TW" altLang="en-US" sz="5400" dirty="0" smtClean="0">
-                <a:latin typeface="標楷體" panose="03000509000000000000" pitchFamily="65" charset="-120"/>
-                <a:ea typeface="標楷體" panose="03000509000000000000" pitchFamily="65" charset="-120"/>
-              </a:rPr>
-              <a:t>                    問題</a:t>
-            </a:r>
-            <a:r>
-              <a:rPr lang="zh-TW" altLang="en-US" sz="5400" dirty="0">
-                <a:latin typeface="標楷體" panose="03000509000000000000" pitchFamily="65" charset="-120"/>
-                <a:ea typeface="標楷體" panose="03000509000000000000" pitchFamily="65" charset="-120"/>
-              </a:rPr>
-              <a:t>討論</a:t>
-            </a:r>
-            <a:r>
-              <a:rPr lang="en-US" altLang="zh-TW" sz="5400" dirty="0" smtClean="0">
-                <a:latin typeface="標楷體" panose="03000509000000000000" pitchFamily="65" charset="-120"/>
-                <a:ea typeface="標楷體" panose="03000509000000000000" pitchFamily="65" charset="-120"/>
-              </a:rPr>
-              <a:t/>
-            </a:r>
-            <a:br>
-              <a:rPr lang="en-US" altLang="zh-TW" sz="5400" dirty="0" smtClean="0">
-                <a:latin typeface="標楷體" panose="03000509000000000000" pitchFamily="65" charset="-120"/>
-                <a:ea typeface="標楷體" panose="03000509000000000000" pitchFamily="65" charset="-120"/>
-              </a:rPr>
-            </a:br>
-            <a:r>
-              <a:rPr lang="en-US" altLang="zh-TW" dirty="0">
-                <a:latin typeface="標楷體" panose="03000509000000000000" pitchFamily="65" charset="-120"/>
-                <a:ea typeface="標楷體" panose="03000509000000000000" pitchFamily="65" charset="-120"/>
-              </a:rPr>
-              <a:t/>
-            </a:r>
-            <a:br>
-              <a:rPr lang="en-US" altLang="zh-TW" dirty="0">
-                <a:latin typeface="標楷體" panose="03000509000000000000" pitchFamily="65" charset="-120"/>
-                <a:ea typeface="標楷體" panose="03000509000000000000" pitchFamily="65" charset="-120"/>
-              </a:rPr>
-            </a:br>
-            <a:endParaRPr lang="zh-TW" altLang="en-US" dirty="0">
-              <a:latin typeface="標楷體" panose="03000509000000000000" pitchFamily="65" charset="-120"/>
-              <a:ea typeface="標楷體" panose="03000509000000000000" pitchFamily="65" charset="-120"/>
-            </a:endParaRPr>
-          </a:p>
-        </p:txBody>
-      </p:sp>
-    </p:spTree>
-    <p:extLst>
-      <p:ext uri="{BB962C8B-B14F-4D97-AF65-F5344CB8AC3E}">
-        <p14:creationId xmlns:p14="http://schemas.microsoft.com/office/powerpoint/2010/main" val="1252196550"/>
       </p:ext>
     </p:extLst>
   </p:cSld>
@@ -13072,7 +9355,7 @@
           <p:cNvPr id="3" name="文字方塊 2">
             <a:extLst>
               <a:ext uri="{FF2B5EF4-FFF2-40B4-BE49-F238E27FC236}">
-                <a16:creationId xmlns="" xmlns:a16="http://schemas.microsoft.com/office/drawing/2014/main" id="{1F143E55-6DA6-4B81-B1D8-56AF44573152}"/>
+                <a16:creationId xmlns:a16="http://schemas.microsoft.com/office/drawing/2014/main" id="{1F143E55-6DA6-4B81-B1D8-56AF44573152}"/>
               </a:ext>
             </a:extLst>
           </p:cNvPr>
@@ -14438,7 +10721,7 @@
   <a:extraClrSchemeLst/>
   <a:extLst>
     <a:ext uri="{05A4C25C-085E-4340-85A3-A5531E510DB2}">
-      <thm15:themeFamily xmlns="" xmlns:thm15="http://schemas.microsoft.com/office/thememl/2012/main" name="Office Theme" id="{62F939B6-93AF-4DB8-9C6B-D6C7DFDC589F}" vid="{4A3C46E8-61CC-4603-A589-7422A47A8E4A}"/>
+      <thm15:themeFamily xmlns:thm15="http://schemas.microsoft.com/office/thememl/2012/main" name="Office Theme" id="{62F939B6-93AF-4DB8-9C6B-D6C7DFDC589F}" vid="{4A3C46E8-61CC-4603-A589-7422A47A8E4A}"/>
     </a:ext>
   </a:extLst>
 </a:theme>
@@ -14699,7 +10982,7 @@
   <a:extraClrSchemeLst/>
   <a:extLst>
     <a:ext uri="{05A4C25C-085E-4340-85A3-A5531E510DB2}">
-      <thm15:themeFamily xmlns="" xmlns:thm15="http://schemas.microsoft.com/office/thememl/2012/main" name="Office Theme" id="{62F939B6-93AF-4DB8-9C6B-D6C7DFDC589F}" vid="{4A3C46E8-61CC-4603-A589-7422A47A8E4A}"/>
+      <thm15:themeFamily xmlns:thm15="http://schemas.microsoft.com/office/thememl/2012/main" name="Office Theme" id="{62F939B6-93AF-4DB8-9C6B-D6C7DFDC589F}" vid="{4A3C46E8-61CC-4603-A589-7422A47A8E4A}"/>
     </a:ext>
   </a:extLst>
 </a:theme>
